--- a/docs/Mini Project grp 10.pptx
+++ b/docs/Mini Project grp 10.pptx
@@ -10221,10 +10221,18 @@
               <a:buNone/>
             </a:pPr>
             <a:r>
+              <a:rPr lang="en" sz="3300" dirty="0"/>
+              <a:t>Simple </a:t>
+            </a:r>
+            <a:r>
               <a:rPr lang="en" sz="3300"/>
-              <a:t>Simple social platform to connect with college peers</a:t>
+              <a:t>social media platform </a:t>
             </a:r>
-            <a:endParaRPr sz="3300"/>
+            <a:r>
+              <a:rPr lang="en" sz="3300" dirty="0"/>
+              <a:t>to connect with college peers</a:t>
+            </a:r>
+            <a:endParaRPr sz="3300" dirty="0"/>
           </a:p>
         </p:txBody>
       </p:sp>

--- a/docs/Mini Project grp 10.pptx
+++ b/docs/Mini Project grp 10.pptx
@@ -1769,7 +1769,7 @@
               </a:spcAft>
               <a:buNone/>
             </a:pPr>
-            <a:endParaRPr/>
+            <a:endParaRPr dirty="0"/>
           </a:p>
         </p:txBody>
       </p:sp>
@@ -10198,8 +10198,8 @@
         </p:nvSpPr>
         <p:spPr>
           <a:xfrm>
-            <a:off x="3537150" y="1345000"/>
-            <a:ext cx="5017500" cy="1578900"/>
+            <a:off x="3413234" y="992850"/>
+            <a:ext cx="5141416" cy="1578900"/>
           </a:xfrm>
           <a:prstGeom prst="rect">
             <a:avLst/>
@@ -10222,15 +10222,15 @@
             </a:pPr>
             <a:r>
               <a:rPr lang="en" sz="3300" dirty="0"/>
-              <a:t>Simple </a:t>
+              <a:t>Simple social platform to connect with college peers (</a:t>
             </a:r>
             <a:r>
-              <a:rPr lang="en" sz="3300"/>
-              <a:t>social media platform </a:t>
+              <a:rPr lang="en" sz="3300" dirty="0" err="1"/>
+              <a:t>Connecture</a:t>
             </a:r>
             <a:r>
               <a:rPr lang="en" sz="3300" dirty="0"/>
-              <a:t>to connect with college peers</a:t>
+              <a:t>)</a:t>
             </a:r>
             <a:endParaRPr sz="3300" dirty="0"/>
           </a:p>
@@ -10249,7 +10249,7 @@
         <p:spPr>
           <a:xfrm>
             <a:off x="5083950" y="3665600"/>
-            <a:ext cx="3470700" cy="506100"/>
+            <a:ext cx="3470700" cy="980828"/>
           </a:xfrm>
           <a:prstGeom prst="rect">
             <a:avLst/>

--- a/docs/Mini Project grp 10.pptx
+++ b/docs/Mini Project grp 10.pptx
@@ -1282,7 +1282,7 @@
         </p:nvSpPr>
         <p:spPr>
           <a:xfrm>
-            <a:off x="381300" y="685800"/>
+            <a:off x="381000" y="685800"/>
             <a:ext cx="6096000" cy="3429000"/>
           </a:xfrm>
           <a:custGeom>
@@ -1602,7 +1602,7 @@
         </p:nvSpPr>
         <p:spPr>
           <a:xfrm>
-            <a:off x="381300" y="685800"/>
+            <a:off x="381000" y="685800"/>
             <a:ext cx="6096000" cy="3429000"/>
           </a:xfrm>
           <a:custGeom>
@@ -10978,10 +10978,10 @@
               <a:buNone/>
             </a:pPr>
             <a:r>
-              <a:rPr lang="en"/>
+              <a:rPr lang="en" dirty="0"/>
               <a:t>•    Exploring new technology, knowledge, and skills is an important step to try to find a new passion or to polish an existing one.  But, finding and connecting with new people who share a common interest can be a bit overwhelming at times. </a:t>
             </a:r>
-            <a:endParaRPr/>
+            <a:endParaRPr dirty="0"/>
           </a:p>
           <a:p>
             <a:pPr marL="0" lvl="0" indent="0" algn="just" rtl="0">
@@ -10997,10 +10997,10 @@
               <a:buNone/>
             </a:pPr>
             <a:r>
-              <a:rPr lang="en"/>
+              <a:rPr lang="en" dirty="0"/>
               <a:t>•   We would be addressing this very issue by designing a centralized platform wherein students and teachers can build new connections, post information and stuff that can help to create an inspiring and encouraging environment to learn, develop and venture for all. </a:t>
             </a:r>
-            <a:endParaRPr/>
+            <a:endParaRPr dirty="0"/>
           </a:p>
           <a:p>
             <a:pPr marL="0" lvl="0" indent="0" algn="l" rtl="0">
@@ -11016,10 +11016,10 @@
               <a:buNone/>
             </a:pPr>
             <a:r>
-              <a:rPr lang="en"/>
-              <a:t>•    For this mini-project, we aim to develop an online social media platform at an institute level wherein students can connect with and share tech-related ideas, knowledge and help foster a rich tech culture in our college.</a:t>
+              <a:rPr lang="en" dirty="0"/>
+              <a:t>•    For this mini-project, we aim to develop an online social media platform at an institute level wherein students can connect with and share tech-related ideas, knowledge and help foster a rich coding culture in our college.</a:t>
             </a:r>
-            <a:endParaRPr/>
+            <a:endParaRPr dirty="0"/>
           </a:p>
         </p:txBody>
       </p:sp>
@@ -11445,10 +11445,14 @@
               <a:buNone/>
             </a:pPr>
             <a:r>
+              <a:rPr lang="en" dirty="0"/>
+              <a:t>1) To develop a </a:t>
+            </a:r>
+            <a:r>
               <a:rPr lang="en"/>
-              <a:t>1) To develop a rich tech culture in college. </a:t>
+              <a:t>rich coding culture in college. </a:t>
             </a:r>
-            <a:endParaRPr/>
+            <a:endParaRPr dirty="0"/>
           </a:p>
           <a:p>
             <a:pPr marL="0" lvl="0" indent="0" algn="l" rtl="0">
@@ -11461,10 +11465,10 @@
               <a:buNone/>
             </a:pPr>
             <a:r>
-              <a:rPr lang="en"/>
+              <a:rPr lang="en" dirty="0"/>
               <a:t>2) To help college students connect and interact in a way that would lead to their skill development. </a:t>
             </a:r>
-            <a:endParaRPr/>
+            <a:endParaRPr dirty="0"/>
           </a:p>
           <a:p>
             <a:pPr marL="0" lvl="0" indent="0" algn="l" rtl="0">
@@ -11477,10 +11481,10 @@
               <a:buNone/>
             </a:pPr>
             <a:r>
-              <a:rPr lang="en"/>
+              <a:rPr lang="en" dirty="0"/>
               <a:t>3) To keep everyone updated about the current technical scenario and to present them with opportunities which would strengthen their vital skills in their college years.</a:t>
             </a:r>
-            <a:endParaRPr/>
+            <a:endParaRPr dirty="0"/>
           </a:p>
         </p:txBody>
       </p:sp>

--- a/docs/Mini Project grp 10.pptx
+++ b/docs/Mini Project grp 10.pptx
@@ -5,39 +5,28 @@
     <p:sldMasterId id="2147483659" r:id="rId1"/>
   </p:sldMasterIdLst>
   <p:notesMasterIdLst>
-    <p:notesMasterId r:id="rId15"/>
+    <p:notesMasterId r:id="rId4"/>
   </p:notesMasterIdLst>
   <p:sldIdLst>
     <p:sldId id="256" r:id="rId2"/>
     <p:sldId id="257" r:id="rId3"/>
-    <p:sldId id="258" r:id="rId4"/>
-    <p:sldId id="259" r:id="rId5"/>
-    <p:sldId id="260" r:id="rId6"/>
-    <p:sldId id="261" r:id="rId7"/>
-    <p:sldId id="262" r:id="rId8"/>
-    <p:sldId id="263" r:id="rId9"/>
-    <p:sldId id="264" r:id="rId10"/>
-    <p:sldId id="265" r:id="rId11"/>
-    <p:sldId id="266" r:id="rId12"/>
-    <p:sldId id="267" r:id="rId13"/>
-    <p:sldId id="268" r:id="rId14"/>
   </p:sldIdLst>
   <p:sldSz cx="9144000" cy="5143500" type="screen16x9"/>
   <p:notesSz cx="6858000" cy="9144000"/>
   <p:embeddedFontLst>
     <p:embeddedFont>
       <p:font typeface="Lato" panose="020F0502020204030203" pitchFamily="34" charset="77"/>
-      <p:regular r:id="rId16"/>
-      <p:bold r:id="rId17"/>
-      <p:italic r:id="rId18"/>
-      <p:boldItalic r:id="rId19"/>
+      <p:regular r:id="rId5"/>
+      <p:bold r:id="rId6"/>
+      <p:italic r:id="rId7"/>
+      <p:boldItalic r:id="rId8"/>
     </p:embeddedFont>
     <p:embeddedFont>
       <p:font typeface="Montserrat" pitchFamily="2" charset="77"/>
-      <p:regular r:id="rId20"/>
-      <p:bold r:id="rId21"/>
-      <p:italic r:id="rId22"/>
-      <p:boldItalic r:id="rId23"/>
+      <p:regular r:id="rId9"/>
+      <p:bold r:id="rId10"/>
+      <p:italic r:id="rId11"/>
+      <p:boldItalic r:id="rId12"/>
     </p:embeddedFont>
   </p:embeddedFontLst>
   <p:defaultTextStyle>
@@ -837,422 +826,6 @@
 </p:notes>
 </file>
 
-<file path=ppt/notesSlides/notesSlide10.xml><?xml version="1.0" encoding="utf-8"?>
-<p:notes xmlns:a="http://schemas.openxmlformats.org/drawingml/2006/main" xmlns:r="http://schemas.openxmlformats.org/officeDocument/2006/relationships" xmlns:p="http://schemas.openxmlformats.org/presentationml/2006/main" showMasterSp="0" showMasterPhAnim="0">
-  <p:cSld>
-    <p:spTree>
-      <p:nvGrpSpPr>
-        <p:cNvPr id="1" name="Shape 183"/>
-        <p:cNvGrpSpPr/>
-        <p:nvPr/>
-      </p:nvGrpSpPr>
-      <p:grpSpPr>
-        <a:xfrm>
-          <a:off x="0" y="0"/>
-          <a:ext cx="0" cy="0"/>
-          <a:chOff x="0" y="0"/>
-          <a:chExt cx="0" cy="0"/>
-        </a:xfrm>
-      </p:grpSpPr>
-      <p:sp>
-        <p:nvSpPr>
-          <p:cNvPr id="184" name="Google Shape;184;gaca73a9f83_0_26:notes"/>
-          <p:cNvSpPr>
-            <a:spLocks noGrp="1" noRot="1" noChangeAspect="1"/>
-          </p:cNvSpPr>
-          <p:nvPr>
-            <p:ph type="sldImg" idx="2"/>
-          </p:nvPr>
-        </p:nvSpPr>
-        <p:spPr>
-          <a:xfrm>
-            <a:off x="381300" y="685800"/>
-            <a:ext cx="6096000" cy="3429000"/>
-          </a:xfrm>
-          <a:custGeom>
-            <a:avLst/>
-            <a:gdLst/>
-            <a:ahLst/>
-            <a:cxnLst/>
-            <a:rect l="l" t="t" r="r" b="b"/>
-            <a:pathLst>
-              <a:path w="120000" h="120000" extrusionOk="0">
-                <a:moveTo>
-                  <a:pt x="0" y="0"/>
-                </a:moveTo>
-                <a:lnTo>
-                  <a:pt x="120000" y="0"/>
-                </a:lnTo>
-                <a:lnTo>
-                  <a:pt x="120000" y="120000"/>
-                </a:lnTo>
-                <a:lnTo>
-                  <a:pt x="0" y="120000"/>
-                </a:lnTo>
-                <a:close/>
-              </a:path>
-            </a:pathLst>
-          </a:custGeom>
-        </p:spPr>
-      </p:sp>
-      <p:sp>
-        <p:nvSpPr>
-          <p:cNvPr id="185" name="Google Shape;185;gaca73a9f83_0_26:notes"/>
-          <p:cNvSpPr txBox="1">
-            <a:spLocks noGrp="1"/>
-          </p:cNvSpPr>
-          <p:nvPr>
-            <p:ph type="body" idx="1"/>
-          </p:nvPr>
-        </p:nvSpPr>
-        <p:spPr>
-          <a:xfrm>
-            <a:off x="685800" y="4343400"/>
-            <a:ext cx="5486400" cy="4114800"/>
-          </a:xfrm>
-          <a:prstGeom prst="rect">
-            <a:avLst/>
-          </a:prstGeom>
-        </p:spPr>
-        <p:txBody>
-          <a:bodyPr spcFirstLastPara="1" wrap="square" lIns="91425" tIns="91425" rIns="91425" bIns="91425" anchor="t" anchorCtr="0">
-            <a:noAutofit/>
-          </a:bodyPr>
-          <a:lstStyle/>
-          <a:p>
-            <a:pPr marL="0" lvl="0" indent="0" algn="l" rtl="0">
-              <a:spcBef>
-                <a:spcPts val="0"/>
-              </a:spcBef>
-              <a:spcAft>
-                <a:spcPts val="0"/>
-              </a:spcAft>
-              <a:buNone/>
-            </a:pPr>
-            <a:endParaRPr/>
-          </a:p>
-        </p:txBody>
-      </p:sp>
-    </p:spTree>
-  </p:cSld>
-  <p:clrMapOvr>
-    <a:masterClrMapping/>
-  </p:clrMapOvr>
-</p:notes>
-</file>
-
-<file path=ppt/notesSlides/notesSlide11.xml><?xml version="1.0" encoding="utf-8"?>
-<p:notes xmlns:a="http://schemas.openxmlformats.org/drawingml/2006/main" xmlns:r="http://schemas.openxmlformats.org/officeDocument/2006/relationships" xmlns:p="http://schemas.openxmlformats.org/presentationml/2006/main" showMasterSp="0" showMasterPhAnim="0">
-  <p:cSld>
-    <p:spTree>
-      <p:nvGrpSpPr>
-        <p:cNvPr id="1" name="Shape 189"/>
-        <p:cNvGrpSpPr/>
-        <p:nvPr/>
-      </p:nvGrpSpPr>
-      <p:grpSpPr>
-        <a:xfrm>
-          <a:off x="0" y="0"/>
-          <a:ext cx="0" cy="0"/>
-          <a:chOff x="0" y="0"/>
-          <a:chExt cx="0" cy="0"/>
-        </a:xfrm>
-      </p:grpSpPr>
-      <p:sp>
-        <p:nvSpPr>
-          <p:cNvPr id="190" name="Google Shape;190;ga93051af00_8_26:notes"/>
-          <p:cNvSpPr>
-            <a:spLocks noGrp="1" noRot="1" noChangeAspect="1"/>
-          </p:cNvSpPr>
-          <p:nvPr>
-            <p:ph type="sldImg" idx="2"/>
-          </p:nvPr>
-        </p:nvSpPr>
-        <p:spPr>
-          <a:xfrm>
-            <a:off x="381300" y="685800"/>
-            <a:ext cx="6096000" cy="3429000"/>
-          </a:xfrm>
-          <a:custGeom>
-            <a:avLst/>
-            <a:gdLst/>
-            <a:ahLst/>
-            <a:cxnLst/>
-            <a:rect l="l" t="t" r="r" b="b"/>
-            <a:pathLst>
-              <a:path w="120000" h="120000" extrusionOk="0">
-                <a:moveTo>
-                  <a:pt x="0" y="0"/>
-                </a:moveTo>
-                <a:lnTo>
-                  <a:pt x="120000" y="0"/>
-                </a:lnTo>
-                <a:lnTo>
-                  <a:pt x="120000" y="120000"/>
-                </a:lnTo>
-                <a:lnTo>
-                  <a:pt x="0" y="120000"/>
-                </a:lnTo>
-                <a:close/>
-              </a:path>
-            </a:pathLst>
-          </a:custGeom>
-        </p:spPr>
-      </p:sp>
-      <p:sp>
-        <p:nvSpPr>
-          <p:cNvPr id="191" name="Google Shape;191;ga93051af00_8_26:notes"/>
-          <p:cNvSpPr txBox="1">
-            <a:spLocks noGrp="1"/>
-          </p:cNvSpPr>
-          <p:nvPr>
-            <p:ph type="body" idx="1"/>
-          </p:nvPr>
-        </p:nvSpPr>
-        <p:spPr>
-          <a:xfrm>
-            <a:off x="685800" y="4343400"/>
-            <a:ext cx="5486400" cy="4114800"/>
-          </a:xfrm>
-          <a:prstGeom prst="rect">
-            <a:avLst/>
-          </a:prstGeom>
-        </p:spPr>
-        <p:txBody>
-          <a:bodyPr spcFirstLastPara="1" wrap="square" lIns="91425" tIns="91425" rIns="91425" bIns="91425" anchor="t" anchorCtr="0">
-            <a:noAutofit/>
-          </a:bodyPr>
-          <a:lstStyle/>
-          <a:p>
-            <a:pPr marL="0" lvl="0" indent="0" algn="l" rtl="0">
-              <a:spcBef>
-                <a:spcPts val="0"/>
-              </a:spcBef>
-              <a:spcAft>
-                <a:spcPts val="0"/>
-              </a:spcAft>
-              <a:buNone/>
-            </a:pPr>
-            <a:endParaRPr/>
-          </a:p>
-        </p:txBody>
-      </p:sp>
-    </p:spTree>
-  </p:cSld>
-  <p:clrMapOvr>
-    <a:masterClrMapping/>
-  </p:clrMapOvr>
-</p:notes>
-</file>
-
-<file path=ppt/notesSlides/notesSlide12.xml><?xml version="1.0" encoding="utf-8"?>
-<p:notes xmlns:a="http://schemas.openxmlformats.org/drawingml/2006/main" xmlns:r="http://schemas.openxmlformats.org/officeDocument/2006/relationships" xmlns:p="http://schemas.openxmlformats.org/presentationml/2006/main" showMasterSp="0" showMasterPhAnim="0">
-  <p:cSld>
-    <p:spTree>
-      <p:nvGrpSpPr>
-        <p:cNvPr id="1" name="Shape 195"/>
-        <p:cNvGrpSpPr/>
-        <p:nvPr/>
-      </p:nvGrpSpPr>
-      <p:grpSpPr>
-        <a:xfrm>
-          <a:off x="0" y="0"/>
-          <a:ext cx="0" cy="0"/>
-          <a:chOff x="0" y="0"/>
-          <a:chExt cx="0" cy="0"/>
-        </a:xfrm>
-      </p:grpSpPr>
-      <p:sp>
-        <p:nvSpPr>
-          <p:cNvPr id="196" name="Google Shape;196;ga93051af00_10_5:notes"/>
-          <p:cNvSpPr>
-            <a:spLocks noGrp="1" noRot="1" noChangeAspect="1"/>
-          </p:cNvSpPr>
-          <p:nvPr>
-            <p:ph type="sldImg" idx="2"/>
-          </p:nvPr>
-        </p:nvSpPr>
-        <p:spPr>
-          <a:xfrm>
-            <a:off x="381300" y="685800"/>
-            <a:ext cx="6096000" cy="3429000"/>
-          </a:xfrm>
-          <a:custGeom>
-            <a:avLst/>
-            <a:gdLst/>
-            <a:ahLst/>
-            <a:cxnLst/>
-            <a:rect l="l" t="t" r="r" b="b"/>
-            <a:pathLst>
-              <a:path w="120000" h="120000" extrusionOk="0">
-                <a:moveTo>
-                  <a:pt x="0" y="0"/>
-                </a:moveTo>
-                <a:lnTo>
-                  <a:pt x="120000" y="0"/>
-                </a:lnTo>
-                <a:lnTo>
-                  <a:pt x="120000" y="120000"/>
-                </a:lnTo>
-                <a:lnTo>
-                  <a:pt x="0" y="120000"/>
-                </a:lnTo>
-                <a:close/>
-              </a:path>
-            </a:pathLst>
-          </a:custGeom>
-        </p:spPr>
-      </p:sp>
-      <p:sp>
-        <p:nvSpPr>
-          <p:cNvPr id="197" name="Google Shape;197;ga93051af00_10_5:notes"/>
-          <p:cNvSpPr txBox="1">
-            <a:spLocks noGrp="1"/>
-          </p:cNvSpPr>
-          <p:nvPr>
-            <p:ph type="body" idx="1"/>
-          </p:nvPr>
-        </p:nvSpPr>
-        <p:spPr>
-          <a:xfrm>
-            <a:off x="685800" y="4343400"/>
-            <a:ext cx="5486400" cy="4114800"/>
-          </a:xfrm>
-          <a:prstGeom prst="rect">
-            <a:avLst/>
-          </a:prstGeom>
-        </p:spPr>
-        <p:txBody>
-          <a:bodyPr spcFirstLastPara="1" wrap="square" lIns="91425" tIns="91425" rIns="91425" bIns="91425" anchor="t" anchorCtr="0">
-            <a:noAutofit/>
-          </a:bodyPr>
-          <a:lstStyle/>
-          <a:p>
-            <a:pPr marL="0" lvl="0" indent="0" algn="l" rtl="0">
-              <a:spcBef>
-                <a:spcPts val="0"/>
-              </a:spcBef>
-              <a:spcAft>
-                <a:spcPts val="0"/>
-              </a:spcAft>
-              <a:buNone/>
-            </a:pPr>
-            <a:endParaRPr/>
-          </a:p>
-        </p:txBody>
-      </p:sp>
-    </p:spTree>
-  </p:cSld>
-  <p:clrMapOvr>
-    <a:masterClrMapping/>
-  </p:clrMapOvr>
-</p:notes>
-</file>
-
-<file path=ppt/notesSlides/notesSlide13.xml><?xml version="1.0" encoding="utf-8"?>
-<p:notes xmlns:a="http://schemas.openxmlformats.org/drawingml/2006/main" xmlns:r="http://schemas.openxmlformats.org/officeDocument/2006/relationships" xmlns:p="http://schemas.openxmlformats.org/presentationml/2006/main" showMasterSp="0" showMasterPhAnim="0">
-  <p:cSld>
-    <p:spTree>
-      <p:nvGrpSpPr>
-        <p:cNvPr id="1" name="Shape 201"/>
-        <p:cNvGrpSpPr/>
-        <p:nvPr/>
-      </p:nvGrpSpPr>
-      <p:grpSpPr>
-        <a:xfrm>
-          <a:off x="0" y="0"/>
-          <a:ext cx="0" cy="0"/>
-          <a:chOff x="0" y="0"/>
-          <a:chExt cx="0" cy="0"/>
-        </a:xfrm>
-      </p:grpSpPr>
-      <p:sp>
-        <p:nvSpPr>
-          <p:cNvPr id="202" name="Google Shape;202;ga273d51218_1_5:notes"/>
-          <p:cNvSpPr>
-            <a:spLocks noGrp="1" noRot="1" noChangeAspect="1"/>
-          </p:cNvSpPr>
-          <p:nvPr>
-            <p:ph type="sldImg" idx="2"/>
-          </p:nvPr>
-        </p:nvSpPr>
-        <p:spPr>
-          <a:xfrm>
-            <a:off x="381000" y="685800"/>
-            <a:ext cx="6096000" cy="3429000"/>
-          </a:xfrm>
-          <a:custGeom>
-            <a:avLst/>
-            <a:gdLst/>
-            <a:ahLst/>
-            <a:cxnLst/>
-            <a:rect l="l" t="t" r="r" b="b"/>
-            <a:pathLst>
-              <a:path w="120000" h="120000" extrusionOk="0">
-                <a:moveTo>
-                  <a:pt x="0" y="0"/>
-                </a:moveTo>
-                <a:lnTo>
-                  <a:pt x="120000" y="0"/>
-                </a:lnTo>
-                <a:lnTo>
-                  <a:pt x="120000" y="120000"/>
-                </a:lnTo>
-                <a:lnTo>
-                  <a:pt x="0" y="120000"/>
-                </a:lnTo>
-                <a:close/>
-              </a:path>
-            </a:pathLst>
-          </a:custGeom>
-        </p:spPr>
-      </p:sp>
-      <p:sp>
-        <p:nvSpPr>
-          <p:cNvPr id="203" name="Google Shape;203;ga273d51218_1_5:notes"/>
-          <p:cNvSpPr txBox="1">
-            <a:spLocks noGrp="1"/>
-          </p:cNvSpPr>
-          <p:nvPr>
-            <p:ph type="body" idx="1"/>
-          </p:nvPr>
-        </p:nvSpPr>
-        <p:spPr>
-          <a:xfrm>
-            <a:off x="685800" y="4343400"/>
-            <a:ext cx="5486400" cy="4114800"/>
-          </a:xfrm>
-          <a:prstGeom prst="rect">
-            <a:avLst/>
-          </a:prstGeom>
-        </p:spPr>
-        <p:txBody>
-          <a:bodyPr spcFirstLastPara="1" wrap="square" lIns="91425" tIns="91425" rIns="91425" bIns="91425" anchor="t" anchorCtr="0">
-            <a:noAutofit/>
-          </a:bodyPr>
-          <a:lstStyle/>
-          <a:p>
-            <a:pPr marL="0" lvl="0" indent="0" algn="l" rtl="0">
-              <a:spcBef>
-                <a:spcPts val="0"/>
-              </a:spcBef>
-              <a:spcAft>
-                <a:spcPts val="0"/>
-              </a:spcAft>
-              <a:buNone/>
-            </a:pPr>
-            <a:endParaRPr/>
-          </a:p>
-        </p:txBody>
-      </p:sp>
-    </p:spTree>
-  </p:cSld>
-  <p:clrMapOvr>
-    <a:masterClrMapping/>
-  </p:clrMapOvr>
-</p:notes>
-</file>
-
 <file path=ppt/notesSlides/notesSlide2.xml><?xml version="1.0" encoding="utf-8"?>
 <p:notes xmlns:a="http://schemas.openxmlformats.org/drawingml/2006/main" xmlns:r="http://schemas.openxmlformats.org/officeDocument/2006/relationships" xmlns:p="http://schemas.openxmlformats.org/presentationml/2006/main" showMasterSp="0" showMasterPhAnim="0">
   <p:cSld>
@@ -1349,738 +922,6 @@
               <a:rPr lang="en"/>
               <a:t>Let me walk you through the problem statement. College is really a fun place where everyone tries to grow and develop, learn new skills, meet new people, find hobbies and passion. But, it is really common and easy to get a but lost here. Majorly this situation arises due to confusion or just the fact that you don’t know enough people, or have a really a good guidance or some sort of backup. So, while addressing this issue, we thought of creating a unified digital platform which would help to overcome many of such problems. One can build connections, know more people very easily than what he/she can in real life and hence, spiking his/her development curve. That’s exactly what we aspire to develop for this mini-project, an online social tool at an institute level, where all students can interact with each other, including the faculties and share new ideas and concepts, just about anything that gets people interested in tech, and hence help foster a rich tech culture in out college. Also, this would help everyone to keep themselves update with the current tech scenario and help others to do the same.</a:t>
             </a:r>
-            <a:endParaRPr/>
-          </a:p>
-        </p:txBody>
-      </p:sp>
-    </p:spTree>
-  </p:cSld>
-  <p:clrMapOvr>
-    <a:masterClrMapping/>
-  </p:clrMapOvr>
-</p:notes>
-</file>
-
-<file path=ppt/notesSlides/notesSlide3.xml><?xml version="1.0" encoding="utf-8"?>
-<p:notes xmlns:a="http://schemas.openxmlformats.org/drawingml/2006/main" xmlns:r="http://schemas.openxmlformats.org/officeDocument/2006/relationships" xmlns:p="http://schemas.openxmlformats.org/presentationml/2006/main" showMasterSp="0" showMasterPhAnim="0">
-  <p:cSld>
-    <p:spTree>
-      <p:nvGrpSpPr>
-        <p:cNvPr id="1" name="Shape 142"/>
-        <p:cNvGrpSpPr/>
-        <p:nvPr/>
-      </p:nvGrpSpPr>
-      <p:grpSpPr>
-        <a:xfrm>
-          <a:off x="0" y="0"/>
-          <a:ext cx="0" cy="0"/>
-          <a:chOff x="0" y="0"/>
-          <a:chExt cx="0" cy="0"/>
-        </a:xfrm>
-      </p:grpSpPr>
-      <p:sp>
-        <p:nvSpPr>
-          <p:cNvPr id="143" name="Google Shape;143;gac7436f729_0_851:notes"/>
-          <p:cNvSpPr>
-            <a:spLocks noGrp="1" noRot="1" noChangeAspect="1"/>
-          </p:cNvSpPr>
-          <p:nvPr>
-            <p:ph type="sldImg" idx="2"/>
-          </p:nvPr>
-        </p:nvSpPr>
-        <p:spPr>
-          <a:xfrm>
-            <a:off x="381300" y="685800"/>
-            <a:ext cx="6096000" cy="3429000"/>
-          </a:xfrm>
-          <a:custGeom>
-            <a:avLst/>
-            <a:gdLst/>
-            <a:ahLst/>
-            <a:cxnLst/>
-            <a:rect l="l" t="t" r="r" b="b"/>
-            <a:pathLst>
-              <a:path w="120000" h="120000" extrusionOk="0">
-                <a:moveTo>
-                  <a:pt x="0" y="0"/>
-                </a:moveTo>
-                <a:lnTo>
-                  <a:pt x="120000" y="0"/>
-                </a:lnTo>
-                <a:lnTo>
-                  <a:pt x="120000" y="120000"/>
-                </a:lnTo>
-                <a:lnTo>
-                  <a:pt x="0" y="120000"/>
-                </a:lnTo>
-                <a:close/>
-              </a:path>
-            </a:pathLst>
-          </a:custGeom>
-        </p:spPr>
-      </p:sp>
-      <p:sp>
-        <p:nvSpPr>
-          <p:cNvPr id="144" name="Google Shape;144;gac7436f729_0_851:notes"/>
-          <p:cNvSpPr txBox="1">
-            <a:spLocks noGrp="1"/>
-          </p:cNvSpPr>
-          <p:nvPr>
-            <p:ph type="body" idx="1"/>
-          </p:nvPr>
-        </p:nvSpPr>
-        <p:spPr>
-          <a:xfrm>
-            <a:off x="685800" y="4343400"/>
-            <a:ext cx="5486400" cy="4114800"/>
-          </a:xfrm>
-          <a:prstGeom prst="rect">
-            <a:avLst/>
-          </a:prstGeom>
-        </p:spPr>
-        <p:txBody>
-          <a:bodyPr spcFirstLastPara="1" wrap="square" lIns="91425" tIns="91425" rIns="91425" bIns="91425" anchor="t" anchorCtr="0">
-            <a:noAutofit/>
-          </a:bodyPr>
-          <a:lstStyle/>
-          <a:p>
-            <a:pPr marL="0" lvl="0" indent="0" algn="l" rtl="0">
-              <a:spcBef>
-                <a:spcPts val="0"/>
-              </a:spcBef>
-              <a:spcAft>
-                <a:spcPts val="0"/>
-              </a:spcAft>
-              <a:buNone/>
-            </a:pPr>
-            <a:r>
-              <a:rPr lang="en"/>
-              <a:t>Let me again quickly explain you the abstract here. This platform is solely based on the concept on making meaningful and new connections. When it comes to succeeding, it is important to maintain a constant supportive environment, and being surrounded by people with similar interests, and that is what this platform will cater to. By providing access to every student on a single, organised digital platform would significantly change the way college students interact. We really have enough sophisticated social platforms which help to achieve the same - connections, but the real difference is that a setup right at the institute level leverages this digital service into helping student form strong communities.</a:t>
-            </a:r>
-            <a:endParaRPr/>
-          </a:p>
-        </p:txBody>
-      </p:sp>
-    </p:spTree>
-  </p:cSld>
-  <p:clrMapOvr>
-    <a:masterClrMapping/>
-  </p:clrMapOvr>
-</p:notes>
-</file>
-
-<file path=ppt/notesSlides/notesSlide4.xml><?xml version="1.0" encoding="utf-8"?>
-<p:notes xmlns:a="http://schemas.openxmlformats.org/drawingml/2006/main" xmlns:r="http://schemas.openxmlformats.org/officeDocument/2006/relationships" xmlns:p="http://schemas.openxmlformats.org/presentationml/2006/main" showMasterSp="0" showMasterPhAnim="0">
-  <p:cSld>
-    <p:spTree>
-      <p:nvGrpSpPr>
-        <p:cNvPr id="1" name="Shape 148"/>
-        <p:cNvGrpSpPr/>
-        <p:nvPr/>
-      </p:nvGrpSpPr>
-      <p:grpSpPr>
-        <a:xfrm>
-          <a:off x="0" y="0"/>
-          <a:ext cx="0" cy="0"/>
-          <a:chOff x="0" y="0"/>
-          <a:chExt cx="0" cy="0"/>
-        </a:xfrm>
-      </p:grpSpPr>
-      <p:sp>
-        <p:nvSpPr>
-          <p:cNvPr id="149" name="Google Shape;149;ga93051af00_8_7:notes"/>
-          <p:cNvSpPr>
-            <a:spLocks noGrp="1" noRot="1" noChangeAspect="1"/>
-          </p:cNvSpPr>
-          <p:nvPr>
-            <p:ph type="sldImg" idx="2"/>
-          </p:nvPr>
-        </p:nvSpPr>
-        <p:spPr>
-          <a:xfrm>
-            <a:off x="381000" y="685800"/>
-            <a:ext cx="6096000" cy="3429000"/>
-          </a:xfrm>
-          <a:custGeom>
-            <a:avLst/>
-            <a:gdLst/>
-            <a:ahLst/>
-            <a:cxnLst/>
-            <a:rect l="l" t="t" r="r" b="b"/>
-            <a:pathLst>
-              <a:path w="120000" h="120000" extrusionOk="0">
-                <a:moveTo>
-                  <a:pt x="0" y="0"/>
-                </a:moveTo>
-                <a:lnTo>
-                  <a:pt x="120000" y="0"/>
-                </a:lnTo>
-                <a:lnTo>
-                  <a:pt x="120000" y="120000"/>
-                </a:lnTo>
-                <a:lnTo>
-                  <a:pt x="0" y="120000"/>
-                </a:lnTo>
-                <a:close/>
-              </a:path>
-            </a:pathLst>
-          </a:custGeom>
-        </p:spPr>
-      </p:sp>
-      <p:sp>
-        <p:nvSpPr>
-          <p:cNvPr id="150" name="Google Shape;150;ga93051af00_8_7:notes"/>
-          <p:cNvSpPr txBox="1">
-            <a:spLocks noGrp="1"/>
-          </p:cNvSpPr>
-          <p:nvPr>
-            <p:ph type="body" idx="1"/>
-          </p:nvPr>
-        </p:nvSpPr>
-        <p:spPr>
-          <a:xfrm>
-            <a:off x="685800" y="4343400"/>
-            <a:ext cx="5486400" cy="4114800"/>
-          </a:xfrm>
-          <a:prstGeom prst="rect">
-            <a:avLst/>
-          </a:prstGeom>
-        </p:spPr>
-        <p:txBody>
-          <a:bodyPr spcFirstLastPara="1" wrap="square" lIns="91425" tIns="91425" rIns="91425" bIns="91425" anchor="t" anchorCtr="0">
-            <a:noAutofit/>
-          </a:bodyPr>
-          <a:lstStyle/>
-          <a:p>
-            <a:pPr marL="0" lvl="0" indent="0" algn="l" rtl="0">
-              <a:spcBef>
-                <a:spcPts val="0"/>
-              </a:spcBef>
-              <a:spcAft>
-                <a:spcPts val="0"/>
-              </a:spcAft>
-              <a:buNone/>
-            </a:pPr>
-            <a:endParaRPr/>
-          </a:p>
-        </p:txBody>
-      </p:sp>
-    </p:spTree>
-  </p:cSld>
-  <p:clrMapOvr>
-    <a:masterClrMapping/>
-  </p:clrMapOvr>
-</p:notes>
-</file>
-
-<file path=ppt/notesSlides/notesSlide5.xml><?xml version="1.0" encoding="utf-8"?>
-<p:notes xmlns:a="http://schemas.openxmlformats.org/drawingml/2006/main" xmlns:r="http://schemas.openxmlformats.org/officeDocument/2006/relationships" xmlns:p="http://schemas.openxmlformats.org/presentationml/2006/main" showMasterSp="0" showMasterPhAnim="0">
-  <p:cSld>
-    <p:spTree>
-      <p:nvGrpSpPr>
-        <p:cNvPr id="1" name="Shape 154"/>
-        <p:cNvGrpSpPr/>
-        <p:nvPr/>
-      </p:nvGrpSpPr>
-      <p:grpSpPr>
-        <a:xfrm>
-          <a:off x="0" y="0"/>
-          <a:ext cx="0" cy="0"/>
-          <a:chOff x="0" y="0"/>
-          <a:chExt cx="0" cy="0"/>
-        </a:xfrm>
-      </p:grpSpPr>
-      <p:sp>
-        <p:nvSpPr>
-          <p:cNvPr id="155" name="Google Shape;155;ga93051af00_8_0:notes"/>
-          <p:cNvSpPr>
-            <a:spLocks noGrp="1" noRot="1" noChangeAspect="1"/>
-          </p:cNvSpPr>
-          <p:nvPr>
-            <p:ph type="sldImg" idx="2"/>
-          </p:nvPr>
-        </p:nvSpPr>
-        <p:spPr>
-          <a:xfrm>
-            <a:off x="381000" y="685800"/>
-            <a:ext cx="6096000" cy="3429000"/>
-          </a:xfrm>
-          <a:custGeom>
-            <a:avLst/>
-            <a:gdLst/>
-            <a:ahLst/>
-            <a:cxnLst/>
-            <a:rect l="l" t="t" r="r" b="b"/>
-            <a:pathLst>
-              <a:path w="120000" h="120000" extrusionOk="0">
-                <a:moveTo>
-                  <a:pt x="0" y="0"/>
-                </a:moveTo>
-                <a:lnTo>
-                  <a:pt x="120000" y="0"/>
-                </a:lnTo>
-                <a:lnTo>
-                  <a:pt x="120000" y="120000"/>
-                </a:lnTo>
-                <a:lnTo>
-                  <a:pt x="0" y="120000"/>
-                </a:lnTo>
-                <a:close/>
-              </a:path>
-            </a:pathLst>
-          </a:custGeom>
-        </p:spPr>
-      </p:sp>
-      <p:sp>
-        <p:nvSpPr>
-          <p:cNvPr id="156" name="Google Shape;156;ga93051af00_8_0:notes"/>
-          <p:cNvSpPr txBox="1">
-            <a:spLocks noGrp="1"/>
-          </p:cNvSpPr>
-          <p:nvPr>
-            <p:ph type="body" idx="1"/>
-          </p:nvPr>
-        </p:nvSpPr>
-        <p:spPr>
-          <a:xfrm>
-            <a:off x="685800" y="4343400"/>
-            <a:ext cx="5486400" cy="4114800"/>
-          </a:xfrm>
-          <a:prstGeom prst="rect">
-            <a:avLst/>
-          </a:prstGeom>
-        </p:spPr>
-        <p:txBody>
-          <a:bodyPr spcFirstLastPara="1" wrap="square" lIns="91425" tIns="91425" rIns="91425" bIns="91425" anchor="t" anchorCtr="0">
-            <a:noAutofit/>
-          </a:bodyPr>
-          <a:lstStyle/>
-          <a:p>
-            <a:pPr marL="0" lvl="0" indent="0" algn="l" rtl="0">
-              <a:spcBef>
-                <a:spcPts val="0"/>
-              </a:spcBef>
-              <a:spcAft>
-                <a:spcPts val="0"/>
-              </a:spcAft>
-              <a:buNone/>
-            </a:pPr>
-            <a:endParaRPr/>
-          </a:p>
-        </p:txBody>
-      </p:sp>
-    </p:spTree>
-  </p:cSld>
-  <p:clrMapOvr>
-    <a:masterClrMapping/>
-  </p:clrMapOvr>
-</p:notes>
-</file>
-
-<file path=ppt/notesSlides/notesSlide6.xml><?xml version="1.0" encoding="utf-8"?>
-<p:notes xmlns:a="http://schemas.openxmlformats.org/drawingml/2006/main" xmlns:r="http://schemas.openxmlformats.org/officeDocument/2006/relationships" xmlns:p="http://schemas.openxmlformats.org/presentationml/2006/main" showMasterSp="0" showMasterPhAnim="0">
-  <p:cSld>
-    <p:spTree>
-      <p:nvGrpSpPr>
-        <p:cNvPr id="1" name="Shape 160"/>
-        <p:cNvGrpSpPr/>
-        <p:nvPr/>
-      </p:nvGrpSpPr>
-      <p:grpSpPr>
-        <a:xfrm>
-          <a:off x="0" y="0"/>
-          <a:ext cx="0" cy="0"/>
-          <a:chOff x="0" y="0"/>
-          <a:chExt cx="0" cy="0"/>
-        </a:xfrm>
-      </p:grpSpPr>
-      <p:sp>
-        <p:nvSpPr>
-          <p:cNvPr id="161" name="Google Shape;161;gb1b8cb23f7_0_0:notes"/>
-          <p:cNvSpPr>
-            <a:spLocks noGrp="1" noRot="1" noChangeAspect="1"/>
-          </p:cNvSpPr>
-          <p:nvPr>
-            <p:ph type="sldImg" idx="2"/>
-          </p:nvPr>
-        </p:nvSpPr>
-        <p:spPr>
-          <a:xfrm>
-            <a:off x="381000" y="685800"/>
-            <a:ext cx="6096000" cy="3429000"/>
-          </a:xfrm>
-          <a:custGeom>
-            <a:avLst/>
-            <a:gdLst/>
-            <a:ahLst/>
-            <a:cxnLst/>
-            <a:rect l="l" t="t" r="r" b="b"/>
-            <a:pathLst>
-              <a:path w="120000" h="120000" extrusionOk="0">
-                <a:moveTo>
-                  <a:pt x="0" y="0"/>
-                </a:moveTo>
-                <a:lnTo>
-                  <a:pt x="120000" y="0"/>
-                </a:lnTo>
-                <a:lnTo>
-                  <a:pt x="120000" y="120000"/>
-                </a:lnTo>
-                <a:lnTo>
-                  <a:pt x="0" y="120000"/>
-                </a:lnTo>
-                <a:close/>
-              </a:path>
-            </a:pathLst>
-          </a:custGeom>
-        </p:spPr>
-      </p:sp>
-      <p:sp>
-        <p:nvSpPr>
-          <p:cNvPr id="162" name="Google Shape;162;gb1b8cb23f7_0_0:notes"/>
-          <p:cNvSpPr txBox="1">
-            <a:spLocks noGrp="1"/>
-          </p:cNvSpPr>
-          <p:nvPr>
-            <p:ph type="body" idx="1"/>
-          </p:nvPr>
-        </p:nvSpPr>
-        <p:spPr>
-          <a:xfrm>
-            <a:off x="685800" y="4343400"/>
-            <a:ext cx="5486400" cy="4114800"/>
-          </a:xfrm>
-          <a:prstGeom prst="rect">
-            <a:avLst/>
-          </a:prstGeom>
-        </p:spPr>
-        <p:txBody>
-          <a:bodyPr spcFirstLastPara="1" wrap="square" lIns="91425" tIns="91425" rIns="91425" bIns="91425" anchor="t" anchorCtr="0">
-            <a:noAutofit/>
-          </a:bodyPr>
-          <a:lstStyle/>
-          <a:p>
-            <a:pPr marL="0" lvl="0" indent="0" algn="l" rtl="0">
-              <a:spcBef>
-                <a:spcPts val="0"/>
-              </a:spcBef>
-              <a:spcAft>
-                <a:spcPts val="0"/>
-              </a:spcAft>
-              <a:buNone/>
-            </a:pPr>
-            <a:endParaRPr dirty="0"/>
-          </a:p>
-        </p:txBody>
-      </p:sp>
-    </p:spTree>
-  </p:cSld>
-  <p:clrMapOvr>
-    <a:masterClrMapping/>
-  </p:clrMapOvr>
-</p:notes>
-</file>
-
-<file path=ppt/notesSlides/notesSlide7.xml><?xml version="1.0" encoding="utf-8"?>
-<p:notes xmlns:a="http://schemas.openxmlformats.org/drawingml/2006/main" xmlns:r="http://schemas.openxmlformats.org/officeDocument/2006/relationships" xmlns:p="http://schemas.openxmlformats.org/presentationml/2006/main" showMasterSp="0" showMasterPhAnim="0">
-  <p:cSld>
-    <p:spTree>
-      <p:nvGrpSpPr>
-        <p:cNvPr id="1" name="Shape 166"/>
-        <p:cNvGrpSpPr/>
-        <p:nvPr/>
-      </p:nvGrpSpPr>
-      <p:grpSpPr>
-        <a:xfrm>
-          <a:off x="0" y="0"/>
-          <a:ext cx="0" cy="0"/>
-          <a:chOff x="0" y="0"/>
-          <a:chExt cx="0" cy="0"/>
-        </a:xfrm>
-      </p:grpSpPr>
-      <p:sp>
-        <p:nvSpPr>
-          <p:cNvPr id="167" name="Google Shape;167;ga93051af00_8_19:notes"/>
-          <p:cNvSpPr>
-            <a:spLocks noGrp="1" noRot="1" noChangeAspect="1"/>
-          </p:cNvSpPr>
-          <p:nvPr>
-            <p:ph type="sldImg" idx="2"/>
-          </p:nvPr>
-        </p:nvSpPr>
-        <p:spPr>
-          <a:xfrm>
-            <a:off x="381000" y="685800"/>
-            <a:ext cx="6096000" cy="3429000"/>
-          </a:xfrm>
-          <a:custGeom>
-            <a:avLst/>
-            <a:gdLst/>
-            <a:ahLst/>
-            <a:cxnLst/>
-            <a:rect l="l" t="t" r="r" b="b"/>
-            <a:pathLst>
-              <a:path w="120000" h="120000" extrusionOk="0">
-                <a:moveTo>
-                  <a:pt x="0" y="0"/>
-                </a:moveTo>
-                <a:lnTo>
-                  <a:pt x="120000" y="0"/>
-                </a:lnTo>
-                <a:lnTo>
-                  <a:pt x="120000" y="120000"/>
-                </a:lnTo>
-                <a:lnTo>
-                  <a:pt x="0" y="120000"/>
-                </a:lnTo>
-                <a:close/>
-              </a:path>
-            </a:pathLst>
-          </a:custGeom>
-        </p:spPr>
-      </p:sp>
-      <p:sp>
-        <p:nvSpPr>
-          <p:cNvPr id="168" name="Google Shape;168;ga93051af00_8_19:notes"/>
-          <p:cNvSpPr txBox="1">
-            <a:spLocks noGrp="1"/>
-          </p:cNvSpPr>
-          <p:nvPr>
-            <p:ph type="body" idx="1"/>
-          </p:nvPr>
-        </p:nvSpPr>
-        <p:spPr>
-          <a:xfrm>
-            <a:off x="685800" y="4343400"/>
-            <a:ext cx="5486400" cy="4114800"/>
-          </a:xfrm>
-          <a:prstGeom prst="rect">
-            <a:avLst/>
-          </a:prstGeom>
-        </p:spPr>
-        <p:txBody>
-          <a:bodyPr spcFirstLastPara="1" wrap="square" lIns="91425" tIns="91425" rIns="91425" bIns="91425" anchor="t" anchorCtr="0">
-            <a:noAutofit/>
-          </a:bodyPr>
-          <a:lstStyle/>
-          <a:p>
-            <a:pPr marL="0" lvl="0" indent="0" algn="l" rtl="0">
-              <a:spcBef>
-                <a:spcPts val="0"/>
-              </a:spcBef>
-              <a:spcAft>
-                <a:spcPts val="0"/>
-              </a:spcAft>
-              <a:buNone/>
-            </a:pPr>
-            <a:endParaRPr/>
-          </a:p>
-        </p:txBody>
-      </p:sp>
-    </p:spTree>
-  </p:cSld>
-  <p:clrMapOvr>
-    <a:masterClrMapping/>
-  </p:clrMapOvr>
-</p:notes>
-</file>
-
-<file path=ppt/notesSlides/notesSlide8.xml><?xml version="1.0" encoding="utf-8"?>
-<p:notes xmlns:a="http://schemas.openxmlformats.org/drawingml/2006/main" xmlns:r="http://schemas.openxmlformats.org/officeDocument/2006/relationships" xmlns:p="http://schemas.openxmlformats.org/presentationml/2006/main" showMasterSp="0" showMasterPhAnim="0">
-  <p:cSld>
-    <p:spTree>
-      <p:nvGrpSpPr>
-        <p:cNvPr id="1" name="Shape 172"/>
-        <p:cNvGrpSpPr/>
-        <p:nvPr/>
-      </p:nvGrpSpPr>
-      <p:grpSpPr>
-        <a:xfrm>
-          <a:off x="0" y="0"/>
-          <a:ext cx="0" cy="0"/>
-          <a:chOff x="0" y="0"/>
-          <a:chExt cx="0" cy="0"/>
-        </a:xfrm>
-      </p:grpSpPr>
-      <p:sp>
-        <p:nvSpPr>
-          <p:cNvPr id="173" name="Google Shape;173;gaca73a9f83_0_0:notes"/>
-          <p:cNvSpPr>
-            <a:spLocks noGrp="1" noRot="1" noChangeAspect="1"/>
-          </p:cNvSpPr>
-          <p:nvPr>
-            <p:ph type="sldImg" idx="2"/>
-          </p:nvPr>
-        </p:nvSpPr>
-        <p:spPr>
-          <a:xfrm>
-            <a:off x="381300" y="685800"/>
-            <a:ext cx="6096000" cy="3429000"/>
-          </a:xfrm>
-          <a:custGeom>
-            <a:avLst/>
-            <a:gdLst/>
-            <a:ahLst/>
-            <a:cxnLst/>
-            <a:rect l="l" t="t" r="r" b="b"/>
-            <a:pathLst>
-              <a:path w="120000" h="120000" extrusionOk="0">
-                <a:moveTo>
-                  <a:pt x="0" y="0"/>
-                </a:moveTo>
-                <a:lnTo>
-                  <a:pt x="120000" y="0"/>
-                </a:lnTo>
-                <a:lnTo>
-                  <a:pt x="120000" y="120000"/>
-                </a:lnTo>
-                <a:lnTo>
-                  <a:pt x="0" y="120000"/>
-                </a:lnTo>
-                <a:close/>
-              </a:path>
-            </a:pathLst>
-          </a:custGeom>
-        </p:spPr>
-      </p:sp>
-      <p:sp>
-        <p:nvSpPr>
-          <p:cNvPr id="174" name="Google Shape;174;gaca73a9f83_0_0:notes"/>
-          <p:cNvSpPr txBox="1">
-            <a:spLocks noGrp="1"/>
-          </p:cNvSpPr>
-          <p:nvPr>
-            <p:ph type="body" idx="1"/>
-          </p:nvPr>
-        </p:nvSpPr>
-        <p:spPr>
-          <a:xfrm>
-            <a:off x="685800" y="4343400"/>
-            <a:ext cx="5486400" cy="4114800"/>
-          </a:xfrm>
-          <a:prstGeom prst="rect">
-            <a:avLst/>
-          </a:prstGeom>
-        </p:spPr>
-        <p:txBody>
-          <a:bodyPr spcFirstLastPara="1" wrap="square" lIns="91425" tIns="91425" rIns="91425" bIns="91425" anchor="t" anchorCtr="0">
-            <a:noAutofit/>
-          </a:bodyPr>
-          <a:lstStyle/>
-          <a:p>
-            <a:pPr marL="0" lvl="0" indent="0" algn="l" rtl="0">
-              <a:spcBef>
-                <a:spcPts val="0"/>
-              </a:spcBef>
-              <a:spcAft>
-                <a:spcPts val="0"/>
-              </a:spcAft>
-              <a:buNone/>
-            </a:pPr>
-            <a:endParaRPr/>
-          </a:p>
-        </p:txBody>
-      </p:sp>
-    </p:spTree>
-  </p:cSld>
-  <p:clrMapOvr>
-    <a:masterClrMapping/>
-  </p:clrMapOvr>
-</p:notes>
-</file>
-
-<file path=ppt/notesSlides/notesSlide9.xml><?xml version="1.0" encoding="utf-8"?>
-<p:notes xmlns:a="http://schemas.openxmlformats.org/drawingml/2006/main" xmlns:r="http://schemas.openxmlformats.org/officeDocument/2006/relationships" xmlns:p="http://schemas.openxmlformats.org/presentationml/2006/main" showMasterSp="0" showMasterPhAnim="0">
-  <p:cSld>
-    <p:spTree>
-      <p:nvGrpSpPr>
-        <p:cNvPr id="1" name="Shape 177"/>
-        <p:cNvGrpSpPr/>
-        <p:nvPr/>
-      </p:nvGrpSpPr>
-      <p:grpSpPr>
-        <a:xfrm>
-          <a:off x="0" y="0"/>
-          <a:ext cx="0" cy="0"/>
-          <a:chOff x="0" y="0"/>
-          <a:chExt cx="0" cy="0"/>
-        </a:xfrm>
-      </p:grpSpPr>
-      <p:sp>
-        <p:nvSpPr>
-          <p:cNvPr id="178" name="Google Shape;178;gaca73a9f83_0_16:notes"/>
-          <p:cNvSpPr>
-            <a:spLocks noGrp="1" noRot="1" noChangeAspect="1"/>
-          </p:cNvSpPr>
-          <p:nvPr>
-            <p:ph type="sldImg" idx="2"/>
-          </p:nvPr>
-        </p:nvSpPr>
-        <p:spPr>
-          <a:xfrm>
-            <a:off x="381300" y="685800"/>
-            <a:ext cx="6096000" cy="3429000"/>
-          </a:xfrm>
-          <a:custGeom>
-            <a:avLst/>
-            <a:gdLst/>
-            <a:ahLst/>
-            <a:cxnLst/>
-            <a:rect l="l" t="t" r="r" b="b"/>
-            <a:pathLst>
-              <a:path w="120000" h="120000" extrusionOk="0">
-                <a:moveTo>
-                  <a:pt x="0" y="0"/>
-                </a:moveTo>
-                <a:lnTo>
-                  <a:pt x="120000" y="0"/>
-                </a:lnTo>
-                <a:lnTo>
-                  <a:pt x="120000" y="120000"/>
-                </a:lnTo>
-                <a:lnTo>
-                  <a:pt x="0" y="120000"/>
-                </a:lnTo>
-                <a:close/>
-              </a:path>
-            </a:pathLst>
-          </a:custGeom>
-        </p:spPr>
-      </p:sp>
-      <p:sp>
-        <p:nvSpPr>
-          <p:cNvPr id="179" name="Google Shape;179;gaca73a9f83_0_16:notes"/>
-          <p:cNvSpPr txBox="1">
-            <a:spLocks noGrp="1"/>
-          </p:cNvSpPr>
-          <p:nvPr>
-            <p:ph type="body" idx="1"/>
-          </p:nvPr>
-        </p:nvSpPr>
-        <p:spPr>
-          <a:xfrm>
-            <a:off x="685800" y="4343400"/>
-            <a:ext cx="5486400" cy="4114800"/>
-          </a:xfrm>
-          <a:prstGeom prst="rect">
-            <a:avLst/>
-          </a:prstGeom>
-        </p:spPr>
-        <p:txBody>
-          <a:bodyPr spcFirstLastPara="1" wrap="square" lIns="91425" tIns="91425" rIns="91425" bIns="91425" anchor="t" anchorCtr="0">
-            <a:noAutofit/>
-          </a:bodyPr>
-          <a:lstStyle/>
-          <a:p>
-            <a:pPr marL="0" lvl="0" indent="0" algn="l" rtl="0">
-              <a:spcBef>
-                <a:spcPts val="0"/>
-              </a:spcBef>
-              <a:spcAft>
-                <a:spcPts val="0"/>
-              </a:spcAft>
-              <a:buNone/>
-            </a:pPr>
             <a:endParaRPr/>
           </a:p>
         </p:txBody>
@@ -2713,2314 +1554,7 @@
 </p:sldLayout>
 </file>
 
-<file path=ppt/slideLayouts/slideLayout10.xml><?xml version="1.0" encoding="utf-8"?>
-<p:sldLayout xmlns:a="http://schemas.openxmlformats.org/drawingml/2006/main" xmlns:r="http://schemas.openxmlformats.org/officeDocument/2006/relationships" xmlns:p="http://schemas.openxmlformats.org/presentationml/2006/main" matchingName="Big number">
-  <p:cSld name="BIG_NUMBER">
-    <p:spTree>
-      <p:nvGrpSpPr>
-        <p:cNvPr id="1" name="Shape 105"/>
-        <p:cNvGrpSpPr/>
-        <p:nvPr/>
-      </p:nvGrpSpPr>
-      <p:grpSpPr>
-        <a:xfrm>
-          <a:off x="0" y="0"/>
-          <a:ext cx="0" cy="0"/>
-          <a:chOff x="0" y="0"/>
-          <a:chExt cx="0" cy="0"/>
-        </a:xfrm>
-      </p:grpSpPr>
-      <p:grpSp>
-        <p:nvGrpSpPr>
-          <p:cNvPr id="106" name="Google Shape;106;p11"/>
-          <p:cNvGrpSpPr/>
-          <p:nvPr/>
-        </p:nvGrpSpPr>
-        <p:grpSpPr>
-          <a:xfrm>
-            <a:off x="4406400" y="0"/>
-            <a:ext cx="4737600" cy="5143065"/>
-            <a:chOff x="4406400" y="0"/>
-            <a:chExt cx="4737600" cy="5143065"/>
-          </a:xfrm>
-        </p:grpSpPr>
-        <p:sp>
-          <p:nvSpPr>
-            <p:cNvPr id="107" name="Google Shape;107;p11"/>
-            <p:cNvSpPr/>
-            <p:nvPr/>
-          </p:nvSpPr>
-          <p:spPr>
-            <a:xfrm rot="5400000">
-              <a:off x="4408200" y="-1800"/>
-              <a:ext cx="4734000" cy="4737600"/>
-            </a:xfrm>
-            <a:prstGeom prst="diagStripe">
-              <a:avLst>
-                <a:gd name="adj" fmla="val 49469"/>
-              </a:avLst>
-            </a:prstGeom>
-            <a:solidFill>
-              <a:schemeClr val="lt1">
-                <a:alpha val="3460"/>
-              </a:schemeClr>
-            </a:solidFill>
-            <a:ln>
-              <a:noFill/>
-            </a:ln>
-          </p:spPr>
-          <p:txBody>
-            <a:bodyPr spcFirstLastPara="1" wrap="square" lIns="91425" tIns="91425" rIns="91425" bIns="91425" anchor="ctr" anchorCtr="0">
-              <a:noAutofit/>
-            </a:bodyPr>
-            <a:lstStyle/>
-            <a:p>
-              <a:pPr marL="0" lvl="0" indent="0" algn="l" rtl="0">
-                <a:spcBef>
-                  <a:spcPts val="0"/>
-                </a:spcBef>
-                <a:spcAft>
-                  <a:spcPts val="0"/>
-                </a:spcAft>
-                <a:buNone/>
-              </a:pPr>
-              <a:endParaRPr/>
-            </a:p>
-          </p:txBody>
-        </p:sp>
-        <p:sp>
-          <p:nvSpPr>
-            <p:cNvPr id="108" name="Google Shape;108;p11"/>
-            <p:cNvSpPr/>
-            <p:nvPr/>
-          </p:nvSpPr>
-          <p:spPr>
-            <a:xfrm rot="5400000">
-              <a:off x="4841125" y="5700"/>
-              <a:ext cx="4298100" cy="4286700"/>
-            </a:xfrm>
-            <a:prstGeom prst="diagStripe">
-              <a:avLst>
-                <a:gd name="adj" fmla="val 0"/>
-              </a:avLst>
-            </a:prstGeom>
-            <a:solidFill>
-              <a:schemeClr val="lt1">
-                <a:alpha val="3460"/>
-              </a:schemeClr>
-            </a:solidFill>
-            <a:ln>
-              <a:noFill/>
-            </a:ln>
-          </p:spPr>
-          <p:txBody>
-            <a:bodyPr spcFirstLastPara="1" wrap="square" lIns="91425" tIns="91425" rIns="91425" bIns="91425" anchor="ctr" anchorCtr="0">
-              <a:noAutofit/>
-            </a:bodyPr>
-            <a:lstStyle/>
-            <a:p>
-              <a:pPr marL="0" lvl="0" indent="0" algn="l" rtl="0">
-                <a:spcBef>
-                  <a:spcPts val="0"/>
-                </a:spcBef>
-                <a:spcAft>
-                  <a:spcPts val="0"/>
-                </a:spcAft>
-                <a:buNone/>
-              </a:pPr>
-              <a:endParaRPr/>
-            </a:p>
-          </p:txBody>
-        </p:sp>
-        <p:sp>
-          <p:nvSpPr>
-            <p:cNvPr id="109" name="Google Shape;109;p11"/>
-            <p:cNvSpPr/>
-            <p:nvPr/>
-          </p:nvSpPr>
-          <p:spPr>
-            <a:xfrm rot="-5400000">
-              <a:off x="5618399" y="1236468"/>
-              <a:ext cx="808800" cy="808800"/>
-            </a:xfrm>
-            <a:prstGeom prst="diagStripe">
-              <a:avLst>
-                <a:gd name="adj" fmla="val 50000"/>
-              </a:avLst>
-            </a:prstGeom>
-            <a:solidFill>
-              <a:schemeClr val="lt1">
-                <a:alpha val="7310"/>
-              </a:schemeClr>
-            </a:solidFill>
-            <a:ln>
-              <a:noFill/>
-            </a:ln>
-          </p:spPr>
-          <p:txBody>
-            <a:bodyPr spcFirstLastPara="1" wrap="square" lIns="91425" tIns="91425" rIns="91425" bIns="91425" anchor="ctr" anchorCtr="0">
-              <a:noAutofit/>
-            </a:bodyPr>
-            <a:lstStyle/>
-            <a:p>
-              <a:pPr marL="0" lvl="0" indent="0" algn="l" rtl="0">
-                <a:spcBef>
-                  <a:spcPts val="0"/>
-                </a:spcBef>
-                <a:spcAft>
-                  <a:spcPts val="0"/>
-                </a:spcAft>
-                <a:buNone/>
-              </a:pPr>
-              <a:endParaRPr/>
-            </a:p>
-          </p:txBody>
-        </p:sp>
-        <p:sp>
-          <p:nvSpPr>
-            <p:cNvPr id="110" name="Google Shape;110;p11"/>
-            <p:cNvSpPr/>
-            <p:nvPr/>
-          </p:nvSpPr>
-          <p:spPr>
-            <a:xfrm flipH="1">
-              <a:off x="5849857" y="1443956"/>
-              <a:ext cx="808800" cy="808800"/>
-            </a:xfrm>
-            <a:prstGeom prst="diagStripe">
-              <a:avLst>
-                <a:gd name="adj" fmla="val 50000"/>
-              </a:avLst>
-            </a:prstGeom>
-            <a:solidFill>
-              <a:schemeClr val="lt1">
-                <a:alpha val="7310"/>
-              </a:schemeClr>
-            </a:solidFill>
-            <a:ln>
-              <a:noFill/>
-            </a:ln>
-          </p:spPr>
-          <p:txBody>
-            <a:bodyPr spcFirstLastPara="1" wrap="square" lIns="91425" tIns="91425" rIns="91425" bIns="91425" anchor="ctr" anchorCtr="0">
-              <a:noAutofit/>
-            </a:bodyPr>
-            <a:lstStyle/>
-            <a:p>
-              <a:pPr marL="0" lvl="0" indent="0" algn="l" rtl="0">
-                <a:spcBef>
-                  <a:spcPts val="0"/>
-                </a:spcBef>
-                <a:spcAft>
-                  <a:spcPts val="0"/>
-                </a:spcAft>
-                <a:buNone/>
-              </a:pPr>
-              <a:endParaRPr/>
-            </a:p>
-          </p:txBody>
-        </p:sp>
-        <p:sp>
-          <p:nvSpPr>
-            <p:cNvPr id="111" name="Google Shape;111;p11"/>
-            <p:cNvSpPr/>
-            <p:nvPr/>
-          </p:nvSpPr>
-          <p:spPr>
-            <a:xfrm rot="-5400000">
-              <a:off x="5987081" y="2469465"/>
-              <a:ext cx="808800" cy="808800"/>
-            </a:xfrm>
-            <a:prstGeom prst="diagStripe">
-              <a:avLst>
-                <a:gd name="adj" fmla="val 50000"/>
-              </a:avLst>
-            </a:prstGeom>
-            <a:solidFill>
-              <a:schemeClr val="lt1">
-                <a:alpha val="7310"/>
-              </a:schemeClr>
-            </a:solidFill>
-            <a:ln>
-              <a:noFill/>
-            </a:ln>
-          </p:spPr>
-          <p:txBody>
-            <a:bodyPr spcFirstLastPara="1" wrap="square" lIns="91425" tIns="91425" rIns="91425" bIns="91425" anchor="ctr" anchorCtr="0">
-              <a:noAutofit/>
-            </a:bodyPr>
-            <a:lstStyle/>
-            <a:p>
-              <a:pPr marL="0" lvl="0" indent="0" algn="l" rtl="0">
-                <a:spcBef>
-                  <a:spcPts val="0"/>
-                </a:spcBef>
-                <a:spcAft>
-                  <a:spcPts val="0"/>
-                </a:spcAft>
-                <a:buNone/>
-              </a:pPr>
-              <a:endParaRPr/>
-            </a:p>
-          </p:txBody>
-        </p:sp>
-        <p:sp>
-          <p:nvSpPr>
-            <p:cNvPr id="112" name="Google Shape;112;p11"/>
-            <p:cNvSpPr/>
-            <p:nvPr/>
-          </p:nvSpPr>
-          <p:spPr>
-            <a:xfrm flipH="1">
-              <a:off x="6222115" y="2676953"/>
-              <a:ext cx="808800" cy="808800"/>
-            </a:xfrm>
-            <a:prstGeom prst="diagStripe">
-              <a:avLst>
-                <a:gd name="adj" fmla="val 50000"/>
-              </a:avLst>
-            </a:prstGeom>
-            <a:solidFill>
-              <a:schemeClr val="lt1">
-                <a:alpha val="7310"/>
-              </a:schemeClr>
-            </a:solidFill>
-            <a:ln>
-              <a:noFill/>
-            </a:ln>
-          </p:spPr>
-          <p:txBody>
-            <a:bodyPr spcFirstLastPara="1" wrap="square" lIns="91425" tIns="91425" rIns="91425" bIns="91425" anchor="ctr" anchorCtr="0">
-              <a:noAutofit/>
-            </a:bodyPr>
-            <a:lstStyle/>
-            <a:p>
-              <a:pPr marL="0" lvl="0" indent="0" algn="l" rtl="0">
-                <a:spcBef>
-                  <a:spcPts val="0"/>
-                </a:spcBef>
-                <a:spcAft>
-                  <a:spcPts val="0"/>
-                </a:spcAft>
-                <a:buNone/>
-              </a:pPr>
-              <a:endParaRPr/>
-            </a:p>
-          </p:txBody>
-        </p:sp>
-        <p:sp>
-          <p:nvSpPr>
-            <p:cNvPr id="113" name="Google Shape;113;p11"/>
-            <p:cNvSpPr/>
-            <p:nvPr/>
-          </p:nvSpPr>
-          <p:spPr>
-            <a:xfrm rot="-5400000">
-              <a:off x="6675341" y="1862018"/>
-              <a:ext cx="808800" cy="808800"/>
-            </a:xfrm>
-            <a:prstGeom prst="diagStripe">
-              <a:avLst>
-                <a:gd name="adj" fmla="val 50000"/>
-              </a:avLst>
-            </a:prstGeom>
-            <a:solidFill>
-              <a:schemeClr val="lt1">
-                <a:alpha val="7310"/>
-              </a:schemeClr>
-            </a:solidFill>
-            <a:ln>
-              <a:noFill/>
-            </a:ln>
-          </p:spPr>
-          <p:txBody>
-            <a:bodyPr spcFirstLastPara="1" wrap="square" lIns="91425" tIns="91425" rIns="91425" bIns="91425" anchor="ctr" anchorCtr="0">
-              <a:noAutofit/>
-            </a:bodyPr>
-            <a:lstStyle/>
-            <a:p>
-              <a:pPr marL="0" lvl="0" indent="0" algn="l" rtl="0">
-                <a:spcBef>
-                  <a:spcPts val="0"/>
-                </a:spcBef>
-                <a:spcAft>
-                  <a:spcPts val="0"/>
-                </a:spcAft>
-                <a:buNone/>
-              </a:pPr>
-              <a:endParaRPr/>
-            </a:p>
-          </p:txBody>
-        </p:sp>
-        <p:sp>
-          <p:nvSpPr>
-            <p:cNvPr id="114" name="Google Shape;114;p11"/>
-            <p:cNvSpPr/>
-            <p:nvPr/>
-          </p:nvSpPr>
-          <p:spPr>
-            <a:xfrm flipH="1">
-              <a:off x="6908099" y="2069505"/>
-              <a:ext cx="808800" cy="808800"/>
-            </a:xfrm>
-            <a:prstGeom prst="diagStripe">
-              <a:avLst>
-                <a:gd name="adj" fmla="val 50000"/>
-              </a:avLst>
-            </a:prstGeom>
-            <a:solidFill>
-              <a:schemeClr val="lt2"/>
-            </a:solidFill>
-            <a:ln>
-              <a:noFill/>
-            </a:ln>
-          </p:spPr>
-          <p:txBody>
-            <a:bodyPr spcFirstLastPara="1" wrap="square" lIns="91425" tIns="91425" rIns="91425" bIns="91425" anchor="ctr" anchorCtr="0">
-              <a:noAutofit/>
-            </a:bodyPr>
-            <a:lstStyle/>
-            <a:p>
-              <a:pPr marL="0" lvl="0" indent="0" algn="l" rtl="0">
-                <a:spcBef>
-                  <a:spcPts val="0"/>
-                </a:spcBef>
-                <a:spcAft>
-                  <a:spcPts val="0"/>
-                </a:spcAft>
-                <a:buNone/>
-              </a:pPr>
-              <a:endParaRPr/>
-            </a:p>
-          </p:txBody>
-        </p:sp>
-        <p:sp>
-          <p:nvSpPr>
-            <p:cNvPr id="115" name="Google Shape;115;p11"/>
-            <p:cNvSpPr/>
-            <p:nvPr/>
-          </p:nvSpPr>
-          <p:spPr>
-            <a:xfrm rot="-5400000">
-              <a:off x="6861141" y="2477810"/>
-              <a:ext cx="808800" cy="808800"/>
-            </a:xfrm>
-            <a:prstGeom prst="diagStripe">
-              <a:avLst>
-                <a:gd name="adj" fmla="val 50000"/>
-              </a:avLst>
-            </a:prstGeom>
-            <a:solidFill>
-              <a:schemeClr val="lt1">
-                <a:alpha val="7310"/>
-              </a:schemeClr>
-            </a:solidFill>
-            <a:ln>
-              <a:noFill/>
-            </a:ln>
-          </p:spPr>
-          <p:txBody>
-            <a:bodyPr spcFirstLastPara="1" wrap="square" lIns="91425" tIns="91425" rIns="91425" bIns="91425" anchor="ctr" anchorCtr="0">
-              <a:noAutofit/>
-            </a:bodyPr>
-            <a:lstStyle/>
-            <a:p>
-              <a:pPr marL="0" lvl="0" indent="0" algn="l" rtl="0">
-                <a:spcBef>
-                  <a:spcPts val="0"/>
-                </a:spcBef>
-                <a:spcAft>
-                  <a:spcPts val="0"/>
-                </a:spcAft>
-                <a:buNone/>
-              </a:pPr>
-              <a:endParaRPr/>
-            </a:p>
-          </p:txBody>
-        </p:sp>
-        <p:sp>
-          <p:nvSpPr>
-            <p:cNvPr id="116" name="Google Shape;116;p11"/>
-            <p:cNvSpPr/>
-            <p:nvPr/>
-          </p:nvSpPr>
-          <p:spPr>
-            <a:xfrm flipH="1">
-              <a:off x="7965266" y="2692963"/>
-              <a:ext cx="808800" cy="808800"/>
-            </a:xfrm>
-            <a:prstGeom prst="diagStripe">
-              <a:avLst>
-                <a:gd name="adj" fmla="val 50000"/>
-              </a:avLst>
-            </a:prstGeom>
-            <a:solidFill>
-              <a:schemeClr val="lt1">
-                <a:alpha val="7310"/>
-              </a:schemeClr>
-            </a:solidFill>
-            <a:ln>
-              <a:noFill/>
-            </a:ln>
-          </p:spPr>
-          <p:txBody>
-            <a:bodyPr spcFirstLastPara="1" wrap="square" lIns="91425" tIns="91425" rIns="91425" bIns="91425" anchor="ctr" anchorCtr="0">
-              <a:noAutofit/>
-            </a:bodyPr>
-            <a:lstStyle/>
-            <a:p>
-              <a:pPr marL="0" lvl="0" indent="0" algn="l" rtl="0">
-                <a:spcBef>
-                  <a:spcPts val="0"/>
-                </a:spcBef>
-                <a:spcAft>
-                  <a:spcPts val="0"/>
-                </a:spcAft>
-                <a:buNone/>
-              </a:pPr>
-              <a:endParaRPr/>
-            </a:p>
-          </p:txBody>
-        </p:sp>
-        <p:sp>
-          <p:nvSpPr>
-            <p:cNvPr id="117" name="Google Shape;117;p11"/>
-            <p:cNvSpPr/>
-            <p:nvPr/>
-          </p:nvSpPr>
-          <p:spPr>
-            <a:xfrm flipH="1">
-              <a:off x="8145082" y="3308755"/>
-              <a:ext cx="808800" cy="808800"/>
-            </a:xfrm>
-            <a:prstGeom prst="diagStripe">
-              <a:avLst>
-                <a:gd name="adj" fmla="val 50000"/>
-              </a:avLst>
-            </a:prstGeom>
-            <a:solidFill>
-              <a:schemeClr val="lt1">
-                <a:alpha val="7310"/>
-              </a:schemeClr>
-            </a:solidFill>
-            <a:ln>
-              <a:noFill/>
-            </a:ln>
-          </p:spPr>
-          <p:txBody>
-            <a:bodyPr spcFirstLastPara="1" wrap="square" lIns="91425" tIns="91425" rIns="91425" bIns="91425" anchor="ctr" anchorCtr="0">
-              <a:noAutofit/>
-            </a:bodyPr>
-            <a:lstStyle/>
-            <a:p>
-              <a:pPr marL="0" lvl="0" indent="0" algn="l" rtl="0">
-                <a:spcBef>
-                  <a:spcPts val="0"/>
-                </a:spcBef>
-                <a:spcAft>
-                  <a:spcPts val="0"/>
-                </a:spcAft>
-                <a:buNone/>
-              </a:pPr>
-              <a:endParaRPr/>
-            </a:p>
-          </p:txBody>
-        </p:sp>
-        <p:sp>
-          <p:nvSpPr>
-            <p:cNvPr id="118" name="Google Shape;118;p11"/>
-            <p:cNvSpPr/>
-            <p:nvPr/>
-          </p:nvSpPr>
-          <p:spPr>
-            <a:xfrm rot="-5400000">
-              <a:off x="7047599" y="3095015"/>
-              <a:ext cx="808800" cy="808800"/>
-            </a:xfrm>
-            <a:prstGeom prst="diagStripe">
-              <a:avLst>
-                <a:gd name="adj" fmla="val 50000"/>
-              </a:avLst>
-            </a:prstGeom>
-            <a:solidFill>
-              <a:schemeClr val="lt1">
-                <a:alpha val="7310"/>
-              </a:schemeClr>
-            </a:solidFill>
-            <a:ln>
-              <a:noFill/>
-            </a:ln>
-          </p:spPr>
-          <p:txBody>
-            <a:bodyPr spcFirstLastPara="1" wrap="square" lIns="91425" tIns="91425" rIns="91425" bIns="91425" anchor="ctr" anchorCtr="0">
-              <a:noAutofit/>
-            </a:bodyPr>
-            <a:lstStyle/>
-            <a:p>
-              <a:pPr marL="0" lvl="0" indent="0" algn="l" rtl="0">
-                <a:spcBef>
-                  <a:spcPts val="0"/>
-                </a:spcBef>
-                <a:spcAft>
-                  <a:spcPts val="0"/>
-                </a:spcAft>
-                <a:buNone/>
-              </a:pPr>
-              <a:endParaRPr/>
-            </a:p>
-          </p:txBody>
-        </p:sp>
-        <p:sp>
-          <p:nvSpPr>
-            <p:cNvPr id="119" name="Google Shape;119;p11"/>
-            <p:cNvSpPr/>
-            <p:nvPr/>
-          </p:nvSpPr>
-          <p:spPr>
-            <a:xfrm flipH="1">
-              <a:off x="7276649" y="3302502"/>
-              <a:ext cx="808800" cy="808800"/>
-            </a:xfrm>
-            <a:prstGeom prst="diagStripe">
-              <a:avLst>
-                <a:gd name="adj" fmla="val 50000"/>
-              </a:avLst>
-            </a:prstGeom>
-            <a:solidFill>
-              <a:schemeClr val="lt1">
-                <a:alpha val="7310"/>
-              </a:schemeClr>
-            </a:solidFill>
-            <a:ln>
-              <a:noFill/>
-            </a:ln>
-          </p:spPr>
-          <p:txBody>
-            <a:bodyPr spcFirstLastPara="1" wrap="square" lIns="91425" tIns="91425" rIns="91425" bIns="91425" anchor="ctr" anchorCtr="0">
-              <a:noAutofit/>
-            </a:bodyPr>
-            <a:lstStyle/>
-            <a:p>
-              <a:pPr marL="0" lvl="0" indent="0" algn="l" rtl="0">
-                <a:spcBef>
-                  <a:spcPts val="0"/>
-                </a:spcBef>
-                <a:spcAft>
-                  <a:spcPts val="0"/>
-                </a:spcAft>
-                <a:buNone/>
-              </a:pPr>
-              <a:endParaRPr/>
-            </a:p>
-          </p:txBody>
-        </p:sp>
-        <p:sp>
-          <p:nvSpPr>
-            <p:cNvPr id="120" name="Google Shape;120;p11"/>
-            <p:cNvSpPr/>
-            <p:nvPr/>
-          </p:nvSpPr>
-          <p:spPr>
-            <a:xfrm rot="-5400000">
-              <a:off x="7227414" y="3710807"/>
-              <a:ext cx="808800" cy="808800"/>
-            </a:xfrm>
-            <a:prstGeom prst="diagStripe">
-              <a:avLst>
-                <a:gd name="adj" fmla="val 50000"/>
-              </a:avLst>
-            </a:prstGeom>
-            <a:solidFill>
-              <a:schemeClr val="accent1"/>
-            </a:solidFill>
-            <a:ln>
-              <a:noFill/>
-            </a:ln>
-          </p:spPr>
-          <p:txBody>
-            <a:bodyPr spcFirstLastPara="1" wrap="square" lIns="91425" tIns="91425" rIns="91425" bIns="91425" anchor="ctr" anchorCtr="0">
-              <a:noAutofit/>
-            </a:bodyPr>
-            <a:lstStyle/>
-            <a:p>
-              <a:pPr marL="0" lvl="0" indent="0" algn="l" rtl="0">
-                <a:spcBef>
-                  <a:spcPts val="0"/>
-                </a:spcBef>
-                <a:spcAft>
-                  <a:spcPts val="0"/>
-                </a:spcAft>
-                <a:buNone/>
-              </a:pPr>
-              <a:endParaRPr/>
-            </a:p>
-          </p:txBody>
-        </p:sp>
-        <p:sp>
-          <p:nvSpPr>
-            <p:cNvPr id="121" name="Google Shape;121;p11"/>
-            <p:cNvSpPr/>
-            <p:nvPr/>
-          </p:nvSpPr>
-          <p:spPr>
-            <a:xfrm flipH="1">
-              <a:off x="7462448" y="3918294"/>
-              <a:ext cx="808800" cy="808800"/>
-            </a:xfrm>
-            <a:prstGeom prst="diagStripe">
-              <a:avLst>
-                <a:gd name="adj" fmla="val 50000"/>
-              </a:avLst>
-            </a:prstGeom>
-            <a:solidFill>
-              <a:schemeClr val="lt1">
-                <a:alpha val="7310"/>
-              </a:schemeClr>
-            </a:solidFill>
-            <a:ln>
-              <a:noFill/>
-            </a:ln>
-          </p:spPr>
-          <p:txBody>
-            <a:bodyPr spcFirstLastPara="1" wrap="square" lIns="91425" tIns="91425" rIns="91425" bIns="91425" anchor="ctr" anchorCtr="0">
-              <a:noAutofit/>
-            </a:bodyPr>
-            <a:lstStyle/>
-            <a:p>
-              <a:pPr marL="0" lvl="0" indent="0" algn="l" rtl="0">
-                <a:spcBef>
-                  <a:spcPts val="0"/>
-                </a:spcBef>
-                <a:spcAft>
-                  <a:spcPts val="0"/>
-                </a:spcAft>
-                <a:buNone/>
-              </a:pPr>
-              <a:endParaRPr/>
-            </a:p>
-          </p:txBody>
-        </p:sp>
-        <p:sp>
-          <p:nvSpPr>
-            <p:cNvPr id="122" name="Google Shape;122;p11"/>
-            <p:cNvSpPr/>
-            <p:nvPr/>
-          </p:nvSpPr>
-          <p:spPr>
-            <a:xfrm rot="-5400000">
-              <a:off x="8102491" y="3718473"/>
-              <a:ext cx="808800" cy="808800"/>
-            </a:xfrm>
-            <a:prstGeom prst="diagStripe">
-              <a:avLst>
-                <a:gd name="adj" fmla="val 50000"/>
-              </a:avLst>
-            </a:prstGeom>
-            <a:solidFill>
-              <a:schemeClr val="lt1">
-                <a:alpha val="7310"/>
-              </a:schemeClr>
-            </a:solidFill>
-            <a:ln>
-              <a:noFill/>
-            </a:ln>
-          </p:spPr>
-          <p:txBody>
-            <a:bodyPr spcFirstLastPara="1" wrap="square" lIns="91425" tIns="91425" rIns="91425" bIns="91425" anchor="ctr" anchorCtr="0">
-              <a:noAutofit/>
-            </a:bodyPr>
-            <a:lstStyle/>
-            <a:p>
-              <a:pPr marL="0" lvl="0" indent="0" algn="l" rtl="0">
-                <a:spcBef>
-                  <a:spcPts val="0"/>
-                </a:spcBef>
-                <a:spcAft>
-                  <a:spcPts val="0"/>
-                </a:spcAft>
-                <a:buNone/>
-              </a:pPr>
-              <a:endParaRPr/>
-            </a:p>
-          </p:txBody>
-        </p:sp>
-        <p:sp>
-          <p:nvSpPr>
-            <p:cNvPr id="123" name="Google Shape;123;p11"/>
-            <p:cNvSpPr/>
-            <p:nvPr/>
-          </p:nvSpPr>
-          <p:spPr>
-            <a:xfrm flipH="1">
-              <a:off x="8334533" y="3925960"/>
-              <a:ext cx="808800" cy="808800"/>
-            </a:xfrm>
-            <a:prstGeom prst="diagStripe">
-              <a:avLst>
-                <a:gd name="adj" fmla="val 50000"/>
-              </a:avLst>
-            </a:prstGeom>
-            <a:solidFill>
-              <a:schemeClr val="lt1">
-                <a:alpha val="7310"/>
-              </a:schemeClr>
-            </a:solidFill>
-            <a:ln>
-              <a:noFill/>
-            </a:ln>
-          </p:spPr>
-          <p:txBody>
-            <a:bodyPr spcFirstLastPara="1" wrap="square" lIns="91425" tIns="91425" rIns="91425" bIns="91425" anchor="ctr" anchorCtr="0">
-              <a:noAutofit/>
-            </a:bodyPr>
-            <a:lstStyle/>
-            <a:p>
-              <a:pPr marL="0" lvl="0" indent="0" algn="l" rtl="0">
-                <a:spcBef>
-                  <a:spcPts val="0"/>
-                </a:spcBef>
-                <a:spcAft>
-                  <a:spcPts val="0"/>
-                </a:spcAft>
-                <a:buNone/>
-              </a:pPr>
-              <a:endParaRPr/>
-            </a:p>
-          </p:txBody>
-        </p:sp>
-        <p:sp>
-          <p:nvSpPr>
-            <p:cNvPr id="124" name="Google Shape;124;p11"/>
-            <p:cNvSpPr/>
-            <p:nvPr/>
-          </p:nvSpPr>
-          <p:spPr>
-            <a:xfrm rot="-5400000">
-              <a:off x="8288290" y="4334265"/>
-              <a:ext cx="808800" cy="808800"/>
-            </a:xfrm>
-            <a:prstGeom prst="diagStripe">
-              <a:avLst>
-                <a:gd name="adj" fmla="val 50000"/>
-              </a:avLst>
-            </a:prstGeom>
-            <a:solidFill>
-              <a:schemeClr val="lt1">
-                <a:alpha val="7310"/>
-              </a:schemeClr>
-            </a:solidFill>
-            <a:ln>
-              <a:noFill/>
-            </a:ln>
-          </p:spPr>
-          <p:txBody>
-            <a:bodyPr spcFirstLastPara="1" wrap="square" lIns="91425" tIns="91425" rIns="91425" bIns="91425" anchor="ctr" anchorCtr="0">
-              <a:noAutofit/>
-            </a:bodyPr>
-            <a:lstStyle/>
-            <a:p>
-              <a:pPr marL="0" lvl="0" indent="0" algn="l" rtl="0">
-                <a:spcBef>
-                  <a:spcPts val="0"/>
-                </a:spcBef>
-                <a:spcAft>
-                  <a:spcPts val="0"/>
-                </a:spcAft>
-                <a:buNone/>
-              </a:pPr>
-              <a:endParaRPr/>
-            </a:p>
-          </p:txBody>
-        </p:sp>
-      </p:grpSp>
-      <p:sp>
-        <p:nvSpPr>
-          <p:cNvPr id="125" name="Google Shape;125;p11"/>
-          <p:cNvSpPr txBox="1">
-            <a:spLocks noGrp="1"/>
-          </p:cNvSpPr>
-          <p:nvPr>
-            <p:ph type="title" hasCustomPrompt="1"/>
-          </p:nvPr>
-        </p:nvSpPr>
-        <p:spPr>
-          <a:xfrm>
-            <a:off x="823850" y="1284675"/>
-            <a:ext cx="4776000" cy="1300800"/>
-          </a:xfrm>
-          <a:prstGeom prst="rect">
-            <a:avLst/>
-          </a:prstGeom>
-        </p:spPr>
-        <p:txBody>
-          <a:bodyPr spcFirstLastPara="1" wrap="square" lIns="91425" tIns="91425" rIns="91425" bIns="91425" anchor="t" anchorCtr="0">
-            <a:noAutofit/>
-          </a:bodyPr>
-          <a:lstStyle>
-            <a:lvl1pPr lvl="0">
-              <a:spcBef>
-                <a:spcPts val="0"/>
-              </a:spcBef>
-              <a:spcAft>
-                <a:spcPts val="0"/>
-              </a:spcAft>
-              <a:buSzPts val="8000"/>
-              <a:buNone/>
-              <a:defRPr sz="8000"/>
-            </a:lvl1pPr>
-            <a:lvl2pPr lvl="1">
-              <a:spcBef>
-                <a:spcPts val="0"/>
-              </a:spcBef>
-              <a:spcAft>
-                <a:spcPts val="0"/>
-              </a:spcAft>
-              <a:buSzPts val="8000"/>
-              <a:buNone/>
-              <a:defRPr sz="8000"/>
-            </a:lvl2pPr>
-            <a:lvl3pPr lvl="2">
-              <a:spcBef>
-                <a:spcPts val="0"/>
-              </a:spcBef>
-              <a:spcAft>
-                <a:spcPts val="0"/>
-              </a:spcAft>
-              <a:buSzPts val="8000"/>
-              <a:buNone/>
-              <a:defRPr sz="8000"/>
-            </a:lvl3pPr>
-            <a:lvl4pPr lvl="3">
-              <a:spcBef>
-                <a:spcPts val="0"/>
-              </a:spcBef>
-              <a:spcAft>
-                <a:spcPts val="0"/>
-              </a:spcAft>
-              <a:buSzPts val="8000"/>
-              <a:buNone/>
-              <a:defRPr sz="8000"/>
-            </a:lvl4pPr>
-            <a:lvl5pPr lvl="4">
-              <a:spcBef>
-                <a:spcPts val="0"/>
-              </a:spcBef>
-              <a:spcAft>
-                <a:spcPts val="0"/>
-              </a:spcAft>
-              <a:buSzPts val="8000"/>
-              <a:buNone/>
-              <a:defRPr sz="8000"/>
-            </a:lvl5pPr>
-            <a:lvl6pPr lvl="5">
-              <a:spcBef>
-                <a:spcPts val="0"/>
-              </a:spcBef>
-              <a:spcAft>
-                <a:spcPts val="0"/>
-              </a:spcAft>
-              <a:buSzPts val="8000"/>
-              <a:buNone/>
-              <a:defRPr sz="8000"/>
-            </a:lvl6pPr>
-            <a:lvl7pPr lvl="6">
-              <a:spcBef>
-                <a:spcPts val="0"/>
-              </a:spcBef>
-              <a:spcAft>
-                <a:spcPts val="0"/>
-              </a:spcAft>
-              <a:buSzPts val="8000"/>
-              <a:buNone/>
-              <a:defRPr sz="8000"/>
-            </a:lvl7pPr>
-            <a:lvl8pPr lvl="7">
-              <a:spcBef>
-                <a:spcPts val="0"/>
-              </a:spcBef>
-              <a:spcAft>
-                <a:spcPts val="0"/>
-              </a:spcAft>
-              <a:buSzPts val="8000"/>
-              <a:buNone/>
-              <a:defRPr sz="8000"/>
-            </a:lvl8pPr>
-            <a:lvl9pPr lvl="8">
-              <a:spcBef>
-                <a:spcPts val="0"/>
-              </a:spcBef>
-              <a:spcAft>
-                <a:spcPts val="0"/>
-              </a:spcAft>
-              <a:buSzPts val="8000"/>
-              <a:buNone/>
-              <a:defRPr sz="8000"/>
-            </a:lvl9pPr>
-          </a:lstStyle>
-          <a:p>
-            <a:r>
-              <a:t>xx%</a:t>
-            </a:r>
-          </a:p>
-        </p:txBody>
-      </p:sp>
-      <p:sp>
-        <p:nvSpPr>
-          <p:cNvPr id="126" name="Google Shape;126;p11"/>
-          <p:cNvSpPr txBox="1">
-            <a:spLocks noGrp="1"/>
-          </p:cNvSpPr>
-          <p:nvPr>
-            <p:ph type="body" idx="1"/>
-          </p:nvPr>
-        </p:nvSpPr>
-        <p:spPr>
-          <a:xfrm>
-            <a:off x="823850" y="2643124"/>
-            <a:ext cx="4776000" cy="1218900"/>
-          </a:xfrm>
-          <a:prstGeom prst="rect">
-            <a:avLst/>
-          </a:prstGeom>
-        </p:spPr>
-        <p:txBody>
-          <a:bodyPr spcFirstLastPara="1" wrap="square" lIns="91425" tIns="91425" rIns="91425" bIns="91425" anchor="t" anchorCtr="0">
-            <a:noAutofit/>
-          </a:bodyPr>
-          <a:lstStyle>
-            <a:lvl1pPr marL="457200" lvl="0" indent="-311150">
-              <a:spcBef>
-                <a:spcPts val="0"/>
-              </a:spcBef>
-              <a:spcAft>
-                <a:spcPts val="0"/>
-              </a:spcAft>
-              <a:buSzPts val="1300"/>
-              <a:buChar char="●"/>
-              <a:defRPr/>
-            </a:lvl1pPr>
-            <a:lvl2pPr marL="914400" lvl="1" indent="-298450">
-              <a:spcBef>
-                <a:spcPts val="1600"/>
-              </a:spcBef>
-              <a:spcAft>
-                <a:spcPts val="0"/>
-              </a:spcAft>
-              <a:buSzPts val="1100"/>
-              <a:buChar char="○"/>
-              <a:defRPr/>
-            </a:lvl2pPr>
-            <a:lvl3pPr marL="1371600" lvl="2" indent="-298450">
-              <a:spcBef>
-                <a:spcPts val="1600"/>
-              </a:spcBef>
-              <a:spcAft>
-                <a:spcPts val="0"/>
-              </a:spcAft>
-              <a:buSzPts val="1100"/>
-              <a:buChar char="■"/>
-              <a:defRPr/>
-            </a:lvl3pPr>
-            <a:lvl4pPr marL="1828800" lvl="3" indent="-298450">
-              <a:spcBef>
-                <a:spcPts val="1600"/>
-              </a:spcBef>
-              <a:spcAft>
-                <a:spcPts val="0"/>
-              </a:spcAft>
-              <a:buSzPts val="1100"/>
-              <a:buChar char="●"/>
-              <a:defRPr/>
-            </a:lvl4pPr>
-            <a:lvl5pPr marL="2286000" lvl="4" indent="-298450">
-              <a:spcBef>
-                <a:spcPts val="1600"/>
-              </a:spcBef>
-              <a:spcAft>
-                <a:spcPts val="0"/>
-              </a:spcAft>
-              <a:buSzPts val="1100"/>
-              <a:buChar char="○"/>
-              <a:defRPr/>
-            </a:lvl5pPr>
-            <a:lvl6pPr marL="2743200" lvl="5" indent="-298450">
-              <a:spcBef>
-                <a:spcPts val="1600"/>
-              </a:spcBef>
-              <a:spcAft>
-                <a:spcPts val="0"/>
-              </a:spcAft>
-              <a:buSzPts val="1100"/>
-              <a:buChar char="■"/>
-              <a:defRPr/>
-            </a:lvl6pPr>
-            <a:lvl7pPr marL="3200400" lvl="6" indent="-298450">
-              <a:spcBef>
-                <a:spcPts val="1600"/>
-              </a:spcBef>
-              <a:spcAft>
-                <a:spcPts val="0"/>
-              </a:spcAft>
-              <a:buSzPts val="1100"/>
-              <a:buChar char="●"/>
-              <a:defRPr/>
-            </a:lvl7pPr>
-            <a:lvl8pPr marL="3657600" lvl="7" indent="-298450">
-              <a:spcBef>
-                <a:spcPts val="1600"/>
-              </a:spcBef>
-              <a:spcAft>
-                <a:spcPts val="0"/>
-              </a:spcAft>
-              <a:buSzPts val="1100"/>
-              <a:buChar char="○"/>
-              <a:defRPr/>
-            </a:lvl8pPr>
-            <a:lvl9pPr marL="4114800" lvl="8" indent="-298450">
-              <a:spcBef>
-                <a:spcPts val="1600"/>
-              </a:spcBef>
-              <a:spcAft>
-                <a:spcPts val="1600"/>
-              </a:spcAft>
-              <a:buSzPts val="1100"/>
-              <a:buChar char="■"/>
-              <a:defRPr/>
-            </a:lvl9pPr>
-          </a:lstStyle>
-          <a:p>
-            <a:endParaRPr/>
-          </a:p>
-        </p:txBody>
-      </p:sp>
-      <p:sp>
-        <p:nvSpPr>
-          <p:cNvPr id="127" name="Google Shape;127;p11"/>
-          <p:cNvSpPr txBox="1">
-            <a:spLocks noGrp="1"/>
-          </p:cNvSpPr>
-          <p:nvPr>
-            <p:ph type="sldNum" idx="12"/>
-          </p:nvPr>
-        </p:nvSpPr>
-        <p:spPr>
-          <a:xfrm>
-            <a:off x="8472458" y="4663217"/>
-            <a:ext cx="548700" cy="393600"/>
-          </a:xfrm>
-          <a:prstGeom prst="rect">
-            <a:avLst/>
-          </a:prstGeom>
-        </p:spPr>
-        <p:txBody>
-          <a:bodyPr spcFirstLastPara="1" wrap="square" lIns="91425" tIns="91425" rIns="91425" bIns="91425" anchor="ctr" anchorCtr="0">
-            <a:noAutofit/>
-          </a:bodyPr>
-          <a:lstStyle>
-            <a:lvl1pPr lvl="0">
-              <a:buNone/>
-              <a:defRPr/>
-            </a:lvl1pPr>
-            <a:lvl2pPr lvl="1">
-              <a:buNone/>
-              <a:defRPr/>
-            </a:lvl2pPr>
-            <a:lvl3pPr lvl="2">
-              <a:buNone/>
-              <a:defRPr/>
-            </a:lvl3pPr>
-            <a:lvl4pPr lvl="3">
-              <a:buNone/>
-              <a:defRPr/>
-            </a:lvl4pPr>
-            <a:lvl5pPr lvl="4">
-              <a:buNone/>
-              <a:defRPr/>
-            </a:lvl5pPr>
-            <a:lvl6pPr lvl="5">
-              <a:buNone/>
-              <a:defRPr/>
-            </a:lvl6pPr>
-            <a:lvl7pPr lvl="6">
-              <a:buNone/>
-              <a:defRPr/>
-            </a:lvl7pPr>
-            <a:lvl8pPr lvl="7">
-              <a:buNone/>
-              <a:defRPr/>
-            </a:lvl8pPr>
-            <a:lvl9pPr lvl="8">
-              <a:buNone/>
-              <a:defRPr/>
-            </a:lvl9pPr>
-          </a:lstStyle>
-          <a:p>
-            <a:pPr marL="0" lvl="0" indent="0" algn="r" rtl="0">
-              <a:spcBef>
-                <a:spcPts val="0"/>
-              </a:spcBef>
-              <a:spcAft>
-                <a:spcPts val="0"/>
-              </a:spcAft>
-              <a:buNone/>
-            </a:pPr>
-            <a:fld id="{00000000-1234-1234-1234-123412341234}" type="slidenum">
-              <a:rPr lang="en"/>
-              <a:t>‹#›</a:t>
-            </a:fld>
-            <a:endParaRPr/>
-          </a:p>
-        </p:txBody>
-      </p:sp>
-    </p:spTree>
-  </p:cSld>
-  <p:clrMapOvr>
-    <a:masterClrMapping/>
-  </p:clrMapOvr>
-</p:sldLayout>
-</file>
-
-<file path=ppt/slideLayouts/slideLayout11.xml><?xml version="1.0" encoding="utf-8"?>
-<p:sldLayout xmlns:a="http://schemas.openxmlformats.org/drawingml/2006/main" xmlns:r="http://schemas.openxmlformats.org/officeDocument/2006/relationships" xmlns:p="http://schemas.openxmlformats.org/presentationml/2006/main" matchingName="Blank" type="blank">
-  <p:cSld name="BLANK">
-    <p:spTree>
-      <p:nvGrpSpPr>
-        <p:cNvPr id="1" name="Shape 128"/>
-        <p:cNvGrpSpPr/>
-        <p:nvPr/>
-      </p:nvGrpSpPr>
-      <p:grpSpPr>
-        <a:xfrm>
-          <a:off x="0" y="0"/>
-          <a:ext cx="0" cy="0"/>
-          <a:chOff x="0" y="0"/>
-          <a:chExt cx="0" cy="0"/>
-        </a:xfrm>
-      </p:grpSpPr>
-      <p:sp>
-        <p:nvSpPr>
-          <p:cNvPr id="129" name="Google Shape;129;p12"/>
-          <p:cNvSpPr txBox="1">
-            <a:spLocks noGrp="1"/>
-          </p:cNvSpPr>
-          <p:nvPr>
-            <p:ph type="sldNum" idx="12"/>
-          </p:nvPr>
-        </p:nvSpPr>
-        <p:spPr>
-          <a:xfrm>
-            <a:off x="8472458" y="4663217"/>
-            <a:ext cx="548700" cy="393600"/>
-          </a:xfrm>
-          <a:prstGeom prst="rect">
-            <a:avLst/>
-          </a:prstGeom>
-        </p:spPr>
-        <p:txBody>
-          <a:bodyPr spcFirstLastPara="1" wrap="square" lIns="91425" tIns="91425" rIns="91425" bIns="91425" anchor="ctr" anchorCtr="0">
-            <a:noAutofit/>
-          </a:bodyPr>
-          <a:lstStyle>
-            <a:lvl1pPr lvl="0">
-              <a:buNone/>
-              <a:defRPr/>
-            </a:lvl1pPr>
-            <a:lvl2pPr lvl="1">
-              <a:buNone/>
-              <a:defRPr/>
-            </a:lvl2pPr>
-            <a:lvl3pPr lvl="2">
-              <a:buNone/>
-              <a:defRPr/>
-            </a:lvl3pPr>
-            <a:lvl4pPr lvl="3">
-              <a:buNone/>
-              <a:defRPr/>
-            </a:lvl4pPr>
-            <a:lvl5pPr lvl="4">
-              <a:buNone/>
-              <a:defRPr/>
-            </a:lvl5pPr>
-            <a:lvl6pPr lvl="5">
-              <a:buNone/>
-              <a:defRPr/>
-            </a:lvl6pPr>
-            <a:lvl7pPr lvl="6">
-              <a:buNone/>
-              <a:defRPr/>
-            </a:lvl7pPr>
-            <a:lvl8pPr lvl="7">
-              <a:buNone/>
-              <a:defRPr/>
-            </a:lvl8pPr>
-            <a:lvl9pPr lvl="8">
-              <a:buNone/>
-              <a:defRPr/>
-            </a:lvl9pPr>
-          </a:lstStyle>
-          <a:p>
-            <a:pPr marL="0" lvl="0" indent="0" algn="r" rtl="0">
-              <a:spcBef>
-                <a:spcPts val="0"/>
-              </a:spcBef>
-              <a:spcAft>
-                <a:spcPts val="0"/>
-              </a:spcAft>
-              <a:buNone/>
-            </a:pPr>
-            <a:fld id="{00000000-1234-1234-1234-123412341234}" type="slidenum">
-              <a:rPr lang="en"/>
-              <a:t>‹#›</a:t>
-            </a:fld>
-            <a:endParaRPr/>
-          </a:p>
-        </p:txBody>
-      </p:sp>
-    </p:spTree>
-  </p:cSld>
-  <p:clrMapOvr>
-    <a:masterClrMapping/>
-  </p:clrMapOvr>
-</p:sldLayout>
-</file>
-
 <file path=ppt/slideLayouts/slideLayout2.xml><?xml version="1.0" encoding="utf-8"?>
-<p:sldLayout xmlns:a="http://schemas.openxmlformats.org/drawingml/2006/main" xmlns:r="http://schemas.openxmlformats.org/officeDocument/2006/relationships" xmlns:p="http://schemas.openxmlformats.org/presentationml/2006/main" matchingName="Section header" type="secHead">
-  <p:cSld name="SECTION_HEADER">
-    <p:spTree>
-      <p:nvGrpSpPr>
-        <p:cNvPr id="1" name="Shape 19"/>
-        <p:cNvGrpSpPr/>
-        <p:nvPr/>
-      </p:nvGrpSpPr>
-      <p:grpSpPr>
-        <a:xfrm>
-          <a:off x="0" y="0"/>
-          <a:ext cx="0" cy="0"/>
-          <a:chOff x="0" y="0"/>
-          <a:chExt cx="0" cy="0"/>
-        </a:xfrm>
-      </p:grpSpPr>
-      <p:grpSp>
-        <p:nvGrpSpPr>
-          <p:cNvPr id="20" name="Google Shape;20;p3"/>
-          <p:cNvGrpSpPr/>
-          <p:nvPr/>
-        </p:nvGrpSpPr>
-        <p:grpSpPr>
-          <a:xfrm>
-            <a:off x="4406400" y="0"/>
-            <a:ext cx="4737600" cy="5143065"/>
-            <a:chOff x="4406400" y="0"/>
-            <a:chExt cx="4737600" cy="5143065"/>
-          </a:xfrm>
-        </p:grpSpPr>
-        <p:sp>
-          <p:nvSpPr>
-            <p:cNvPr id="21" name="Google Shape;21;p3"/>
-            <p:cNvSpPr/>
-            <p:nvPr/>
-          </p:nvSpPr>
-          <p:spPr>
-            <a:xfrm rot="5400000">
-              <a:off x="4408200" y="-1800"/>
-              <a:ext cx="4734000" cy="4737600"/>
-            </a:xfrm>
-            <a:prstGeom prst="diagStripe">
-              <a:avLst>
-                <a:gd name="adj" fmla="val 49469"/>
-              </a:avLst>
-            </a:prstGeom>
-            <a:solidFill>
-              <a:schemeClr val="lt1">
-                <a:alpha val="3460"/>
-              </a:schemeClr>
-            </a:solidFill>
-            <a:ln>
-              <a:noFill/>
-            </a:ln>
-          </p:spPr>
-          <p:txBody>
-            <a:bodyPr spcFirstLastPara="1" wrap="square" lIns="91425" tIns="91425" rIns="91425" bIns="91425" anchor="ctr" anchorCtr="0">
-              <a:noAutofit/>
-            </a:bodyPr>
-            <a:lstStyle/>
-            <a:p>
-              <a:pPr marL="0" lvl="0" indent="0" algn="l" rtl="0">
-                <a:spcBef>
-                  <a:spcPts val="0"/>
-                </a:spcBef>
-                <a:spcAft>
-                  <a:spcPts val="0"/>
-                </a:spcAft>
-                <a:buNone/>
-              </a:pPr>
-              <a:endParaRPr/>
-            </a:p>
-          </p:txBody>
-        </p:sp>
-        <p:sp>
-          <p:nvSpPr>
-            <p:cNvPr id="22" name="Google Shape;22;p3"/>
-            <p:cNvSpPr/>
-            <p:nvPr/>
-          </p:nvSpPr>
-          <p:spPr>
-            <a:xfrm rot="5400000">
-              <a:off x="4841125" y="5700"/>
-              <a:ext cx="4298100" cy="4286700"/>
-            </a:xfrm>
-            <a:prstGeom prst="diagStripe">
-              <a:avLst>
-                <a:gd name="adj" fmla="val 0"/>
-              </a:avLst>
-            </a:prstGeom>
-            <a:solidFill>
-              <a:schemeClr val="lt1">
-                <a:alpha val="3460"/>
-              </a:schemeClr>
-            </a:solidFill>
-            <a:ln>
-              <a:noFill/>
-            </a:ln>
-          </p:spPr>
-          <p:txBody>
-            <a:bodyPr spcFirstLastPara="1" wrap="square" lIns="91425" tIns="91425" rIns="91425" bIns="91425" anchor="ctr" anchorCtr="0">
-              <a:noAutofit/>
-            </a:bodyPr>
-            <a:lstStyle/>
-            <a:p>
-              <a:pPr marL="0" lvl="0" indent="0" algn="l" rtl="0">
-                <a:spcBef>
-                  <a:spcPts val="0"/>
-                </a:spcBef>
-                <a:spcAft>
-                  <a:spcPts val="0"/>
-                </a:spcAft>
-                <a:buNone/>
-              </a:pPr>
-              <a:endParaRPr/>
-            </a:p>
-          </p:txBody>
-        </p:sp>
-        <p:sp>
-          <p:nvSpPr>
-            <p:cNvPr id="23" name="Google Shape;23;p3"/>
-            <p:cNvSpPr/>
-            <p:nvPr/>
-          </p:nvSpPr>
-          <p:spPr>
-            <a:xfrm rot="-5400000">
-              <a:off x="5618399" y="1236468"/>
-              <a:ext cx="808800" cy="808800"/>
-            </a:xfrm>
-            <a:prstGeom prst="diagStripe">
-              <a:avLst>
-                <a:gd name="adj" fmla="val 50000"/>
-              </a:avLst>
-            </a:prstGeom>
-            <a:solidFill>
-              <a:schemeClr val="lt1">
-                <a:alpha val="7310"/>
-              </a:schemeClr>
-            </a:solidFill>
-            <a:ln>
-              <a:noFill/>
-            </a:ln>
-          </p:spPr>
-          <p:txBody>
-            <a:bodyPr spcFirstLastPara="1" wrap="square" lIns="91425" tIns="91425" rIns="91425" bIns="91425" anchor="ctr" anchorCtr="0">
-              <a:noAutofit/>
-            </a:bodyPr>
-            <a:lstStyle/>
-            <a:p>
-              <a:pPr marL="0" lvl="0" indent="0" algn="l" rtl="0">
-                <a:spcBef>
-                  <a:spcPts val="0"/>
-                </a:spcBef>
-                <a:spcAft>
-                  <a:spcPts val="0"/>
-                </a:spcAft>
-                <a:buNone/>
-              </a:pPr>
-              <a:endParaRPr/>
-            </a:p>
-          </p:txBody>
-        </p:sp>
-        <p:sp>
-          <p:nvSpPr>
-            <p:cNvPr id="24" name="Google Shape;24;p3"/>
-            <p:cNvSpPr/>
-            <p:nvPr/>
-          </p:nvSpPr>
-          <p:spPr>
-            <a:xfrm flipH="1">
-              <a:off x="5849857" y="1443956"/>
-              <a:ext cx="808800" cy="808800"/>
-            </a:xfrm>
-            <a:prstGeom prst="diagStripe">
-              <a:avLst>
-                <a:gd name="adj" fmla="val 50000"/>
-              </a:avLst>
-            </a:prstGeom>
-            <a:solidFill>
-              <a:schemeClr val="lt1">
-                <a:alpha val="7310"/>
-              </a:schemeClr>
-            </a:solidFill>
-            <a:ln>
-              <a:noFill/>
-            </a:ln>
-          </p:spPr>
-          <p:txBody>
-            <a:bodyPr spcFirstLastPara="1" wrap="square" lIns="91425" tIns="91425" rIns="91425" bIns="91425" anchor="ctr" anchorCtr="0">
-              <a:noAutofit/>
-            </a:bodyPr>
-            <a:lstStyle/>
-            <a:p>
-              <a:pPr marL="0" lvl="0" indent="0" algn="l" rtl="0">
-                <a:spcBef>
-                  <a:spcPts val="0"/>
-                </a:spcBef>
-                <a:spcAft>
-                  <a:spcPts val="0"/>
-                </a:spcAft>
-                <a:buNone/>
-              </a:pPr>
-              <a:endParaRPr/>
-            </a:p>
-          </p:txBody>
-        </p:sp>
-        <p:sp>
-          <p:nvSpPr>
-            <p:cNvPr id="25" name="Google Shape;25;p3"/>
-            <p:cNvSpPr/>
-            <p:nvPr/>
-          </p:nvSpPr>
-          <p:spPr>
-            <a:xfrm rot="-5400000">
-              <a:off x="5987081" y="2469465"/>
-              <a:ext cx="808800" cy="808800"/>
-            </a:xfrm>
-            <a:prstGeom prst="diagStripe">
-              <a:avLst>
-                <a:gd name="adj" fmla="val 50000"/>
-              </a:avLst>
-            </a:prstGeom>
-            <a:solidFill>
-              <a:schemeClr val="lt1">
-                <a:alpha val="7310"/>
-              </a:schemeClr>
-            </a:solidFill>
-            <a:ln>
-              <a:noFill/>
-            </a:ln>
-          </p:spPr>
-          <p:txBody>
-            <a:bodyPr spcFirstLastPara="1" wrap="square" lIns="91425" tIns="91425" rIns="91425" bIns="91425" anchor="ctr" anchorCtr="0">
-              <a:noAutofit/>
-            </a:bodyPr>
-            <a:lstStyle/>
-            <a:p>
-              <a:pPr marL="0" lvl="0" indent="0" algn="l" rtl="0">
-                <a:spcBef>
-                  <a:spcPts val="0"/>
-                </a:spcBef>
-                <a:spcAft>
-                  <a:spcPts val="0"/>
-                </a:spcAft>
-                <a:buNone/>
-              </a:pPr>
-              <a:endParaRPr/>
-            </a:p>
-          </p:txBody>
-        </p:sp>
-        <p:sp>
-          <p:nvSpPr>
-            <p:cNvPr id="26" name="Google Shape;26;p3"/>
-            <p:cNvSpPr/>
-            <p:nvPr/>
-          </p:nvSpPr>
-          <p:spPr>
-            <a:xfrm flipH="1">
-              <a:off x="6222115" y="2676953"/>
-              <a:ext cx="808800" cy="808800"/>
-            </a:xfrm>
-            <a:prstGeom prst="diagStripe">
-              <a:avLst>
-                <a:gd name="adj" fmla="val 50000"/>
-              </a:avLst>
-            </a:prstGeom>
-            <a:solidFill>
-              <a:schemeClr val="lt1">
-                <a:alpha val="7310"/>
-              </a:schemeClr>
-            </a:solidFill>
-            <a:ln>
-              <a:noFill/>
-            </a:ln>
-          </p:spPr>
-          <p:txBody>
-            <a:bodyPr spcFirstLastPara="1" wrap="square" lIns="91425" tIns="91425" rIns="91425" bIns="91425" anchor="ctr" anchorCtr="0">
-              <a:noAutofit/>
-            </a:bodyPr>
-            <a:lstStyle/>
-            <a:p>
-              <a:pPr marL="0" lvl="0" indent="0" algn="l" rtl="0">
-                <a:spcBef>
-                  <a:spcPts val="0"/>
-                </a:spcBef>
-                <a:spcAft>
-                  <a:spcPts val="0"/>
-                </a:spcAft>
-                <a:buNone/>
-              </a:pPr>
-              <a:endParaRPr/>
-            </a:p>
-          </p:txBody>
-        </p:sp>
-        <p:sp>
-          <p:nvSpPr>
-            <p:cNvPr id="27" name="Google Shape;27;p3"/>
-            <p:cNvSpPr/>
-            <p:nvPr/>
-          </p:nvSpPr>
-          <p:spPr>
-            <a:xfrm rot="-5400000">
-              <a:off x="6675341" y="1862018"/>
-              <a:ext cx="808800" cy="808800"/>
-            </a:xfrm>
-            <a:prstGeom prst="diagStripe">
-              <a:avLst>
-                <a:gd name="adj" fmla="val 50000"/>
-              </a:avLst>
-            </a:prstGeom>
-            <a:solidFill>
-              <a:schemeClr val="lt1">
-                <a:alpha val="7310"/>
-              </a:schemeClr>
-            </a:solidFill>
-            <a:ln>
-              <a:noFill/>
-            </a:ln>
-          </p:spPr>
-          <p:txBody>
-            <a:bodyPr spcFirstLastPara="1" wrap="square" lIns="91425" tIns="91425" rIns="91425" bIns="91425" anchor="ctr" anchorCtr="0">
-              <a:noAutofit/>
-            </a:bodyPr>
-            <a:lstStyle/>
-            <a:p>
-              <a:pPr marL="0" lvl="0" indent="0" algn="l" rtl="0">
-                <a:spcBef>
-                  <a:spcPts val="0"/>
-                </a:spcBef>
-                <a:spcAft>
-                  <a:spcPts val="0"/>
-                </a:spcAft>
-                <a:buNone/>
-              </a:pPr>
-              <a:endParaRPr/>
-            </a:p>
-          </p:txBody>
-        </p:sp>
-        <p:sp>
-          <p:nvSpPr>
-            <p:cNvPr id="28" name="Google Shape;28;p3"/>
-            <p:cNvSpPr/>
-            <p:nvPr/>
-          </p:nvSpPr>
-          <p:spPr>
-            <a:xfrm flipH="1">
-              <a:off x="6908099" y="2069505"/>
-              <a:ext cx="808800" cy="808800"/>
-            </a:xfrm>
-            <a:prstGeom prst="diagStripe">
-              <a:avLst>
-                <a:gd name="adj" fmla="val 50000"/>
-              </a:avLst>
-            </a:prstGeom>
-            <a:solidFill>
-              <a:schemeClr val="lt2"/>
-            </a:solidFill>
-            <a:ln>
-              <a:noFill/>
-            </a:ln>
-          </p:spPr>
-          <p:txBody>
-            <a:bodyPr spcFirstLastPara="1" wrap="square" lIns="91425" tIns="91425" rIns="91425" bIns="91425" anchor="ctr" anchorCtr="0">
-              <a:noAutofit/>
-            </a:bodyPr>
-            <a:lstStyle/>
-            <a:p>
-              <a:pPr marL="0" lvl="0" indent="0" algn="l" rtl="0">
-                <a:spcBef>
-                  <a:spcPts val="0"/>
-                </a:spcBef>
-                <a:spcAft>
-                  <a:spcPts val="0"/>
-                </a:spcAft>
-                <a:buNone/>
-              </a:pPr>
-              <a:endParaRPr/>
-            </a:p>
-          </p:txBody>
-        </p:sp>
-        <p:sp>
-          <p:nvSpPr>
-            <p:cNvPr id="29" name="Google Shape;29;p3"/>
-            <p:cNvSpPr/>
-            <p:nvPr/>
-          </p:nvSpPr>
-          <p:spPr>
-            <a:xfrm rot="-5400000">
-              <a:off x="6861141" y="2477810"/>
-              <a:ext cx="808800" cy="808800"/>
-            </a:xfrm>
-            <a:prstGeom prst="diagStripe">
-              <a:avLst>
-                <a:gd name="adj" fmla="val 50000"/>
-              </a:avLst>
-            </a:prstGeom>
-            <a:solidFill>
-              <a:schemeClr val="lt1">
-                <a:alpha val="7310"/>
-              </a:schemeClr>
-            </a:solidFill>
-            <a:ln>
-              <a:noFill/>
-            </a:ln>
-          </p:spPr>
-          <p:txBody>
-            <a:bodyPr spcFirstLastPara="1" wrap="square" lIns="91425" tIns="91425" rIns="91425" bIns="91425" anchor="ctr" anchorCtr="0">
-              <a:noAutofit/>
-            </a:bodyPr>
-            <a:lstStyle/>
-            <a:p>
-              <a:pPr marL="0" lvl="0" indent="0" algn="l" rtl="0">
-                <a:spcBef>
-                  <a:spcPts val="0"/>
-                </a:spcBef>
-                <a:spcAft>
-                  <a:spcPts val="0"/>
-                </a:spcAft>
-                <a:buNone/>
-              </a:pPr>
-              <a:endParaRPr/>
-            </a:p>
-          </p:txBody>
-        </p:sp>
-        <p:sp>
-          <p:nvSpPr>
-            <p:cNvPr id="30" name="Google Shape;30;p3"/>
-            <p:cNvSpPr/>
-            <p:nvPr/>
-          </p:nvSpPr>
-          <p:spPr>
-            <a:xfrm flipH="1">
-              <a:off x="7965266" y="2692963"/>
-              <a:ext cx="808800" cy="808800"/>
-            </a:xfrm>
-            <a:prstGeom prst="diagStripe">
-              <a:avLst>
-                <a:gd name="adj" fmla="val 50000"/>
-              </a:avLst>
-            </a:prstGeom>
-            <a:solidFill>
-              <a:schemeClr val="lt1">
-                <a:alpha val="7310"/>
-              </a:schemeClr>
-            </a:solidFill>
-            <a:ln>
-              <a:noFill/>
-            </a:ln>
-          </p:spPr>
-          <p:txBody>
-            <a:bodyPr spcFirstLastPara="1" wrap="square" lIns="91425" tIns="91425" rIns="91425" bIns="91425" anchor="ctr" anchorCtr="0">
-              <a:noAutofit/>
-            </a:bodyPr>
-            <a:lstStyle/>
-            <a:p>
-              <a:pPr marL="0" lvl="0" indent="0" algn="l" rtl="0">
-                <a:spcBef>
-                  <a:spcPts val="0"/>
-                </a:spcBef>
-                <a:spcAft>
-                  <a:spcPts val="0"/>
-                </a:spcAft>
-                <a:buNone/>
-              </a:pPr>
-              <a:endParaRPr/>
-            </a:p>
-          </p:txBody>
-        </p:sp>
-        <p:sp>
-          <p:nvSpPr>
-            <p:cNvPr id="31" name="Google Shape;31;p3"/>
-            <p:cNvSpPr/>
-            <p:nvPr/>
-          </p:nvSpPr>
-          <p:spPr>
-            <a:xfrm flipH="1">
-              <a:off x="8145082" y="3308755"/>
-              <a:ext cx="808800" cy="808800"/>
-            </a:xfrm>
-            <a:prstGeom prst="diagStripe">
-              <a:avLst>
-                <a:gd name="adj" fmla="val 50000"/>
-              </a:avLst>
-            </a:prstGeom>
-            <a:solidFill>
-              <a:schemeClr val="lt1">
-                <a:alpha val="7310"/>
-              </a:schemeClr>
-            </a:solidFill>
-            <a:ln>
-              <a:noFill/>
-            </a:ln>
-          </p:spPr>
-          <p:txBody>
-            <a:bodyPr spcFirstLastPara="1" wrap="square" lIns="91425" tIns="91425" rIns="91425" bIns="91425" anchor="ctr" anchorCtr="0">
-              <a:noAutofit/>
-            </a:bodyPr>
-            <a:lstStyle/>
-            <a:p>
-              <a:pPr marL="0" lvl="0" indent="0" algn="l" rtl="0">
-                <a:spcBef>
-                  <a:spcPts val="0"/>
-                </a:spcBef>
-                <a:spcAft>
-                  <a:spcPts val="0"/>
-                </a:spcAft>
-                <a:buNone/>
-              </a:pPr>
-              <a:endParaRPr/>
-            </a:p>
-          </p:txBody>
-        </p:sp>
-        <p:sp>
-          <p:nvSpPr>
-            <p:cNvPr id="32" name="Google Shape;32;p3"/>
-            <p:cNvSpPr/>
-            <p:nvPr/>
-          </p:nvSpPr>
-          <p:spPr>
-            <a:xfrm rot="-5400000">
-              <a:off x="7047599" y="3095015"/>
-              <a:ext cx="808800" cy="808800"/>
-            </a:xfrm>
-            <a:prstGeom prst="diagStripe">
-              <a:avLst>
-                <a:gd name="adj" fmla="val 50000"/>
-              </a:avLst>
-            </a:prstGeom>
-            <a:solidFill>
-              <a:schemeClr val="lt1">
-                <a:alpha val="7310"/>
-              </a:schemeClr>
-            </a:solidFill>
-            <a:ln>
-              <a:noFill/>
-            </a:ln>
-          </p:spPr>
-          <p:txBody>
-            <a:bodyPr spcFirstLastPara="1" wrap="square" lIns="91425" tIns="91425" rIns="91425" bIns="91425" anchor="ctr" anchorCtr="0">
-              <a:noAutofit/>
-            </a:bodyPr>
-            <a:lstStyle/>
-            <a:p>
-              <a:pPr marL="0" lvl="0" indent="0" algn="l" rtl="0">
-                <a:spcBef>
-                  <a:spcPts val="0"/>
-                </a:spcBef>
-                <a:spcAft>
-                  <a:spcPts val="0"/>
-                </a:spcAft>
-                <a:buNone/>
-              </a:pPr>
-              <a:endParaRPr/>
-            </a:p>
-          </p:txBody>
-        </p:sp>
-        <p:sp>
-          <p:nvSpPr>
-            <p:cNvPr id="33" name="Google Shape;33;p3"/>
-            <p:cNvSpPr/>
-            <p:nvPr/>
-          </p:nvSpPr>
-          <p:spPr>
-            <a:xfrm flipH="1">
-              <a:off x="7276649" y="3302502"/>
-              <a:ext cx="808800" cy="808800"/>
-            </a:xfrm>
-            <a:prstGeom prst="diagStripe">
-              <a:avLst>
-                <a:gd name="adj" fmla="val 50000"/>
-              </a:avLst>
-            </a:prstGeom>
-            <a:solidFill>
-              <a:schemeClr val="lt1">
-                <a:alpha val="7310"/>
-              </a:schemeClr>
-            </a:solidFill>
-            <a:ln>
-              <a:noFill/>
-            </a:ln>
-          </p:spPr>
-          <p:txBody>
-            <a:bodyPr spcFirstLastPara="1" wrap="square" lIns="91425" tIns="91425" rIns="91425" bIns="91425" anchor="ctr" anchorCtr="0">
-              <a:noAutofit/>
-            </a:bodyPr>
-            <a:lstStyle/>
-            <a:p>
-              <a:pPr marL="0" lvl="0" indent="0" algn="l" rtl="0">
-                <a:spcBef>
-                  <a:spcPts val="0"/>
-                </a:spcBef>
-                <a:spcAft>
-                  <a:spcPts val="0"/>
-                </a:spcAft>
-                <a:buNone/>
-              </a:pPr>
-              <a:endParaRPr/>
-            </a:p>
-          </p:txBody>
-        </p:sp>
-        <p:sp>
-          <p:nvSpPr>
-            <p:cNvPr id="34" name="Google Shape;34;p3"/>
-            <p:cNvSpPr/>
-            <p:nvPr/>
-          </p:nvSpPr>
-          <p:spPr>
-            <a:xfrm rot="-5400000">
-              <a:off x="7227414" y="3710807"/>
-              <a:ext cx="808800" cy="808800"/>
-            </a:xfrm>
-            <a:prstGeom prst="diagStripe">
-              <a:avLst>
-                <a:gd name="adj" fmla="val 50000"/>
-              </a:avLst>
-            </a:prstGeom>
-            <a:solidFill>
-              <a:schemeClr val="accent1"/>
-            </a:solidFill>
-            <a:ln>
-              <a:noFill/>
-            </a:ln>
-          </p:spPr>
-          <p:txBody>
-            <a:bodyPr spcFirstLastPara="1" wrap="square" lIns="91425" tIns="91425" rIns="91425" bIns="91425" anchor="ctr" anchorCtr="0">
-              <a:noAutofit/>
-            </a:bodyPr>
-            <a:lstStyle/>
-            <a:p>
-              <a:pPr marL="0" lvl="0" indent="0" algn="l" rtl="0">
-                <a:spcBef>
-                  <a:spcPts val="0"/>
-                </a:spcBef>
-                <a:spcAft>
-                  <a:spcPts val="0"/>
-                </a:spcAft>
-                <a:buNone/>
-              </a:pPr>
-              <a:endParaRPr/>
-            </a:p>
-          </p:txBody>
-        </p:sp>
-        <p:sp>
-          <p:nvSpPr>
-            <p:cNvPr id="35" name="Google Shape;35;p3"/>
-            <p:cNvSpPr/>
-            <p:nvPr/>
-          </p:nvSpPr>
-          <p:spPr>
-            <a:xfrm flipH="1">
-              <a:off x="7462448" y="3918294"/>
-              <a:ext cx="808800" cy="808800"/>
-            </a:xfrm>
-            <a:prstGeom prst="diagStripe">
-              <a:avLst>
-                <a:gd name="adj" fmla="val 50000"/>
-              </a:avLst>
-            </a:prstGeom>
-            <a:solidFill>
-              <a:schemeClr val="lt1">
-                <a:alpha val="7310"/>
-              </a:schemeClr>
-            </a:solidFill>
-            <a:ln>
-              <a:noFill/>
-            </a:ln>
-          </p:spPr>
-          <p:txBody>
-            <a:bodyPr spcFirstLastPara="1" wrap="square" lIns="91425" tIns="91425" rIns="91425" bIns="91425" anchor="ctr" anchorCtr="0">
-              <a:noAutofit/>
-            </a:bodyPr>
-            <a:lstStyle/>
-            <a:p>
-              <a:pPr marL="0" lvl="0" indent="0" algn="l" rtl="0">
-                <a:spcBef>
-                  <a:spcPts val="0"/>
-                </a:spcBef>
-                <a:spcAft>
-                  <a:spcPts val="0"/>
-                </a:spcAft>
-                <a:buNone/>
-              </a:pPr>
-              <a:endParaRPr/>
-            </a:p>
-          </p:txBody>
-        </p:sp>
-        <p:sp>
-          <p:nvSpPr>
-            <p:cNvPr id="36" name="Google Shape;36;p3"/>
-            <p:cNvSpPr/>
-            <p:nvPr/>
-          </p:nvSpPr>
-          <p:spPr>
-            <a:xfrm rot="-5400000">
-              <a:off x="8102491" y="3718473"/>
-              <a:ext cx="808800" cy="808800"/>
-            </a:xfrm>
-            <a:prstGeom prst="diagStripe">
-              <a:avLst>
-                <a:gd name="adj" fmla="val 50000"/>
-              </a:avLst>
-            </a:prstGeom>
-            <a:solidFill>
-              <a:schemeClr val="lt1">
-                <a:alpha val="7310"/>
-              </a:schemeClr>
-            </a:solidFill>
-            <a:ln>
-              <a:noFill/>
-            </a:ln>
-          </p:spPr>
-          <p:txBody>
-            <a:bodyPr spcFirstLastPara="1" wrap="square" lIns="91425" tIns="91425" rIns="91425" bIns="91425" anchor="ctr" anchorCtr="0">
-              <a:noAutofit/>
-            </a:bodyPr>
-            <a:lstStyle/>
-            <a:p>
-              <a:pPr marL="0" lvl="0" indent="0" algn="l" rtl="0">
-                <a:spcBef>
-                  <a:spcPts val="0"/>
-                </a:spcBef>
-                <a:spcAft>
-                  <a:spcPts val="0"/>
-                </a:spcAft>
-                <a:buNone/>
-              </a:pPr>
-              <a:endParaRPr/>
-            </a:p>
-          </p:txBody>
-        </p:sp>
-        <p:sp>
-          <p:nvSpPr>
-            <p:cNvPr id="37" name="Google Shape;37;p3"/>
-            <p:cNvSpPr/>
-            <p:nvPr/>
-          </p:nvSpPr>
-          <p:spPr>
-            <a:xfrm flipH="1">
-              <a:off x="8334533" y="3925960"/>
-              <a:ext cx="808800" cy="808800"/>
-            </a:xfrm>
-            <a:prstGeom prst="diagStripe">
-              <a:avLst>
-                <a:gd name="adj" fmla="val 50000"/>
-              </a:avLst>
-            </a:prstGeom>
-            <a:solidFill>
-              <a:schemeClr val="lt1">
-                <a:alpha val="7310"/>
-              </a:schemeClr>
-            </a:solidFill>
-            <a:ln>
-              <a:noFill/>
-            </a:ln>
-          </p:spPr>
-          <p:txBody>
-            <a:bodyPr spcFirstLastPara="1" wrap="square" lIns="91425" tIns="91425" rIns="91425" bIns="91425" anchor="ctr" anchorCtr="0">
-              <a:noAutofit/>
-            </a:bodyPr>
-            <a:lstStyle/>
-            <a:p>
-              <a:pPr marL="0" lvl="0" indent="0" algn="l" rtl="0">
-                <a:spcBef>
-                  <a:spcPts val="0"/>
-                </a:spcBef>
-                <a:spcAft>
-                  <a:spcPts val="0"/>
-                </a:spcAft>
-                <a:buNone/>
-              </a:pPr>
-              <a:endParaRPr/>
-            </a:p>
-          </p:txBody>
-        </p:sp>
-        <p:sp>
-          <p:nvSpPr>
-            <p:cNvPr id="38" name="Google Shape;38;p3"/>
-            <p:cNvSpPr/>
-            <p:nvPr/>
-          </p:nvSpPr>
-          <p:spPr>
-            <a:xfrm rot="-5400000">
-              <a:off x="8288290" y="4334265"/>
-              <a:ext cx="808800" cy="808800"/>
-            </a:xfrm>
-            <a:prstGeom prst="diagStripe">
-              <a:avLst>
-                <a:gd name="adj" fmla="val 50000"/>
-              </a:avLst>
-            </a:prstGeom>
-            <a:solidFill>
-              <a:schemeClr val="lt1">
-                <a:alpha val="7310"/>
-              </a:schemeClr>
-            </a:solidFill>
-            <a:ln>
-              <a:noFill/>
-            </a:ln>
-          </p:spPr>
-          <p:txBody>
-            <a:bodyPr spcFirstLastPara="1" wrap="square" lIns="91425" tIns="91425" rIns="91425" bIns="91425" anchor="ctr" anchorCtr="0">
-              <a:noAutofit/>
-            </a:bodyPr>
-            <a:lstStyle/>
-            <a:p>
-              <a:pPr marL="0" lvl="0" indent="0" algn="l" rtl="0">
-                <a:spcBef>
-                  <a:spcPts val="0"/>
-                </a:spcBef>
-                <a:spcAft>
-                  <a:spcPts val="0"/>
-                </a:spcAft>
-                <a:buNone/>
-              </a:pPr>
-              <a:endParaRPr/>
-            </a:p>
-          </p:txBody>
-        </p:sp>
-      </p:grpSp>
-      <p:sp>
-        <p:nvSpPr>
-          <p:cNvPr id="39" name="Google Shape;39;p3"/>
-          <p:cNvSpPr txBox="1">
-            <a:spLocks noGrp="1"/>
-          </p:cNvSpPr>
-          <p:nvPr>
-            <p:ph type="title"/>
-          </p:nvPr>
-        </p:nvSpPr>
-        <p:spPr>
-          <a:xfrm>
-            <a:off x="823850" y="2053000"/>
-            <a:ext cx="4587000" cy="1148700"/>
-          </a:xfrm>
-          <a:prstGeom prst="rect">
-            <a:avLst/>
-          </a:prstGeom>
-        </p:spPr>
-        <p:txBody>
-          <a:bodyPr spcFirstLastPara="1" wrap="square" lIns="91425" tIns="91425" rIns="91425" bIns="91425" anchor="ctr" anchorCtr="0">
-            <a:noAutofit/>
-          </a:bodyPr>
-          <a:lstStyle>
-            <a:lvl1pPr lvl="0">
-              <a:spcBef>
-                <a:spcPts val="0"/>
-              </a:spcBef>
-              <a:spcAft>
-                <a:spcPts val="0"/>
-              </a:spcAft>
-              <a:buSzPts val="2800"/>
-              <a:buNone/>
-              <a:defRPr/>
-            </a:lvl1pPr>
-            <a:lvl2pPr lvl="1">
-              <a:spcBef>
-                <a:spcPts val="0"/>
-              </a:spcBef>
-              <a:spcAft>
-                <a:spcPts val="0"/>
-              </a:spcAft>
-              <a:buSzPts val="2800"/>
-              <a:buNone/>
-              <a:defRPr/>
-            </a:lvl2pPr>
-            <a:lvl3pPr lvl="2">
-              <a:spcBef>
-                <a:spcPts val="0"/>
-              </a:spcBef>
-              <a:spcAft>
-                <a:spcPts val="0"/>
-              </a:spcAft>
-              <a:buSzPts val="2800"/>
-              <a:buNone/>
-              <a:defRPr/>
-            </a:lvl3pPr>
-            <a:lvl4pPr lvl="3">
-              <a:spcBef>
-                <a:spcPts val="0"/>
-              </a:spcBef>
-              <a:spcAft>
-                <a:spcPts val="0"/>
-              </a:spcAft>
-              <a:buSzPts val="2800"/>
-              <a:buNone/>
-              <a:defRPr/>
-            </a:lvl4pPr>
-            <a:lvl5pPr lvl="4">
-              <a:spcBef>
-                <a:spcPts val="0"/>
-              </a:spcBef>
-              <a:spcAft>
-                <a:spcPts val="0"/>
-              </a:spcAft>
-              <a:buSzPts val="2800"/>
-              <a:buNone/>
-              <a:defRPr/>
-            </a:lvl5pPr>
-            <a:lvl6pPr lvl="5">
-              <a:spcBef>
-                <a:spcPts val="0"/>
-              </a:spcBef>
-              <a:spcAft>
-                <a:spcPts val="0"/>
-              </a:spcAft>
-              <a:buSzPts val="2800"/>
-              <a:buNone/>
-              <a:defRPr/>
-            </a:lvl6pPr>
-            <a:lvl7pPr lvl="6">
-              <a:spcBef>
-                <a:spcPts val="0"/>
-              </a:spcBef>
-              <a:spcAft>
-                <a:spcPts val="0"/>
-              </a:spcAft>
-              <a:buSzPts val="2800"/>
-              <a:buNone/>
-              <a:defRPr/>
-            </a:lvl7pPr>
-            <a:lvl8pPr lvl="7">
-              <a:spcBef>
-                <a:spcPts val="0"/>
-              </a:spcBef>
-              <a:spcAft>
-                <a:spcPts val="0"/>
-              </a:spcAft>
-              <a:buSzPts val="2800"/>
-              <a:buNone/>
-              <a:defRPr/>
-            </a:lvl8pPr>
-            <a:lvl9pPr lvl="8">
-              <a:spcBef>
-                <a:spcPts val="0"/>
-              </a:spcBef>
-              <a:spcAft>
-                <a:spcPts val="0"/>
-              </a:spcAft>
-              <a:buSzPts val="2800"/>
-              <a:buNone/>
-              <a:defRPr/>
-            </a:lvl9pPr>
-          </a:lstStyle>
-          <a:p>
-            <a:endParaRPr/>
-          </a:p>
-        </p:txBody>
-      </p:sp>
-      <p:sp>
-        <p:nvSpPr>
-          <p:cNvPr id="40" name="Google Shape;40;p3"/>
-          <p:cNvSpPr txBox="1">
-            <a:spLocks noGrp="1"/>
-          </p:cNvSpPr>
-          <p:nvPr>
-            <p:ph type="sldNum" idx="12"/>
-          </p:nvPr>
-        </p:nvSpPr>
-        <p:spPr>
-          <a:xfrm>
-            <a:off x="8472458" y="4663217"/>
-            <a:ext cx="548700" cy="393600"/>
-          </a:xfrm>
-          <a:prstGeom prst="rect">
-            <a:avLst/>
-          </a:prstGeom>
-        </p:spPr>
-        <p:txBody>
-          <a:bodyPr spcFirstLastPara="1" wrap="square" lIns="91425" tIns="91425" rIns="91425" bIns="91425" anchor="ctr" anchorCtr="0">
-            <a:noAutofit/>
-          </a:bodyPr>
-          <a:lstStyle>
-            <a:lvl1pPr lvl="0">
-              <a:buNone/>
-              <a:defRPr/>
-            </a:lvl1pPr>
-            <a:lvl2pPr lvl="1">
-              <a:buNone/>
-              <a:defRPr/>
-            </a:lvl2pPr>
-            <a:lvl3pPr lvl="2">
-              <a:buNone/>
-              <a:defRPr/>
-            </a:lvl3pPr>
-            <a:lvl4pPr lvl="3">
-              <a:buNone/>
-              <a:defRPr/>
-            </a:lvl4pPr>
-            <a:lvl5pPr lvl="4">
-              <a:buNone/>
-              <a:defRPr/>
-            </a:lvl5pPr>
-            <a:lvl6pPr lvl="5">
-              <a:buNone/>
-              <a:defRPr/>
-            </a:lvl6pPr>
-            <a:lvl7pPr lvl="6">
-              <a:buNone/>
-              <a:defRPr/>
-            </a:lvl7pPr>
-            <a:lvl8pPr lvl="7">
-              <a:buNone/>
-              <a:defRPr/>
-            </a:lvl8pPr>
-            <a:lvl9pPr lvl="8">
-              <a:buNone/>
-              <a:defRPr/>
-            </a:lvl9pPr>
-          </a:lstStyle>
-          <a:p>
-            <a:pPr marL="0" lvl="0" indent="0" algn="r" rtl="0">
-              <a:spcBef>
-                <a:spcPts val="0"/>
-              </a:spcBef>
-              <a:spcAft>
-                <a:spcPts val="0"/>
-              </a:spcAft>
-              <a:buNone/>
-            </a:pPr>
-            <a:fld id="{00000000-1234-1234-1234-123412341234}" type="slidenum">
-              <a:rPr lang="en"/>
-              <a:t>‹#›</a:t>
-            </a:fld>
-            <a:endParaRPr/>
-          </a:p>
-        </p:txBody>
-      </p:sp>
-    </p:spTree>
-  </p:cSld>
-  <p:clrMapOvr>
-    <a:masterClrMapping/>
-  </p:clrMapOvr>
-</p:sldLayout>
-</file>
-
-<file path=ppt/slideLayouts/slideLayout3.xml><?xml version="1.0" encoding="utf-8"?>
 <p:sldLayout xmlns:a="http://schemas.openxmlformats.org/drawingml/2006/main" xmlns:r="http://schemas.openxmlformats.org/officeDocument/2006/relationships" xmlns:p="http://schemas.openxmlformats.org/presentationml/2006/main" matchingName="Title and body" type="tx">
   <p:cSld name="TITLE_AND_BODY">
     <p:spTree>
@@ -5481,7 +2015,7 @@
 </p:sldLayout>
 </file>
 
-<file path=ppt/slideLayouts/slideLayout4.xml><?xml version="1.0" encoding="utf-8"?>
+<file path=ppt/slideLayouts/slideLayout3.xml><?xml version="1.0" encoding="utf-8"?>
 <p:sldLayout xmlns:a="http://schemas.openxmlformats.org/drawingml/2006/main" xmlns:r="http://schemas.openxmlformats.org/officeDocument/2006/relationships" xmlns:p="http://schemas.openxmlformats.org/presentationml/2006/main" matchingName="Title and two columns" type="twoColTx">
   <p:cSld name="TITLE_AND_TWO_COLUMNS">
     <p:spTree>
@@ -6071,339 +2605,7 @@
 </p:sldLayout>
 </file>
 
-<file path=ppt/slideLayouts/slideLayout5.xml><?xml version="1.0" encoding="utf-8"?>
-<p:sldLayout xmlns:a="http://schemas.openxmlformats.org/drawingml/2006/main" xmlns:r="http://schemas.openxmlformats.org/officeDocument/2006/relationships" xmlns:p="http://schemas.openxmlformats.org/presentationml/2006/main" matchingName="Title only" type="titleOnly">
-  <p:cSld name="TITLE_ONLY">
-    <p:spTree>
-      <p:nvGrpSpPr>
-        <p:cNvPr id="1" name="Shape 56"/>
-        <p:cNvGrpSpPr/>
-        <p:nvPr/>
-      </p:nvGrpSpPr>
-      <p:grpSpPr>
-        <a:xfrm>
-          <a:off x="0" y="0"/>
-          <a:ext cx="0" cy="0"/>
-          <a:chOff x="0" y="0"/>
-          <a:chExt cx="0" cy="0"/>
-        </a:xfrm>
-      </p:grpSpPr>
-      <p:grpSp>
-        <p:nvGrpSpPr>
-          <p:cNvPr id="57" name="Google Shape;57;p6"/>
-          <p:cNvGrpSpPr/>
-          <p:nvPr/>
-        </p:nvGrpSpPr>
-        <p:grpSpPr>
-          <a:xfrm>
-            <a:off x="0" y="381001"/>
-            <a:ext cx="1037850" cy="1016287"/>
-            <a:chOff x="0" y="381001"/>
-            <a:chExt cx="1037850" cy="1016287"/>
-          </a:xfrm>
-        </p:grpSpPr>
-        <p:sp>
-          <p:nvSpPr>
-            <p:cNvPr id="58" name="Google Shape;58;p6"/>
-            <p:cNvSpPr/>
-            <p:nvPr/>
-          </p:nvSpPr>
-          <p:spPr>
-            <a:xfrm rot="-5400000">
-              <a:off x="0" y="381001"/>
-              <a:ext cx="808800" cy="808800"/>
-            </a:xfrm>
-            <a:prstGeom prst="diagStripe">
-              <a:avLst>
-                <a:gd name="adj" fmla="val 50000"/>
-              </a:avLst>
-            </a:prstGeom>
-            <a:solidFill>
-              <a:schemeClr val="accent1"/>
-            </a:solidFill>
-            <a:ln>
-              <a:noFill/>
-            </a:ln>
-          </p:spPr>
-          <p:txBody>
-            <a:bodyPr spcFirstLastPara="1" wrap="square" lIns="91425" tIns="91425" rIns="91425" bIns="91425" anchor="ctr" anchorCtr="0">
-              <a:noAutofit/>
-            </a:bodyPr>
-            <a:lstStyle/>
-            <a:p>
-              <a:pPr marL="0" lvl="0" indent="0" algn="l" rtl="0">
-                <a:spcBef>
-                  <a:spcPts val="0"/>
-                </a:spcBef>
-                <a:spcAft>
-                  <a:spcPts val="0"/>
-                </a:spcAft>
-                <a:buNone/>
-              </a:pPr>
-              <a:endParaRPr/>
-            </a:p>
-          </p:txBody>
-        </p:sp>
-        <p:sp>
-          <p:nvSpPr>
-            <p:cNvPr id="59" name="Google Shape;59;p6"/>
-            <p:cNvSpPr/>
-            <p:nvPr/>
-          </p:nvSpPr>
-          <p:spPr>
-            <a:xfrm flipH="1">
-              <a:off x="229050" y="588489"/>
-              <a:ext cx="808800" cy="808800"/>
-            </a:xfrm>
-            <a:prstGeom prst="diagStripe">
-              <a:avLst>
-                <a:gd name="adj" fmla="val 50000"/>
-              </a:avLst>
-            </a:prstGeom>
-            <a:solidFill>
-              <a:schemeClr val="lt2"/>
-            </a:solidFill>
-            <a:ln>
-              <a:noFill/>
-            </a:ln>
-          </p:spPr>
-          <p:txBody>
-            <a:bodyPr spcFirstLastPara="1" wrap="square" lIns="91425" tIns="91425" rIns="91425" bIns="91425" anchor="ctr" anchorCtr="0">
-              <a:noAutofit/>
-            </a:bodyPr>
-            <a:lstStyle/>
-            <a:p>
-              <a:pPr marL="0" lvl="0" indent="0" algn="l" rtl="0">
-                <a:spcBef>
-                  <a:spcPts val="0"/>
-                </a:spcBef>
-                <a:spcAft>
-                  <a:spcPts val="0"/>
-                </a:spcAft>
-                <a:buNone/>
-              </a:pPr>
-              <a:endParaRPr/>
-            </a:p>
-          </p:txBody>
-        </p:sp>
-      </p:grpSp>
-      <p:sp>
-        <p:nvSpPr>
-          <p:cNvPr id="60" name="Google Shape;60;p6"/>
-          <p:cNvSpPr txBox="1">
-            <a:spLocks noGrp="1"/>
-          </p:cNvSpPr>
-          <p:nvPr>
-            <p:ph type="title"/>
-          </p:nvPr>
-        </p:nvSpPr>
-        <p:spPr>
-          <a:xfrm>
-            <a:off x="1297500" y="393750"/>
-            <a:ext cx="7038900" cy="914100"/>
-          </a:xfrm>
-          <a:prstGeom prst="rect">
-            <a:avLst/>
-          </a:prstGeom>
-        </p:spPr>
-        <p:txBody>
-          <a:bodyPr spcFirstLastPara="1" wrap="square" lIns="91425" tIns="91425" rIns="91425" bIns="91425" anchor="t" anchorCtr="0">
-            <a:noAutofit/>
-          </a:bodyPr>
-          <a:lstStyle>
-            <a:lvl1pPr lvl="0">
-              <a:spcBef>
-                <a:spcPts val="0"/>
-              </a:spcBef>
-              <a:spcAft>
-                <a:spcPts val="0"/>
-              </a:spcAft>
-              <a:buSzPts val="2400"/>
-              <a:buNone/>
-              <a:defRPr sz="2400"/>
-            </a:lvl1pPr>
-            <a:lvl2pPr lvl="1">
-              <a:spcBef>
-                <a:spcPts val="0"/>
-              </a:spcBef>
-              <a:spcAft>
-                <a:spcPts val="0"/>
-              </a:spcAft>
-              <a:buSzPts val="2400"/>
-              <a:buNone/>
-              <a:defRPr sz="2400"/>
-            </a:lvl2pPr>
-            <a:lvl3pPr lvl="2">
-              <a:spcBef>
-                <a:spcPts val="0"/>
-              </a:spcBef>
-              <a:spcAft>
-                <a:spcPts val="0"/>
-              </a:spcAft>
-              <a:buSzPts val="2400"/>
-              <a:buNone/>
-              <a:defRPr sz="2400"/>
-            </a:lvl3pPr>
-            <a:lvl4pPr lvl="3">
-              <a:spcBef>
-                <a:spcPts val="0"/>
-              </a:spcBef>
-              <a:spcAft>
-                <a:spcPts val="0"/>
-              </a:spcAft>
-              <a:buSzPts val="2400"/>
-              <a:buNone/>
-              <a:defRPr sz="2400"/>
-            </a:lvl4pPr>
-            <a:lvl5pPr lvl="4">
-              <a:spcBef>
-                <a:spcPts val="0"/>
-              </a:spcBef>
-              <a:spcAft>
-                <a:spcPts val="0"/>
-              </a:spcAft>
-              <a:buSzPts val="2400"/>
-              <a:buNone/>
-              <a:defRPr sz="2400"/>
-            </a:lvl5pPr>
-            <a:lvl6pPr lvl="5">
-              <a:spcBef>
-                <a:spcPts val="0"/>
-              </a:spcBef>
-              <a:spcAft>
-                <a:spcPts val="0"/>
-              </a:spcAft>
-              <a:buSzPts val="2400"/>
-              <a:buNone/>
-              <a:defRPr sz="2400"/>
-            </a:lvl6pPr>
-            <a:lvl7pPr lvl="6">
-              <a:spcBef>
-                <a:spcPts val="0"/>
-              </a:spcBef>
-              <a:spcAft>
-                <a:spcPts val="0"/>
-              </a:spcAft>
-              <a:buSzPts val="2400"/>
-              <a:buNone/>
-              <a:defRPr sz="2400"/>
-            </a:lvl7pPr>
-            <a:lvl8pPr lvl="7">
-              <a:spcBef>
-                <a:spcPts val="0"/>
-              </a:spcBef>
-              <a:spcAft>
-                <a:spcPts val="0"/>
-              </a:spcAft>
-              <a:buSzPts val="2400"/>
-              <a:buNone/>
-              <a:defRPr sz="2400"/>
-            </a:lvl8pPr>
-            <a:lvl9pPr lvl="8">
-              <a:spcBef>
-                <a:spcPts val="0"/>
-              </a:spcBef>
-              <a:spcAft>
-                <a:spcPts val="0"/>
-              </a:spcAft>
-              <a:buSzPts val="2400"/>
-              <a:buNone/>
-              <a:defRPr sz="2400"/>
-            </a:lvl9pPr>
-          </a:lstStyle>
-          <a:p>
-            <a:endParaRPr/>
-          </a:p>
-        </p:txBody>
-      </p:sp>
-      <p:sp>
-        <p:nvSpPr>
-          <p:cNvPr id="61" name="Google Shape;61;p6"/>
-          <p:cNvSpPr txBox="1">
-            <a:spLocks noGrp="1"/>
-          </p:cNvSpPr>
-          <p:nvPr>
-            <p:ph type="sldNum" idx="12"/>
-          </p:nvPr>
-        </p:nvSpPr>
-        <p:spPr>
-          <a:xfrm>
-            <a:off x="8472458" y="4663217"/>
-            <a:ext cx="548700" cy="393600"/>
-          </a:xfrm>
-          <a:prstGeom prst="rect">
-            <a:avLst/>
-          </a:prstGeom>
-        </p:spPr>
-        <p:txBody>
-          <a:bodyPr spcFirstLastPara="1" wrap="square" lIns="91425" tIns="91425" rIns="91425" bIns="91425" anchor="ctr" anchorCtr="0">
-            <a:noAutofit/>
-          </a:bodyPr>
-          <a:lstStyle>
-            <a:lvl1pPr lvl="0">
-              <a:buNone/>
-              <a:defRPr/>
-            </a:lvl1pPr>
-            <a:lvl2pPr lvl="1">
-              <a:buNone/>
-              <a:defRPr/>
-            </a:lvl2pPr>
-            <a:lvl3pPr lvl="2">
-              <a:buNone/>
-              <a:defRPr/>
-            </a:lvl3pPr>
-            <a:lvl4pPr lvl="3">
-              <a:buNone/>
-              <a:defRPr/>
-            </a:lvl4pPr>
-            <a:lvl5pPr lvl="4">
-              <a:buNone/>
-              <a:defRPr/>
-            </a:lvl5pPr>
-            <a:lvl6pPr lvl="5">
-              <a:buNone/>
-              <a:defRPr/>
-            </a:lvl6pPr>
-            <a:lvl7pPr lvl="6">
-              <a:buNone/>
-              <a:defRPr/>
-            </a:lvl7pPr>
-            <a:lvl8pPr lvl="7">
-              <a:buNone/>
-              <a:defRPr/>
-            </a:lvl8pPr>
-            <a:lvl9pPr lvl="8">
-              <a:buNone/>
-              <a:defRPr/>
-            </a:lvl9pPr>
-          </a:lstStyle>
-          <a:p>
-            <a:pPr marL="0" lvl="0" indent="0" algn="r" rtl="0">
-              <a:spcBef>
-                <a:spcPts val="0"/>
-              </a:spcBef>
-              <a:spcAft>
-                <a:spcPts val="0"/>
-              </a:spcAft>
-              <a:buNone/>
-            </a:pPr>
-            <a:fld id="{00000000-1234-1234-1234-123412341234}" type="slidenum">
-              <a:rPr lang="en"/>
-              <a:t>‹#›</a:t>
-            </a:fld>
-            <a:endParaRPr/>
-          </a:p>
-        </p:txBody>
-      </p:sp>
-    </p:spTree>
-  </p:cSld>
-  <p:clrMapOvr>
-    <a:masterClrMapping/>
-  </p:clrMapOvr>
-</p:sldLayout>
-</file>
-
-<file path=ppt/slideLayouts/slideLayout6.xml><?xml version="1.0" encoding="utf-8"?>
+<file path=ppt/slideLayouts/slideLayout4.xml><?xml version="1.0" encoding="utf-8"?>
 <p:sldLayout xmlns:a="http://schemas.openxmlformats.org/drawingml/2006/main" xmlns:r="http://schemas.openxmlformats.org/officeDocument/2006/relationships" xmlns:p="http://schemas.openxmlformats.org/presentationml/2006/main" matchingName="One column text">
   <p:cSld name="ONE_COLUMN_TEXT">
     <p:spTree>
@@ -6864,7 +3066,7 @@
 </p:sldLayout>
 </file>
 
-<file path=ppt/slideLayouts/slideLayout7.xml><?xml version="1.0" encoding="utf-8"?>
+<file path=ppt/slideLayouts/slideLayout5.xml><?xml version="1.0" encoding="utf-8"?>
 <p:sldLayout xmlns:a="http://schemas.openxmlformats.org/drawingml/2006/main" xmlns:r="http://schemas.openxmlformats.org/officeDocument/2006/relationships" xmlns:p="http://schemas.openxmlformats.org/presentationml/2006/main" matchingName="Main point">
   <p:cSld name="MAIN_POINT">
     <p:spTree>
@@ -7900,7 +4102,7 @@
 </p:sldLayout>
 </file>
 
-<file path=ppt/slideLayouts/slideLayout8.xml><?xml version="1.0" encoding="utf-8"?>
+<file path=ppt/slideLayouts/slideLayout6.xml><?xml version="1.0" encoding="utf-8"?>
 <p:sldLayout xmlns:a="http://schemas.openxmlformats.org/drawingml/2006/main" xmlns:r="http://schemas.openxmlformats.org/officeDocument/2006/relationships" xmlns:p="http://schemas.openxmlformats.org/presentationml/2006/main" matchingName="Section title and description">
   <p:cSld name="SECTION_TITLE_AND_DESCRIPTION">
     <p:spTree>
@@ -8517,7 +4719,7 @@
 </p:sldLayout>
 </file>
 
-<file path=ppt/slideLayouts/slideLayout9.xml><?xml version="1.0" encoding="utf-8"?>
+<file path=ppt/slideLayouts/slideLayout7.xml><?xml version="1.0" encoding="utf-8"?>
 <p:sldLayout xmlns:a="http://schemas.openxmlformats.org/drawingml/2006/main" xmlns:r="http://schemas.openxmlformats.org/officeDocument/2006/relationships" xmlns:p="http://schemas.openxmlformats.org/presentationml/2006/main" matchingName="Caption">
   <p:cSld name="CAPTION_ONLY">
     <p:spTree>
@@ -8768,6 +4970,110 @@
 </p:sldLayout>
 </file>
 
+<file path=ppt/slideLayouts/slideLayout8.xml><?xml version="1.0" encoding="utf-8"?>
+<p:sldLayout xmlns:a="http://schemas.openxmlformats.org/drawingml/2006/main" xmlns:r="http://schemas.openxmlformats.org/officeDocument/2006/relationships" xmlns:p="http://schemas.openxmlformats.org/presentationml/2006/main" matchingName="Blank" type="blank">
+  <p:cSld name="BLANK">
+    <p:spTree>
+      <p:nvGrpSpPr>
+        <p:cNvPr id="1" name="Shape 128"/>
+        <p:cNvGrpSpPr/>
+        <p:nvPr/>
+      </p:nvGrpSpPr>
+      <p:grpSpPr>
+        <a:xfrm>
+          <a:off x="0" y="0"/>
+          <a:ext cx="0" cy="0"/>
+          <a:chOff x="0" y="0"/>
+          <a:chExt cx="0" cy="0"/>
+        </a:xfrm>
+      </p:grpSpPr>
+      <p:sp>
+        <p:nvSpPr>
+          <p:cNvPr id="129" name="Google Shape;129;p12"/>
+          <p:cNvSpPr txBox="1">
+            <a:spLocks noGrp="1"/>
+          </p:cNvSpPr>
+          <p:nvPr>
+            <p:ph type="sldNum" idx="12"/>
+          </p:nvPr>
+        </p:nvSpPr>
+        <p:spPr>
+          <a:xfrm>
+            <a:off x="8472458" y="4663217"/>
+            <a:ext cx="548700" cy="393600"/>
+          </a:xfrm>
+          <a:prstGeom prst="rect">
+            <a:avLst/>
+          </a:prstGeom>
+        </p:spPr>
+        <p:txBody>
+          <a:bodyPr spcFirstLastPara="1" wrap="square" lIns="91425" tIns="91425" rIns="91425" bIns="91425" anchor="ctr" anchorCtr="0">
+            <a:noAutofit/>
+          </a:bodyPr>
+          <a:lstStyle>
+            <a:lvl1pPr lvl="0">
+              <a:buNone/>
+              <a:defRPr/>
+            </a:lvl1pPr>
+            <a:lvl2pPr lvl="1">
+              <a:buNone/>
+              <a:defRPr/>
+            </a:lvl2pPr>
+            <a:lvl3pPr lvl="2">
+              <a:buNone/>
+              <a:defRPr/>
+            </a:lvl3pPr>
+            <a:lvl4pPr lvl="3">
+              <a:buNone/>
+              <a:defRPr/>
+            </a:lvl4pPr>
+            <a:lvl5pPr lvl="4">
+              <a:buNone/>
+              <a:defRPr/>
+            </a:lvl5pPr>
+            <a:lvl6pPr lvl="5">
+              <a:buNone/>
+              <a:defRPr/>
+            </a:lvl6pPr>
+            <a:lvl7pPr lvl="6">
+              <a:buNone/>
+              <a:defRPr/>
+            </a:lvl7pPr>
+            <a:lvl8pPr lvl="7">
+              <a:buNone/>
+              <a:defRPr/>
+            </a:lvl8pPr>
+            <a:lvl9pPr lvl="8">
+              <a:buNone/>
+              <a:defRPr/>
+            </a:lvl9pPr>
+          </a:lstStyle>
+          <a:p>
+            <a:pPr marL="0" lvl="0" indent="0" algn="r" rtl="0">
+              <a:spcBef>
+                <a:spcPts val="0"/>
+              </a:spcBef>
+              <a:spcAft>
+                <a:spcPts val="0"/>
+              </a:spcAft>
+              <a:buNone/>
+            </a:pPr>
+            <a:fld id="{00000000-1234-1234-1234-123412341234}" type="slidenum">
+              <a:rPr lang="en"/>
+              <a:t>‹#›</a:t>
+            </a:fld>
+            <a:endParaRPr/>
+          </a:p>
+        </p:txBody>
+      </p:sp>
+    </p:spTree>
+  </p:cSld>
+  <p:clrMapOvr>
+    <a:masterClrMapping/>
+  </p:clrMapOvr>
+</p:sldLayout>
+</file>
+
 <file path=ppt/slideMasters/slideMaster1.xml><?xml version="1.0" encoding="utf-8"?>
 <p:sldMaster xmlns:a="http://schemas.openxmlformats.org/drawingml/2006/main" xmlns:r="http://schemas.openxmlformats.org/officeDocument/2006/relationships" xmlns:p="http://schemas.openxmlformats.org/presentationml/2006/main">
   <p:cSld name="focus">
@@ -9462,16 +5768,13 @@
   <p:clrMap bg1="lt1" tx1="dk1" bg2="dk2" tx2="lt2" accent1="accent1" accent2="accent2" accent3="accent3" accent4="accent4" accent5="accent5" accent6="accent6" hlink="hlink" folHlink="folHlink"/>
   <p:sldLayoutIdLst>
     <p:sldLayoutId id="2147483648" r:id="rId1"/>
-    <p:sldLayoutId id="2147483649" r:id="rId2"/>
-    <p:sldLayoutId id="2147483650" r:id="rId3"/>
-    <p:sldLayoutId id="2147483651" r:id="rId4"/>
-    <p:sldLayoutId id="2147483652" r:id="rId5"/>
-    <p:sldLayoutId id="2147483653" r:id="rId6"/>
-    <p:sldLayoutId id="2147483654" r:id="rId7"/>
-    <p:sldLayoutId id="2147483655" r:id="rId8"/>
-    <p:sldLayoutId id="2147483656" r:id="rId9"/>
-    <p:sldLayoutId id="2147483657" r:id="rId10"/>
-    <p:sldLayoutId id="2147483658" r:id="rId11"/>
+    <p:sldLayoutId id="2147483650" r:id="rId2"/>
+    <p:sldLayoutId id="2147483651" r:id="rId3"/>
+    <p:sldLayoutId id="2147483653" r:id="rId4"/>
+    <p:sldLayoutId id="2147483654" r:id="rId5"/>
+    <p:sldLayoutId id="2147483655" r:id="rId6"/>
+    <p:sldLayoutId id="2147483656" r:id="rId7"/>
+    <p:sldLayoutId id="2147483658" r:id="rId8"/>
   </p:sldLayoutIdLst>
   <p:transition spd="med">
     <p:fade/>
@@ -10248,7 +6551,7 @@
         </p:nvSpPr>
         <p:spPr>
           <a:xfrm>
-            <a:off x="5083950" y="3665600"/>
+            <a:off x="5054766" y="3665600"/>
             <a:ext cx="3470700" cy="980828"/>
           </a:xfrm>
           <a:prstGeom prst="rect">
@@ -10306,6 +6609,10 @@
               </a:spcAft>
               <a:buNone/>
             </a:pPr>
+            <a:r>
+              <a:rPr lang="en" dirty="0"/>
+              <a:t>Riddhi Narkar	 </a:t>
+            </a:r>
             <a:r>
               <a:rPr lang="en" dirty="0" err="1"/>
               <a:t>Devansh</a:t>
@@ -10320,27 +6627,15 @@
             </a:r>
             <a:r>
               <a:rPr lang="en" dirty="0"/>
-              <a:t>	Aditya  Yadav</a:t>
+              <a:t> Aditya  Yadav 	</a:t>
             </a:r>
-            <a:endParaRPr dirty="0"/>
-          </a:p>
-          <a:p>
-            <a:pPr marL="0" lvl="0" indent="0" algn="l" rtl="0">
-              <a:spcBef>
-                <a:spcPts val="0"/>
-              </a:spcBef>
-              <a:spcAft>
-                <a:spcPts val="0"/>
-              </a:spcAft>
-              <a:buNone/>
-            </a:pPr>
             <a:r>
               <a:rPr lang="en" dirty="0" err="1"/>
               <a:t>Shauryan</a:t>
             </a:r>
             <a:r>
               <a:rPr lang="en" dirty="0"/>
-              <a:t>  Singh	Riddhi  Narkar</a:t>
+              <a:t>  Singh</a:t>
             </a:r>
             <a:endParaRPr dirty="0"/>
           </a:p>
@@ -10366,509 +6661,6 @@
               </a:spcAft>
               <a:buNone/>
             </a:pPr>
-            <a:endParaRPr dirty="0"/>
-          </a:p>
-        </p:txBody>
-      </p:sp>
-    </p:spTree>
-  </p:cSld>
-  <p:clrMapOvr>
-    <a:masterClrMapping/>
-  </p:clrMapOvr>
-</p:sld>
-</file>
-
-<file path=ppt/slides/slide10.xml><?xml version="1.0" encoding="utf-8"?>
-<p:sld xmlns:a="http://schemas.openxmlformats.org/drawingml/2006/main" xmlns:r="http://schemas.openxmlformats.org/officeDocument/2006/relationships" xmlns:p="http://schemas.openxmlformats.org/presentationml/2006/main">
-  <p:cSld>
-    <p:spTree>
-      <p:nvGrpSpPr>
-        <p:cNvPr id="1" name="Shape 186"/>
-        <p:cNvGrpSpPr/>
-        <p:nvPr/>
-      </p:nvGrpSpPr>
-      <p:grpSpPr>
-        <a:xfrm>
-          <a:off x="0" y="0"/>
-          <a:ext cx="0" cy="0"/>
-          <a:chOff x="0" y="0"/>
-          <a:chExt cx="0" cy="0"/>
-        </a:xfrm>
-      </p:grpSpPr>
-      <p:sp>
-        <p:nvSpPr>
-          <p:cNvPr id="187" name="Google Shape;187;p22"/>
-          <p:cNvSpPr txBox="1">
-            <a:spLocks noGrp="1"/>
-          </p:cNvSpPr>
-          <p:nvPr>
-            <p:ph type="title"/>
-          </p:nvPr>
-        </p:nvSpPr>
-        <p:spPr>
-          <a:xfrm>
-            <a:off x="1297500" y="393750"/>
-            <a:ext cx="7038900" cy="914100"/>
-          </a:xfrm>
-          <a:prstGeom prst="rect">
-            <a:avLst/>
-          </a:prstGeom>
-        </p:spPr>
-        <p:txBody>
-          <a:bodyPr spcFirstLastPara="1" wrap="square" lIns="91425" tIns="91425" rIns="91425" bIns="91425" anchor="t" anchorCtr="0">
-            <a:noAutofit/>
-          </a:bodyPr>
-          <a:lstStyle/>
-          <a:p>
-            <a:pPr marL="0" lvl="0" indent="0" algn="l" rtl="0">
-              <a:spcBef>
-                <a:spcPts val="0"/>
-              </a:spcBef>
-              <a:spcAft>
-                <a:spcPts val="0"/>
-              </a:spcAft>
-              <a:buNone/>
-            </a:pPr>
-            <a:r>
-              <a:rPr lang="en"/>
-              <a:t>Posts, Feed and Notifications</a:t>
-            </a:r>
-            <a:endParaRPr/>
-          </a:p>
-        </p:txBody>
-      </p:sp>
-      <p:sp>
-        <p:nvSpPr>
-          <p:cNvPr id="188" name="Google Shape;188;p22"/>
-          <p:cNvSpPr txBox="1">
-            <a:spLocks noGrp="1"/>
-          </p:cNvSpPr>
-          <p:nvPr>
-            <p:ph type="body" idx="1"/>
-          </p:nvPr>
-        </p:nvSpPr>
-        <p:spPr>
-          <a:xfrm>
-            <a:off x="1297500" y="1567550"/>
-            <a:ext cx="7038900" cy="2911200"/>
-          </a:xfrm>
-          <a:prstGeom prst="rect">
-            <a:avLst/>
-          </a:prstGeom>
-        </p:spPr>
-        <p:txBody>
-          <a:bodyPr spcFirstLastPara="1" wrap="square" lIns="91425" tIns="91425" rIns="91425" bIns="91425" anchor="t" anchorCtr="0">
-            <a:noAutofit/>
-          </a:bodyPr>
-          <a:lstStyle/>
-          <a:p>
-            <a:pPr marL="0" lvl="0" indent="0" algn="l" rtl="0">
-              <a:spcBef>
-                <a:spcPts val="0"/>
-              </a:spcBef>
-              <a:spcAft>
-                <a:spcPts val="0"/>
-              </a:spcAft>
-              <a:buNone/>
-            </a:pPr>
-            <a:r>
-              <a:rPr lang="en"/>
-              <a:t>• Posts could be pictures or just simple text. Text type posts could be a short paragraph or questions. </a:t>
-            </a:r>
-            <a:endParaRPr/>
-          </a:p>
-          <a:p>
-            <a:pPr marL="0" lvl="0" indent="0" algn="l" rtl="0">
-              <a:spcBef>
-                <a:spcPts val="1600"/>
-              </a:spcBef>
-              <a:spcAft>
-                <a:spcPts val="0"/>
-              </a:spcAft>
-              <a:buNone/>
-            </a:pPr>
-            <a:r>
-              <a:rPr lang="en"/>
-              <a:t>• Posts could be liked and commented.</a:t>
-            </a:r>
-            <a:endParaRPr/>
-          </a:p>
-          <a:p>
-            <a:pPr marL="0" lvl="0" indent="0" algn="l" rtl="0">
-              <a:spcBef>
-                <a:spcPts val="1600"/>
-              </a:spcBef>
-              <a:spcAft>
-                <a:spcPts val="0"/>
-              </a:spcAft>
-              <a:buNone/>
-            </a:pPr>
-            <a:r>
-              <a:rPr lang="en"/>
-              <a:t>• Any post made by anyone will be visible in everyone’s feed and anyone can interact with it.</a:t>
-            </a:r>
-            <a:endParaRPr/>
-          </a:p>
-          <a:p>
-            <a:pPr marL="0" lvl="0" indent="0" algn="l" rtl="0">
-              <a:spcBef>
-                <a:spcPts val="1600"/>
-              </a:spcBef>
-              <a:spcAft>
-                <a:spcPts val="0"/>
-              </a:spcAft>
-              <a:buNone/>
-            </a:pPr>
-            <a:r>
-              <a:rPr lang="en"/>
-              <a:t>• All posts will have tags regarding its content. Users will have to add them while making a new post.</a:t>
-            </a:r>
-            <a:endParaRPr/>
-          </a:p>
-          <a:p>
-            <a:pPr marL="0" lvl="0" indent="0" algn="l" rtl="0">
-              <a:spcBef>
-                <a:spcPts val="1600"/>
-              </a:spcBef>
-              <a:spcAft>
-                <a:spcPts val="0"/>
-              </a:spcAft>
-              <a:buNone/>
-            </a:pPr>
-            <a:r>
-              <a:rPr lang="en"/>
-              <a:t>• User will receive notifications when feed is updated or if there are interactions with their posts.</a:t>
-            </a:r>
-            <a:endParaRPr/>
-          </a:p>
-          <a:p>
-            <a:pPr marL="0" lvl="0" indent="0" algn="l" rtl="0">
-              <a:spcBef>
-                <a:spcPts val="1600"/>
-              </a:spcBef>
-              <a:spcAft>
-                <a:spcPts val="0"/>
-              </a:spcAft>
-              <a:buNone/>
-            </a:pPr>
-            <a:endParaRPr/>
-          </a:p>
-          <a:p>
-            <a:pPr marL="0" lvl="0" indent="0" algn="l" rtl="0">
-              <a:spcBef>
-                <a:spcPts val="1600"/>
-              </a:spcBef>
-              <a:spcAft>
-                <a:spcPts val="1600"/>
-              </a:spcAft>
-              <a:buNone/>
-            </a:pPr>
-            <a:endParaRPr/>
-          </a:p>
-        </p:txBody>
-      </p:sp>
-    </p:spTree>
-  </p:cSld>
-  <p:clrMapOvr>
-    <a:masterClrMapping/>
-  </p:clrMapOvr>
-</p:sld>
-</file>
-
-<file path=ppt/slides/slide11.xml><?xml version="1.0" encoding="utf-8"?>
-<p:sld xmlns:a="http://schemas.openxmlformats.org/drawingml/2006/main" xmlns:r="http://schemas.openxmlformats.org/officeDocument/2006/relationships" xmlns:p="http://schemas.openxmlformats.org/presentationml/2006/main">
-  <p:cSld>
-    <p:spTree>
-      <p:nvGrpSpPr>
-        <p:cNvPr id="1" name="Shape 192"/>
-        <p:cNvGrpSpPr/>
-        <p:nvPr/>
-      </p:nvGrpSpPr>
-      <p:grpSpPr>
-        <a:xfrm>
-          <a:off x="0" y="0"/>
-          <a:ext cx="0" cy="0"/>
-          <a:chOff x="0" y="0"/>
-          <a:chExt cx="0" cy="0"/>
-        </a:xfrm>
-      </p:grpSpPr>
-      <p:sp>
-        <p:nvSpPr>
-          <p:cNvPr id="193" name="Google Shape;193;p23"/>
-          <p:cNvSpPr txBox="1">
-            <a:spLocks noGrp="1"/>
-          </p:cNvSpPr>
-          <p:nvPr>
-            <p:ph type="title"/>
-          </p:nvPr>
-        </p:nvSpPr>
-        <p:spPr>
-          <a:xfrm>
-            <a:off x="1376750" y="308000"/>
-            <a:ext cx="7038900" cy="547500"/>
-          </a:xfrm>
-          <a:prstGeom prst="rect">
-            <a:avLst/>
-          </a:prstGeom>
-        </p:spPr>
-        <p:txBody>
-          <a:bodyPr spcFirstLastPara="1" wrap="square" lIns="91425" tIns="91425" rIns="91425" bIns="91425" anchor="t" anchorCtr="0">
-            <a:noAutofit/>
-          </a:bodyPr>
-          <a:lstStyle/>
-          <a:p>
-            <a:pPr marL="0" lvl="0" indent="0" algn="l" rtl="0">
-              <a:spcBef>
-                <a:spcPts val="0"/>
-              </a:spcBef>
-              <a:spcAft>
-                <a:spcPts val="0"/>
-              </a:spcAft>
-              <a:buNone/>
-            </a:pPr>
-            <a:r>
-              <a:rPr lang="en"/>
-              <a:t>Flow Of Modules</a:t>
-            </a:r>
-            <a:endParaRPr/>
-          </a:p>
-        </p:txBody>
-      </p:sp>
-      <p:pic>
-        <p:nvPicPr>
-          <p:cNvPr id="194" name="Google Shape;194;p23"/>
-          <p:cNvPicPr preferRelativeResize="0"/>
-          <p:nvPr/>
-        </p:nvPicPr>
-        <p:blipFill>
-          <a:blip r:embed="rId3">
-            <a:alphaModFix/>
-          </a:blip>
-          <a:stretch>
-            <a:fillRect/>
-          </a:stretch>
-        </p:blipFill>
-        <p:spPr>
-          <a:xfrm>
-            <a:off x="1874125" y="855500"/>
-            <a:ext cx="5897851" cy="4135602"/>
-          </a:xfrm>
-          <a:prstGeom prst="rect">
-            <a:avLst/>
-          </a:prstGeom>
-          <a:noFill/>
-          <a:ln>
-            <a:noFill/>
-          </a:ln>
-        </p:spPr>
-      </p:pic>
-    </p:spTree>
-  </p:cSld>
-  <p:clrMapOvr>
-    <a:masterClrMapping/>
-  </p:clrMapOvr>
-</p:sld>
-</file>
-
-<file path=ppt/slides/slide12.xml><?xml version="1.0" encoding="utf-8"?>
-<p:sld xmlns:a="http://schemas.openxmlformats.org/drawingml/2006/main" xmlns:r="http://schemas.openxmlformats.org/officeDocument/2006/relationships" xmlns:p="http://schemas.openxmlformats.org/presentationml/2006/main">
-  <p:cSld>
-    <p:spTree>
-      <p:nvGrpSpPr>
-        <p:cNvPr id="1" name="Shape 198"/>
-        <p:cNvGrpSpPr/>
-        <p:nvPr/>
-      </p:nvGrpSpPr>
-      <p:grpSpPr>
-        <a:xfrm>
-          <a:off x="0" y="0"/>
-          <a:ext cx="0" cy="0"/>
-          <a:chOff x="0" y="0"/>
-          <a:chExt cx="0" cy="0"/>
-        </a:xfrm>
-      </p:grpSpPr>
-      <p:sp>
-        <p:nvSpPr>
-          <p:cNvPr id="199" name="Google Shape;199;p24"/>
-          <p:cNvSpPr txBox="1">
-            <a:spLocks noGrp="1"/>
-          </p:cNvSpPr>
-          <p:nvPr>
-            <p:ph type="title"/>
-          </p:nvPr>
-        </p:nvSpPr>
-        <p:spPr>
-          <a:xfrm>
-            <a:off x="1371575" y="265125"/>
-            <a:ext cx="7038900" cy="547500"/>
-          </a:xfrm>
-          <a:prstGeom prst="rect">
-            <a:avLst/>
-          </a:prstGeom>
-        </p:spPr>
-        <p:txBody>
-          <a:bodyPr spcFirstLastPara="1" wrap="square" lIns="91425" tIns="91425" rIns="91425" bIns="91425" anchor="t" anchorCtr="0">
-            <a:noAutofit/>
-          </a:bodyPr>
-          <a:lstStyle/>
-          <a:p>
-            <a:pPr marL="0" lvl="0" indent="0" algn="l" rtl="0">
-              <a:spcBef>
-                <a:spcPts val="0"/>
-              </a:spcBef>
-              <a:spcAft>
-                <a:spcPts val="0"/>
-              </a:spcAft>
-              <a:buNone/>
-            </a:pPr>
-            <a:r>
-              <a:rPr lang="en"/>
-              <a:t>Data Flow</a:t>
-            </a:r>
-            <a:endParaRPr/>
-          </a:p>
-        </p:txBody>
-      </p:sp>
-      <p:pic>
-        <p:nvPicPr>
-          <p:cNvPr id="200" name="Google Shape;200;p24"/>
-          <p:cNvPicPr preferRelativeResize="0"/>
-          <p:nvPr/>
-        </p:nvPicPr>
-        <p:blipFill>
-          <a:blip r:embed="rId3">
-            <a:alphaModFix/>
-          </a:blip>
-          <a:stretch>
-            <a:fillRect/>
-          </a:stretch>
-        </p:blipFill>
-        <p:spPr>
-          <a:xfrm>
-            <a:off x="1141063" y="812625"/>
-            <a:ext cx="7363963" cy="4135601"/>
-          </a:xfrm>
-          <a:prstGeom prst="rect">
-            <a:avLst/>
-          </a:prstGeom>
-          <a:noFill/>
-          <a:ln>
-            <a:noFill/>
-          </a:ln>
-        </p:spPr>
-      </p:pic>
-    </p:spTree>
-  </p:cSld>
-  <p:clrMapOvr>
-    <a:masterClrMapping/>
-  </p:clrMapOvr>
-</p:sld>
-</file>
-
-<file path=ppt/slides/slide13.xml><?xml version="1.0" encoding="utf-8"?>
-<p:sld xmlns:a="http://schemas.openxmlformats.org/drawingml/2006/main" xmlns:r="http://schemas.openxmlformats.org/officeDocument/2006/relationships" xmlns:p="http://schemas.openxmlformats.org/presentationml/2006/main">
-  <p:cSld>
-    <p:spTree>
-      <p:nvGrpSpPr>
-        <p:cNvPr id="1" name="Shape 204"/>
-        <p:cNvGrpSpPr/>
-        <p:nvPr/>
-      </p:nvGrpSpPr>
-      <p:grpSpPr>
-        <a:xfrm>
-          <a:off x="0" y="0"/>
-          <a:ext cx="0" cy="0"/>
-          <a:chOff x="0" y="0"/>
-          <a:chExt cx="0" cy="0"/>
-        </a:xfrm>
-      </p:grpSpPr>
-      <p:sp>
-        <p:nvSpPr>
-          <p:cNvPr id="205" name="Google Shape;205;p25"/>
-          <p:cNvSpPr txBox="1">
-            <a:spLocks noGrp="1"/>
-          </p:cNvSpPr>
-          <p:nvPr>
-            <p:ph type="title"/>
-          </p:nvPr>
-        </p:nvSpPr>
-        <p:spPr>
-          <a:xfrm>
-            <a:off x="823850" y="1284675"/>
-            <a:ext cx="4776000" cy="1300800"/>
-          </a:xfrm>
-          <a:prstGeom prst="rect">
-            <a:avLst/>
-          </a:prstGeom>
-        </p:spPr>
-        <p:txBody>
-          <a:bodyPr spcFirstLastPara="1" wrap="square" lIns="91425" tIns="91425" rIns="91425" bIns="91425" anchor="t" anchorCtr="0">
-            <a:noAutofit/>
-          </a:bodyPr>
-          <a:lstStyle/>
-          <a:p>
-            <a:pPr marL="0" lvl="0" indent="0" algn="l" rtl="0">
-              <a:spcBef>
-                <a:spcPts val="0"/>
-              </a:spcBef>
-              <a:spcAft>
-                <a:spcPts val="0"/>
-              </a:spcAft>
-              <a:buNone/>
-            </a:pPr>
-            <a:r>
-              <a:rPr lang="en" sz="2800"/>
-              <a:t>Technology Stack</a:t>
-            </a:r>
-            <a:endParaRPr sz="2800"/>
-          </a:p>
-        </p:txBody>
-      </p:sp>
-      <p:sp>
-        <p:nvSpPr>
-          <p:cNvPr id="206" name="Google Shape;206;p25"/>
-          <p:cNvSpPr txBox="1">
-            <a:spLocks noGrp="1"/>
-          </p:cNvSpPr>
-          <p:nvPr>
-            <p:ph type="body" idx="1"/>
-          </p:nvPr>
-        </p:nvSpPr>
-        <p:spPr>
-          <a:xfrm>
-            <a:off x="823850" y="2643124"/>
-            <a:ext cx="4776000" cy="1218900"/>
-          </a:xfrm>
-          <a:prstGeom prst="rect">
-            <a:avLst/>
-          </a:prstGeom>
-        </p:spPr>
-        <p:txBody>
-          <a:bodyPr spcFirstLastPara="1" wrap="square" lIns="91425" tIns="91425" rIns="91425" bIns="91425" anchor="t" anchorCtr="0">
-            <a:noAutofit/>
-          </a:bodyPr>
-          <a:lstStyle/>
-          <a:p>
-            <a:pPr marL="285750" indent="-285750"/>
-            <a:r>
-              <a:rPr lang="en" dirty="0"/>
-              <a:t>HTML, CSS, Vanilla JS,  and React JS - Frontend</a:t>
-            </a:r>
-            <a:endParaRPr dirty="0"/>
-          </a:p>
-          <a:p>
-            <a:pPr marL="285750" indent="-285750">
-              <a:spcBef>
-                <a:spcPts val="1600"/>
-              </a:spcBef>
-              <a:spcAft>
-                <a:spcPts val="1600"/>
-              </a:spcAft>
-            </a:pPr>
-            <a:r>
-              <a:rPr lang="en" dirty="0"/>
-              <a:t>MERN stack - Backend,  database, server hosting</a:t>
-            </a:r>
             <a:endParaRPr dirty="0"/>
           </a:p>
         </p:txBody>
@@ -11020,1075 +6812,6 @@
               <a:t>•    For this mini-project, we aim to develop an online social media platform at an institute level wherein students can connect with and share tech-related ideas, knowledge and help foster a rich coding culture in our college.</a:t>
             </a:r>
             <a:endParaRPr dirty="0"/>
-          </a:p>
-        </p:txBody>
-      </p:sp>
-    </p:spTree>
-  </p:cSld>
-  <p:clrMapOvr>
-    <a:masterClrMapping/>
-  </p:clrMapOvr>
-</p:sld>
-</file>
-
-<file path=ppt/slides/slide3.xml><?xml version="1.0" encoding="utf-8"?>
-<p:sld xmlns:a="http://schemas.openxmlformats.org/drawingml/2006/main" xmlns:r="http://schemas.openxmlformats.org/officeDocument/2006/relationships" xmlns:p="http://schemas.openxmlformats.org/presentationml/2006/main">
-  <p:cSld>
-    <p:spTree>
-      <p:nvGrpSpPr>
-        <p:cNvPr id="1" name="Shape 145"/>
-        <p:cNvGrpSpPr/>
-        <p:nvPr/>
-      </p:nvGrpSpPr>
-      <p:grpSpPr>
-        <a:xfrm>
-          <a:off x="0" y="0"/>
-          <a:ext cx="0" cy="0"/>
-          <a:chOff x="0" y="0"/>
-          <a:chExt cx="0" cy="0"/>
-        </a:xfrm>
-      </p:grpSpPr>
-      <p:sp>
-        <p:nvSpPr>
-          <p:cNvPr id="146" name="Google Shape;146;p15"/>
-          <p:cNvSpPr txBox="1">
-            <a:spLocks noGrp="1"/>
-          </p:cNvSpPr>
-          <p:nvPr>
-            <p:ph type="title"/>
-          </p:nvPr>
-        </p:nvSpPr>
-        <p:spPr>
-          <a:xfrm>
-            <a:off x="1297500" y="393750"/>
-            <a:ext cx="7038900" cy="914100"/>
-          </a:xfrm>
-          <a:prstGeom prst="rect">
-            <a:avLst/>
-          </a:prstGeom>
-        </p:spPr>
-        <p:txBody>
-          <a:bodyPr spcFirstLastPara="1" wrap="square" lIns="91425" tIns="91425" rIns="91425" bIns="91425" anchor="t" anchorCtr="0">
-            <a:noAutofit/>
-          </a:bodyPr>
-          <a:lstStyle/>
-          <a:p>
-            <a:pPr marL="0" lvl="0" indent="0" algn="l" rtl="0">
-              <a:spcBef>
-                <a:spcPts val="0"/>
-              </a:spcBef>
-              <a:spcAft>
-                <a:spcPts val="0"/>
-              </a:spcAft>
-              <a:buNone/>
-            </a:pPr>
-            <a:r>
-              <a:rPr lang="en"/>
-              <a:t>Abstract</a:t>
-            </a:r>
-            <a:endParaRPr/>
-          </a:p>
-        </p:txBody>
-      </p:sp>
-      <p:sp>
-        <p:nvSpPr>
-          <p:cNvPr id="147" name="Google Shape;147;p15"/>
-          <p:cNvSpPr txBox="1">
-            <a:spLocks noGrp="1"/>
-          </p:cNvSpPr>
-          <p:nvPr>
-            <p:ph type="body" idx="1"/>
-          </p:nvPr>
-        </p:nvSpPr>
-        <p:spPr>
-          <a:xfrm>
-            <a:off x="1297500" y="1307850"/>
-            <a:ext cx="7038900" cy="3171000"/>
-          </a:xfrm>
-          <a:prstGeom prst="rect">
-            <a:avLst/>
-          </a:prstGeom>
-        </p:spPr>
-        <p:txBody>
-          <a:bodyPr spcFirstLastPara="1" wrap="square" lIns="91425" tIns="91425" rIns="91425" bIns="91425" anchor="t" anchorCtr="0">
-            <a:noAutofit/>
-          </a:bodyPr>
-          <a:lstStyle/>
-          <a:p>
-            <a:pPr marL="457200" lvl="0" indent="-311150" algn="l" rtl="0">
-              <a:spcBef>
-                <a:spcPts val="0"/>
-              </a:spcBef>
-              <a:spcAft>
-                <a:spcPts val="0"/>
-              </a:spcAft>
-              <a:buSzPts val="1300"/>
-              <a:buChar char="●"/>
-            </a:pPr>
-            <a:r>
-              <a:rPr lang="en"/>
-              <a:t>This project is based on the concept of making new and meaningful connections.</a:t>
-            </a:r>
-            <a:endParaRPr/>
-          </a:p>
-          <a:p>
-            <a:pPr marL="457200" lvl="0" indent="0" algn="l" rtl="0">
-              <a:spcBef>
-                <a:spcPts val="1600"/>
-              </a:spcBef>
-              <a:spcAft>
-                <a:spcPts val="0"/>
-              </a:spcAft>
-              <a:buNone/>
-            </a:pPr>
-            <a:endParaRPr/>
-          </a:p>
-          <a:p>
-            <a:pPr marL="457200" lvl="0" indent="-311150" algn="l" rtl="0">
-              <a:spcBef>
-                <a:spcPts val="1600"/>
-              </a:spcBef>
-              <a:spcAft>
-                <a:spcPts val="0"/>
-              </a:spcAft>
-              <a:buSzPts val="1300"/>
-              <a:buChar char="●"/>
-            </a:pPr>
-            <a:r>
-              <a:rPr lang="en"/>
-              <a:t>By providing access to all college peers on a single platform, getting to know peers with a similar interest can help to guide and inspire students. </a:t>
-            </a:r>
-            <a:endParaRPr/>
-          </a:p>
-          <a:p>
-            <a:pPr marL="457200" lvl="0" indent="0" algn="l" rtl="0">
-              <a:spcBef>
-                <a:spcPts val="1600"/>
-              </a:spcBef>
-              <a:spcAft>
-                <a:spcPts val="0"/>
-              </a:spcAft>
-              <a:buNone/>
-            </a:pPr>
-            <a:endParaRPr/>
-          </a:p>
-          <a:p>
-            <a:pPr marL="457200" lvl="0" indent="-311150" algn="l" rtl="0">
-              <a:spcBef>
-                <a:spcPts val="1600"/>
-              </a:spcBef>
-              <a:spcAft>
-                <a:spcPts val="0"/>
-              </a:spcAft>
-              <a:buSzPts val="1300"/>
-              <a:buChar char="●"/>
-            </a:pPr>
-            <a:r>
-              <a:rPr lang="en"/>
-              <a:t>We already have many sophisticated social platforms to connect with people, but, a setup at an institute-level would significantly help to bind everyone by leveraging the ability to connect digitally.</a:t>
-            </a:r>
-            <a:endParaRPr/>
-          </a:p>
-          <a:p>
-            <a:pPr marL="0" lvl="0" indent="0" algn="l" rtl="0">
-              <a:spcBef>
-                <a:spcPts val="1600"/>
-              </a:spcBef>
-              <a:spcAft>
-                <a:spcPts val="0"/>
-              </a:spcAft>
-              <a:buNone/>
-            </a:pPr>
-            <a:endParaRPr/>
-          </a:p>
-          <a:p>
-            <a:pPr marL="0" lvl="0" indent="0" algn="l" rtl="0">
-              <a:spcBef>
-                <a:spcPts val="1600"/>
-              </a:spcBef>
-              <a:spcAft>
-                <a:spcPts val="1600"/>
-              </a:spcAft>
-              <a:buNone/>
-            </a:pPr>
-            <a:endParaRPr/>
-          </a:p>
-        </p:txBody>
-      </p:sp>
-    </p:spTree>
-  </p:cSld>
-  <p:clrMapOvr>
-    <a:masterClrMapping/>
-  </p:clrMapOvr>
-</p:sld>
-</file>
-
-<file path=ppt/slides/slide4.xml><?xml version="1.0" encoding="utf-8"?>
-<p:sld xmlns:a="http://schemas.openxmlformats.org/drawingml/2006/main" xmlns:r="http://schemas.openxmlformats.org/officeDocument/2006/relationships" xmlns:p="http://schemas.openxmlformats.org/presentationml/2006/main">
-  <p:cSld>
-    <p:spTree>
-      <p:nvGrpSpPr>
-        <p:cNvPr id="1" name="Shape 151"/>
-        <p:cNvGrpSpPr/>
-        <p:nvPr/>
-      </p:nvGrpSpPr>
-      <p:grpSpPr>
-        <a:xfrm>
-          <a:off x="0" y="0"/>
-          <a:ext cx="0" cy="0"/>
-          <a:chOff x="0" y="0"/>
-          <a:chExt cx="0" cy="0"/>
-        </a:xfrm>
-      </p:grpSpPr>
-      <p:sp>
-        <p:nvSpPr>
-          <p:cNvPr id="152" name="Google Shape;152;p16"/>
-          <p:cNvSpPr txBox="1">
-            <a:spLocks noGrp="1"/>
-          </p:cNvSpPr>
-          <p:nvPr>
-            <p:ph type="title"/>
-          </p:nvPr>
-        </p:nvSpPr>
-        <p:spPr>
-          <a:xfrm>
-            <a:off x="1297500" y="393750"/>
-            <a:ext cx="7038900" cy="914100"/>
-          </a:xfrm>
-          <a:prstGeom prst="rect">
-            <a:avLst/>
-          </a:prstGeom>
-        </p:spPr>
-        <p:txBody>
-          <a:bodyPr spcFirstLastPara="1" wrap="square" lIns="91425" tIns="91425" rIns="91425" bIns="91425" anchor="t" anchorCtr="0">
-            <a:noAutofit/>
-          </a:bodyPr>
-          <a:lstStyle/>
-          <a:p>
-            <a:pPr marL="0" lvl="0" indent="0" algn="l" rtl="0">
-              <a:spcBef>
-                <a:spcPts val="0"/>
-              </a:spcBef>
-              <a:spcAft>
-                <a:spcPts val="0"/>
-              </a:spcAft>
-              <a:buNone/>
-            </a:pPr>
-            <a:r>
-              <a:rPr lang="en"/>
-              <a:t>Scope</a:t>
-            </a:r>
-            <a:endParaRPr/>
-          </a:p>
-        </p:txBody>
-      </p:sp>
-      <p:sp>
-        <p:nvSpPr>
-          <p:cNvPr id="153" name="Google Shape;153;p16"/>
-          <p:cNvSpPr txBox="1">
-            <a:spLocks noGrp="1"/>
-          </p:cNvSpPr>
-          <p:nvPr>
-            <p:ph type="body" idx="1"/>
-          </p:nvPr>
-        </p:nvSpPr>
-        <p:spPr>
-          <a:xfrm>
-            <a:off x="1297500" y="1567550"/>
-            <a:ext cx="7038900" cy="2911200"/>
-          </a:xfrm>
-          <a:prstGeom prst="rect">
-            <a:avLst/>
-          </a:prstGeom>
-        </p:spPr>
-        <p:txBody>
-          <a:bodyPr spcFirstLastPara="1" wrap="square" lIns="91425" tIns="91425" rIns="91425" bIns="91425" anchor="t" anchorCtr="0">
-            <a:noAutofit/>
-          </a:bodyPr>
-          <a:lstStyle/>
-          <a:p>
-            <a:pPr marL="285750" indent="-285750"/>
-            <a:r>
-              <a:rPr lang="en" dirty="0"/>
-              <a:t>This project is will be implemented in an institute level. </a:t>
-            </a:r>
-            <a:endParaRPr dirty="0"/>
-          </a:p>
-          <a:p>
-            <a:pPr marL="285750" indent="-285750">
-              <a:spcBef>
-                <a:spcPts val="1600"/>
-              </a:spcBef>
-            </a:pPr>
-            <a:r>
-              <a:rPr lang="en" dirty="0"/>
-              <a:t>This way, all college students will have a dedicated and organized and centralized platform wherein they can find other students with similar interests.  </a:t>
-            </a:r>
-            <a:endParaRPr dirty="0"/>
-          </a:p>
-          <a:p>
-            <a:pPr marL="285750" indent="-285750">
-              <a:spcBef>
-                <a:spcPts val="1600"/>
-              </a:spcBef>
-              <a:spcAft>
-                <a:spcPts val="1600"/>
-              </a:spcAft>
-            </a:pPr>
-            <a:r>
-              <a:rPr lang="en" dirty="0"/>
-              <a:t>The underlying idea behind this project is to increase the quality and quantity of interactions students have about technology in an institute.</a:t>
-            </a:r>
-            <a:endParaRPr dirty="0"/>
-          </a:p>
-        </p:txBody>
-      </p:sp>
-    </p:spTree>
-  </p:cSld>
-  <p:clrMapOvr>
-    <a:masterClrMapping/>
-  </p:clrMapOvr>
-</p:sld>
-</file>
-
-<file path=ppt/slides/slide5.xml><?xml version="1.0" encoding="utf-8"?>
-<p:sld xmlns:a="http://schemas.openxmlformats.org/drawingml/2006/main" xmlns:r="http://schemas.openxmlformats.org/officeDocument/2006/relationships" xmlns:p="http://schemas.openxmlformats.org/presentationml/2006/main">
-  <p:cSld>
-    <p:spTree>
-      <p:nvGrpSpPr>
-        <p:cNvPr id="1" name="Shape 157"/>
-        <p:cNvGrpSpPr/>
-        <p:nvPr/>
-      </p:nvGrpSpPr>
-      <p:grpSpPr>
-        <a:xfrm>
-          <a:off x="0" y="0"/>
-          <a:ext cx="0" cy="0"/>
-          <a:chOff x="0" y="0"/>
-          <a:chExt cx="0" cy="0"/>
-        </a:xfrm>
-      </p:grpSpPr>
-      <p:sp>
-        <p:nvSpPr>
-          <p:cNvPr id="158" name="Google Shape;158;p17"/>
-          <p:cNvSpPr txBox="1">
-            <a:spLocks noGrp="1"/>
-          </p:cNvSpPr>
-          <p:nvPr>
-            <p:ph type="title"/>
-          </p:nvPr>
-        </p:nvSpPr>
-        <p:spPr>
-          <a:xfrm>
-            <a:off x="1297500" y="393750"/>
-            <a:ext cx="7038900" cy="914100"/>
-          </a:xfrm>
-          <a:prstGeom prst="rect">
-            <a:avLst/>
-          </a:prstGeom>
-        </p:spPr>
-        <p:txBody>
-          <a:bodyPr spcFirstLastPara="1" wrap="square" lIns="91425" tIns="91425" rIns="91425" bIns="91425" anchor="t" anchorCtr="0">
-            <a:noAutofit/>
-          </a:bodyPr>
-          <a:lstStyle/>
-          <a:p>
-            <a:pPr marL="0" lvl="0" indent="0" algn="l" rtl="0">
-              <a:spcBef>
-                <a:spcPts val="0"/>
-              </a:spcBef>
-              <a:spcAft>
-                <a:spcPts val="0"/>
-              </a:spcAft>
-              <a:buNone/>
-            </a:pPr>
-            <a:r>
-              <a:rPr lang="en"/>
-              <a:t>Objectives</a:t>
-            </a:r>
-            <a:endParaRPr/>
-          </a:p>
-        </p:txBody>
-      </p:sp>
-      <p:sp>
-        <p:nvSpPr>
-          <p:cNvPr id="159" name="Google Shape;159;p17"/>
-          <p:cNvSpPr txBox="1">
-            <a:spLocks noGrp="1"/>
-          </p:cNvSpPr>
-          <p:nvPr>
-            <p:ph type="body" idx="1"/>
-          </p:nvPr>
-        </p:nvSpPr>
-        <p:spPr>
-          <a:xfrm>
-            <a:off x="1297500" y="1567550"/>
-            <a:ext cx="7038900" cy="2911200"/>
-          </a:xfrm>
-          <a:prstGeom prst="rect">
-            <a:avLst/>
-          </a:prstGeom>
-        </p:spPr>
-        <p:txBody>
-          <a:bodyPr spcFirstLastPara="1" wrap="square" lIns="91425" tIns="91425" rIns="91425" bIns="91425" anchor="t" anchorCtr="0">
-            <a:noAutofit/>
-          </a:bodyPr>
-          <a:lstStyle/>
-          <a:p>
-            <a:pPr marL="0" lvl="0" indent="0" algn="l" rtl="0">
-              <a:spcBef>
-                <a:spcPts val="0"/>
-              </a:spcBef>
-              <a:spcAft>
-                <a:spcPts val="0"/>
-              </a:spcAft>
-              <a:buNone/>
-            </a:pPr>
-            <a:r>
-              <a:rPr lang="en" dirty="0"/>
-              <a:t>1) To develop a </a:t>
-            </a:r>
-            <a:r>
-              <a:rPr lang="en"/>
-              <a:t>rich coding culture in college. </a:t>
-            </a:r>
-            <a:endParaRPr dirty="0"/>
-          </a:p>
-          <a:p>
-            <a:pPr marL="0" lvl="0" indent="0" algn="l" rtl="0">
-              <a:spcBef>
-                <a:spcPts val="1600"/>
-              </a:spcBef>
-              <a:spcAft>
-                <a:spcPts val="0"/>
-              </a:spcAft>
-              <a:buNone/>
-            </a:pPr>
-            <a:r>
-              <a:rPr lang="en" dirty="0"/>
-              <a:t>2) To help college students connect and interact in a way that would lead to their skill development. </a:t>
-            </a:r>
-            <a:endParaRPr dirty="0"/>
-          </a:p>
-          <a:p>
-            <a:pPr marL="0" lvl="0" indent="0" algn="l" rtl="0">
-              <a:spcBef>
-                <a:spcPts val="1600"/>
-              </a:spcBef>
-              <a:spcAft>
-                <a:spcPts val="1600"/>
-              </a:spcAft>
-              <a:buNone/>
-            </a:pPr>
-            <a:r>
-              <a:rPr lang="en" dirty="0"/>
-              <a:t>3) To keep everyone updated about the current technical scenario and to present them with opportunities which would strengthen their vital skills in their college years.</a:t>
-            </a:r>
-            <a:endParaRPr dirty="0"/>
-          </a:p>
-        </p:txBody>
-      </p:sp>
-    </p:spTree>
-  </p:cSld>
-  <p:clrMapOvr>
-    <a:masterClrMapping/>
-  </p:clrMapOvr>
-</p:sld>
-</file>
-
-<file path=ppt/slides/slide6.xml><?xml version="1.0" encoding="utf-8"?>
-<p:sld xmlns:a="http://schemas.openxmlformats.org/drawingml/2006/main" xmlns:r="http://schemas.openxmlformats.org/officeDocument/2006/relationships" xmlns:p="http://schemas.openxmlformats.org/presentationml/2006/main">
-  <p:cSld>
-    <p:spTree>
-      <p:nvGrpSpPr>
-        <p:cNvPr id="1" name="Shape 163"/>
-        <p:cNvGrpSpPr/>
-        <p:nvPr/>
-      </p:nvGrpSpPr>
-      <p:grpSpPr>
-        <a:xfrm>
-          <a:off x="0" y="0"/>
-          <a:ext cx="0" cy="0"/>
-          <a:chOff x="0" y="0"/>
-          <a:chExt cx="0" cy="0"/>
-        </a:xfrm>
-      </p:grpSpPr>
-      <p:sp>
-        <p:nvSpPr>
-          <p:cNvPr id="164" name="Google Shape;164;p18"/>
-          <p:cNvSpPr txBox="1">
-            <a:spLocks noGrp="1"/>
-          </p:cNvSpPr>
-          <p:nvPr>
-            <p:ph type="title"/>
-          </p:nvPr>
-        </p:nvSpPr>
-        <p:spPr>
-          <a:xfrm>
-            <a:off x="1297500" y="393750"/>
-            <a:ext cx="7038900" cy="914100"/>
-          </a:xfrm>
-          <a:prstGeom prst="rect">
-            <a:avLst/>
-          </a:prstGeom>
-        </p:spPr>
-        <p:txBody>
-          <a:bodyPr spcFirstLastPara="1" wrap="square" lIns="91425" tIns="91425" rIns="91425" bIns="91425" anchor="t" anchorCtr="0">
-            <a:noAutofit/>
-          </a:bodyPr>
-          <a:lstStyle/>
-          <a:p>
-            <a:pPr marL="0" lvl="0" indent="0" algn="l" rtl="0">
-              <a:spcBef>
-                <a:spcPts val="0"/>
-              </a:spcBef>
-              <a:spcAft>
-                <a:spcPts val="0"/>
-              </a:spcAft>
-              <a:buNone/>
-            </a:pPr>
-            <a:r>
-              <a:rPr lang="en"/>
-              <a:t>     Benefits</a:t>
-            </a:r>
-            <a:endParaRPr/>
-          </a:p>
-        </p:txBody>
-      </p:sp>
-      <p:sp>
-        <p:nvSpPr>
-          <p:cNvPr id="165" name="Google Shape;165;p18"/>
-          <p:cNvSpPr txBox="1">
-            <a:spLocks noGrp="1"/>
-          </p:cNvSpPr>
-          <p:nvPr>
-            <p:ph type="body" idx="1"/>
-          </p:nvPr>
-        </p:nvSpPr>
-        <p:spPr>
-          <a:xfrm>
-            <a:off x="1297500" y="1567550"/>
-            <a:ext cx="7038900" cy="2911200"/>
-          </a:xfrm>
-          <a:prstGeom prst="rect">
-            <a:avLst/>
-          </a:prstGeom>
-        </p:spPr>
-        <p:txBody>
-          <a:bodyPr spcFirstLastPara="1" wrap="square" lIns="91425" tIns="91425" rIns="91425" bIns="91425" anchor="t" anchorCtr="0">
-            <a:noAutofit/>
-          </a:bodyPr>
-          <a:lstStyle/>
-          <a:p>
-            <a:pPr indent="-228600">
-              <a:spcBef>
-                <a:spcPts val="1200"/>
-              </a:spcBef>
-              <a:buClr>
-                <a:srgbClr val="FFFFFF"/>
-              </a:buClr>
-              <a:buSzPts val="1200"/>
-            </a:pPr>
-            <a:r>
-              <a:rPr lang="en" dirty="0">
-                <a:solidFill>
-                  <a:srgbClr val="FFFFFF"/>
-                </a:solidFill>
-              </a:rPr>
-              <a:t>Will create a very supportive and collaborative environment for students to create communities.</a:t>
-            </a:r>
-            <a:endParaRPr dirty="0">
-              <a:solidFill>
-                <a:srgbClr val="FFFFFF"/>
-              </a:solidFill>
-            </a:endParaRPr>
-          </a:p>
-          <a:p>
-            <a:pPr indent="-228600">
-              <a:buClr>
-                <a:srgbClr val="FFFFFF"/>
-              </a:buClr>
-              <a:buSzPts val="1200"/>
-            </a:pPr>
-            <a:endParaRPr dirty="0">
-              <a:solidFill>
-                <a:srgbClr val="FFFFFF"/>
-              </a:solidFill>
-            </a:endParaRPr>
-          </a:p>
-          <a:p>
-            <a:pPr indent="-228600">
-              <a:buClr>
-                <a:srgbClr val="FFFFFF"/>
-              </a:buClr>
-              <a:buSzPts val="1200"/>
-            </a:pPr>
-            <a:r>
-              <a:rPr lang="en" dirty="0">
-                <a:solidFill>
-                  <a:srgbClr val="FFFFFF"/>
-                </a:solidFill>
-              </a:rPr>
-              <a:t>Will help them to meet new people with similar interests so that they can work together to achieve a similar goal.</a:t>
-            </a:r>
-            <a:endParaRPr dirty="0">
-              <a:solidFill>
-                <a:srgbClr val="FFFFFF"/>
-              </a:solidFill>
-            </a:endParaRPr>
-          </a:p>
-          <a:p>
-            <a:pPr indent="-228600">
-              <a:buClr>
-                <a:srgbClr val="FFFFFF"/>
-              </a:buClr>
-              <a:buSzPts val="1200"/>
-            </a:pPr>
-            <a:endParaRPr dirty="0">
-              <a:solidFill>
-                <a:srgbClr val="FFFFFF"/>
-              </a:solidFill>
-            </a:endParaRPr>
-          </a:p>
-          <a:p>
-            <a:pPr indent="-228600">
-              <a:buClr>
-                <a:srgbClr val="FFFFFF"/>
-              </a:buClr>
-              <a:buSzPts val="1200"/>
-            </a:pPr>
-            <a:r>
-              <a:rPr lang="en" dirty="0">
-                <a:solidFill>
-                  <a:srgbClr val="FFFFFF"/>
-                </a:solidFill>
-              </a:rPr>
-              <a:t>Can act as a medium to keep students updated with the current technical scenario.</a:t>
-            </a:r>
-            <a:endParaRPr dirty="0">
-              <a:solidFill>
-                <a:srgbClr val="FFFFFF"/>
-              </a:solidFill>
-            </a:endParaRPr>
-          </a:p>
-          <a:p>
-            <a:pPr marL="0" lvl="0" indent="0" algn="l" rtl="0">
-              <a:lnSpc>
-                <a:spcPct val="115000"/>
-              </a:lnSpc>
-              <a:spcBef>
-                <a:spcPts val="1200"/>
-              </a:spcBef>
-              <a:spcAft>
-                <a:spcPts val="1600"/>
-              </a:spcAft>
-              <a:buNone/>
-            </a:pPr>
-            <a:endParaRPr sz="1200" dirty="0">
-              <a:solidFill>
-                <a:srgbClr val="FFFFFF"/>
-              </a:solidFill>
-            </a:endParaRPr>
-          </a:p>
-        </p:txBody>
-      </p:sp>
-    </p:spTree>
-  </p:cSld>
-  <p:clrMapOvr>
-    <a:masterClrMapping/>
-  </p:clrMapOvr>
-</p:sld>
-</file>
-
-<file path=ppt/slides/slide7.xml><?xml version="1.0" encoding="utf-8"?>
-<p:sld xmlns:a="http://schemas.openxmlformats.org/drawingml/2006/main" xmlns:r="http://schemas.openxmlformats.org/officeDocument/2006/relationships" xmlns:p="http://schemas.openxmlformats.org/presentationml/2006/main">
-  <p:cSld>
-    <p:spTree>
-      <p:nvGrpSpPr>
-        <p:cNvPr id="1" name="Shape 169"/>
-        <p:cNvGrpSpPr/>
-        <p:nvPr/>
-      </p:nvGrpSpPr>
-      <p:grpSpPr>
-        <a:xfrm>
-          <a:off x="0" y="0"/>
-          <a:ext cx="0" cy="0"/>
-          <a:chOff x="0" y="0"/>
-          <a:chExt cx="0" cy="0"/>
-        </a:xfrm>
-      </p:grpSpPr>
-      <p:sp>
-        <p:nvSpPr>
-          <p:cNvPr id="170" name="Google Shape;170;p19"/>
-          <p:cNvSpPr txBox="1">
-            <a:spLocks noGrp="1"/>
-          </p:cNvSpPr>
-          <p:nvPr>
-            <p:ph type="title"/>
-          </p:nvPr>
-        </p:nvSpPr>
-        <p:spPr>
-          <a:xfrm>
-            <a:off x="1297500" y="393750"/>
-            <a:ext cx="7038900" cy="914100"/>
-          </a:xfrm>
-          <a:prstGeom prst="rect">
-            <a:avLst/>
-          </a:prstGeom>
-        </p:spPr>
-        <p:txBody>
-          <a:bodyPr spcFirstLastPara="1" wrap="square" lIns="91425" tIns="91425" rIns="91425" bIns="91425" anchor="t" anchorCtr="0">
-            <a:noAutofit/>
-          </a:bodyPr>
-          <a:lstStyle/>
-          <a:p>
-            <a:pPr marL="0" lvl="0" indent="0" algn="l" rtl="0">
-              <a:spcBef>
-                <a:spcPts val="0"/>
-              </a:spcBef>
-              <a:spcAft>
-                <a:spcPts val="0"/>
-              </a:spcAft>
-              <a:buNone/>
-            </a:pPr>
-            <a:r>
-              <a:rPr lang="en"/>
-              <a:t>Existing system/project</a:t>
-            </a:r>
-            <a:endParaRPr/>
-          </a:p>
-        </p:txBody>
-      </p:sp>
-      <p:sp>
-        <p:nvSpPr>
-          <p:cNvPr id="171" name="Google Shape;171;p19"/>
-          <p:cNvSpPr txBox="1">
-            <a:spLocks noGrp="1"/>
-          </p:cNvSpPr>
-          <p:nvPr>
-            <p:ph type="body" idx="1"/>
-          </p:nvPr>
-        </p:nvSpPr>
-        <p:spPr>
-          <a:xfrm>
-            <a:off x="1297500" y="1567550"/>
-            <a:ext cx="7038900" cy="2911200"/>
-          </a:xfrm>
-          <a:prstGeom prst="rect">
-            <a:avLst/>
-          </a:prstGeom>
-        </p:spPr>
-        <p:txBody>
-          <a:bodyPr spcFirstLastPara="1" wrap="square" lIns="91425" tIns="91425" rIns="91425" bIns="91425" anchor="t" anchorCtr="0">
-            <a:noAutofit/>
-          </a:bodyPr>
-          <a:lstStyle/>
-          <a:p>
-            <a:pPr marL="285750" indent="-285750"/>
-            <a:r>
-              <a:rPr lang="en" dirty="0"/>
-              <a:t>SMPs like Facebook really aims towards meeting new people and connecting with them to make a broader community.</a:t>
-            </a:r>
-            <a:endParaRPr dirty="0"/>
-          </a:p>
-          <a:p>
-            <a:pPr marL="285750" indent="-285750">
-              <a:spcBef>
-                <a:spcPts val="1600"/>
-              </a:spcBef>
-            </a:pPr>
-            <a:r>
-              <a:rPr lang="en" dirty="0"/>
-              <a:t> LinkedIn is focused on making meaningful connections with people who could help them in professional needs. But both these systems are implemented on a global level and their reach is huge. </a:t>
-            </a:r>
-            <a:endParaRPr dirty="0"/>
-          </a:p>
-          <a:p>
-            <a:pPr marL="285750" indent="-285750">
-              <a:spcBef>
-                <a:spcPts val="1600"/>
-              </a:spcBef>
-              <a:spcAft>
-                <a:spcPts val="1600"/>
-              </a:spcAft>
-            </a:pPr>
-            <a:r>
-              <a:rPr lang="en" dirty="0"/>
-              <a:t>Bringing a well-planned mix of some of the features of these SMPs and changing the reach level makes this project different. We are leveraging the same – the concept of SMP to enhance connections, but on an institute level and in a way that benefits all.</a:t>
-            </a:r>
-            <a:endParaRPr dirty="0"/>
-          </a:p>
-        </p:txBody>
-      </p:sp>
-    </p:spTree>
-  </p:cSld>
-  <p:clrMapOvr>
-    <a:masterClrMapping/>
-  </p:clrMapOvr>
-</p:sld>
-</file>
-
-<file path=ppt/slides/slide8.xml><?xml version="1.0" encoding="utf-8"?>
-<p:sld xmlns:a="http://schemas.openxmlformats.org/drawingml/2006/main" xmlns:r="http://schemas.openxmlformats.org/officeDocument/2006/relationships" xmlns:p="http://schemas.openxmlformats.org/presentationml/2006/main">
-  <p:cSld>
-    <p:spTree>
-      <p:nvGrpSpPr>
-        <p:cNvPr id="1" name="Shape 175"/>
-        <p:cNvGrpSpPr/>
-        <p:nvPr/>
-      </p:nvGrpSpPr>
-      <p:grpSpPr>
-        <a:xfrm>
-          <a:off x="0" y="0"/>
-          <a:ext cx="0" cy="0"/>
-          <a:chOff x="0" y="0"/>
-          <a:chExt cx="0" cy="0"/>
-        </a:xfrm>
-      </p:grpSpPr>
-      <p:sp>
-        <p:nvSpPr>
-          <p:cNvPr id="176" name="Google Shape;176;p20"/>
-          <p:cNvSpPr txBox="1">
-            <a:spLocks noGrp="1"/>
-          </p:cNvSpPr>
-          <p:nvPr>
-            <p:ph type="title"/>
-          </p:nvPr>
-        </p:nvSpPr>
-        <p:spPr>
-          <a:xfrm>
-            <a:off x="823850" y="2053000"/>
-            <a:ext cx="4587000" cy="1148700"/>
-          </a:xfrm>
-          <a:prstGeom prst="rect">
-            <a:avLst/>
-          </a:prstGeom>
-        </p:spPr>
-        <p:txBody>
-          <a:bodyPr spcFirstLastPara="1" wrap="square" lIns="91425" tIns="91425" rIns="91425" bIns="91425" anchor="ctr" anchorCtr="0">
-            <a:noAutofit/>
-          </a:bodyPr>
-          <a:lstStyle/>
-          <a:p>
-            <a:pPr marL="0" lvl="0" indent="0" algn="l" rtl="0">
-              <a:spcBef>
-                <a:spcPts val="0"/>
-              </a:spcBef>
-              <a:spcAft>
-                <a:spcPts val="0"/>
-              </a:spcAft>
-              <a:buNone/>
-            </a:pPr>
-            <a:r>
-              <a:rPr lang="en"/>
-              <a:t>Introduction</a:t>
-            </a:r>
-            <a:endParaRPr/>
-          </a:p>
-        </p:txBody>
-      </p:sp>
-    </p:spTree>
-  </p:cSld>
-  <p:clrMapOvr>
-    <a:masterClrMapping/>
-  </p:clrMapOvr>
-</p:sld>
-</file>
-
-<file path=ppt/slides/slide9.xml><?xml version="1.0" encoding="utf-8"?>
-<p:sld xmlns:a="http://schemas.openxmlformats.org/drawingml/2006/main" xmlns:r="http://schemas.openxmlformats.org/officeDocument/2006/relationships" xmlns:p="http://schemas.openxmlformats.org/presentationml/2006/main">
-  <p:cSld>
-    <p:spTree>
-      <p:nvGrpSpPr>
-        <p:cNvPr id="1" name="Shape 180"/>
-        <p:cNvGrpSpPr/>
-        <p:nvPr/>
-      </p:nvGrpSpPr>
-      <p:grpSpPr>
-        <a:xfrm>
-          <a:off x="0" y="0"/>
-          <a:ext cx="0" cy="0"/>
-          <a:chOff x="0" y="0"/>
-          <a:chExt cx="0" cy="0"/>
-        </a:xfrm>
-      </p:grpSpPr>
-      <p:sp>
-        <p:nvSpPr>
-          <p:cNvPr id="181" name="Google Shape;181;p21"/>
-          <p:cNvSpPr txBox="1">
-            <a:spLocks noGrp="1"/>
-          </p:cNvSpPr>
-          <p:nvPr>
-            <p:ph type="title"/>
-          </p:nvPr>
-        </p:nvSpPr>
-        <p:spPr>
-          <a:xfrm>
-            <a:off x="1297500" y="393750"/>
-            <a:ext cx="7038900" cy="914100"/>
-          </a:xfrm>
-          <a:prstGeom prst="rect">
-            <a:avLst/>
-          </a:prstGeom>
-        </p:spPr>
-        <p:txBody>
-          <a:bodyPr spcFirstLastPara="1" wrap="square" lIns="91425" tIns="91425" rIns="91425" bIns="91425" anchor="t" anchorCtr="0">
-            <a:noAutofit/>
-          </a:bodyPr>
-          <a:lstStyle/>
-          <a:p>
-            <a:pPr marL="0" lvl="0" indent="0" algn="l" rtl="0">
-              <a:spcBef>
-                <a:spcPts val="0"/>
-              </a:spcBef>
-              <a:spcAft>
-                <a:spcPts val="0"/>
-              </a:spcAft>
-              <a:buNone/>
-            </a:pPr>
-            <a:r>
-              <a:rPr lang="en"/>
-              <a:t>User Account</a:t>
-            </a:r>
-            <a:endParaRPr/>
-          </a:p>
-        </p:txBody>
-      </p:sp>
-      <p:sp>
-        <p:nvSpPr>
-          <p:cNvPr id="182" name="Google Shape;182;p21"/>
-          <p:cNvSpPr txBox="1">
-            <a:spLocks noGrp="1"/>
-          </p:cNvSpPr>
-          <p:nvPr>
-            <p:ph type="body" idx="1"/>
-          </p:nvPr>
-        </p:nvSpPr>
-        <p:spPr>
-          <a:xfrm>
-            <a:off x="1297500" y="1567550"/>
-            <a:ext cx="7038900" cy="2911200"/>
-          </a:xfrm>
-          <a:prstGeom prst="rect">
-            <a:avLst/>
-          </a:prstGeom>
-        </p:spPr>
-        <p:txBody>
-          <a:bodyPr spcFirstLastPara="1" wrap="square" lIns="91425" tIns="91425" rIns="91425" bIns="91425" anchor="t" anchorCtr="0">
-            <a:noAutofit/>
-          </a:bodyPr>
-          <a:lstStyle/>
-          <a:p>
-            <a:pPr marL="0" lvl="0" indent="0" algn="l" rtl="0">
-              <a:spcBef>
-                <a:spcPts val="0"/>
-              </a:spcBef>
-              <a:spcAft>
-                <a:spcPts val="0"/>
-              </a:spcAft>
-              <a:buNone/>
-            </a:pPr>
-            <a:r>
-              <a:rPr lang="en"/>
-              <a:t>•   Every user will have a unique account with unique details such as a username and a password.</a:t>
-            </a:r>
-            <a:endParaRPr/>
-          </a:p>
-          <a:p>
-            <a:pPr marL="0" lvl="0" indent="0" algn="l" rtl="0">
-              <a:spcBef>
-                <a:spcPts val="1600"/>
-              </a:spcBef>
-              <a:spcAft>
-                <a:spcPts val="0"/>
-              </a:spcAft>
-              <a:buNone/>
-            </a:pPr>
-            <a:r>
-              <a:rPr lang="en"/>
-              <a:t>•   After creating a new account, users will have to set up their profile.</a:t>
-            </a:r>
-            <a:endParaRPr/>
-          </a:p>
-          <a:p>
-            <a:pPr marL="0" lvl="0" indent="0" algn="l" rtl="0">
-              <a:spcBef>
-                <a:spcPts val="1600"/>
-              </a:spcBef>
-              <a:spcAft>
-                <a:spcPts val="0"/>
-              </a:spcAft>
-              <a:buNone/>
-            </a:pPr>
-            <a:r>
-              <a:rPr lang="en"/>
-              <a:t>•   A profile will consist of basic personal information like name, photo, year, areas of interest,  a bio, and a few optional contact details.</a:t>
-            </a:r>
-            <a:endParaRPr/>
-          </a:p>
-          <a:p>
-            <a:pPr marL="0" lvl="0" indent="0" algn="l" rtl="0">
-              <a:spcBef>
-                <a:spcPts val="1600"/>
-              </a:spcBef>
-              <a:spcAft>
-                <a:spcPts val="0"/>
-              </a:spcAft>
-              <a:buNone/>
-            </a:pPr>
-            <a:r>
-              <a:rPr lang="en"/>
-              <a:t>•   To encourage stronger and faster connection, all profiles would be completely open to everyone using this platform.</a:t>
-            </a:r>
-            <a:endParaRPr/>
-          </a:p>
-          <a:p>
-            <a:pPr marL="0" lvl="0" indent="0" algn="l" rtl="0">
-              <a:spcBef>
-                <a:spcPts val="1600"/>
-              </a:spcBef>
-              <a:spcAft>
-                <a:spcPts val="0"/>
-              </a:spcAft>
-              <a:buNone/>
-            </a:pPr>
-            <a:endParaRPr/>
-          </a:p>
-          <a:p>
-            <a:pPr marL="0" lvl="0" indent="0" algn="l" rtl="0">
-              <a:spcBef>
-                <a:spcPts val="1600"/>
-              </a:spcBef>
-              <a:spcAft>
-                <a:spcPts val="0"/>
-              </a:spcAft>
-              <a:buNone/>
-            </a:pPr>
-            <a:endParaRPr/>
-          </a:p>
-          <a:p>
-            <a:pPr marL="0" lvl="0" indent="0" algn="l" rtl="0">
-              <a:spcBef>
-                <a:spcPts val="1600"/>
-              </a:spcBef>
-              <a:spcAft>
-                <a:spcPts val="0"/>
-              </a:spcAft>
-              <a:buNone/>
-            </a:pPr>
-            <a:endParaRPr/>
-          </a:p>
-          <a:p>
-            <a:pPr marL="457200" lvl="0" indent="0" algn="l" rtl="0">
-              <a:spcBef>
-                <a:spcPts val="1600"/>
-              </a:spcBef>
-              <a:spcAft>
-                <a:spcPts val="1600"/>
-              </a:spcAft>
-              <a:buNone/>
-            </a:pPr>
-            <a:endParaRPr/>
           </a:p>
         </p:txBody>
       </p:sp>
